--- a/bin/presentations/JPMS.pptx
+++ b/bin/presentations/JPMS.pptx
@@ -5,14 +5,14 @@
     <p:sldMasterId id="2147483648" r:id="rId1"/>
   </p:sldMasterIdLst>
   <p:notesMasterIdLst>
-    <p:notesMasterId r:id="rId5"/>
+    <p:notesMasterId r:id="rId4"/>
   </p:notesMasterIdLst>
   <p:handoutMasterIdLst>
     <p:handoutMasterId r:id="rId16"/>
   </p:handoutMasterIdLst>
   <p:sldIdLst>
     <p:sldId id="360" r:id="rId3"/>
-    <p:sldId id="369" r:id="rId4"/>
+    <p:sldId id="369" r:id="rId5"/>
     <p:sldId id="367" r:id="rId6"/>
     <p:sldId id="363" r:id="rId7"/>
     <p:sldId id="361" r:id="rId8"/>
@@ -661,6 +661,318 @@
         <p:txBody>
           <a:bodyPr/>
           <a:p>
+            <a:r>
+              <a:rPr lang="en-US"/>
+              <a:t>co-exist</a:t>
+            </a:r>
+            <a:endParaRPr lang="en-US"/>
+          </a:p>
+          <a:p>
+            <a:r>
+              <a:rPr lang="en-US"/>
+              <a:t>Class path: where the jar files or .class files were located to be used by the runtime.</a:t>
+            </a:r>
+            <a:endParaRPr lang="en-US"/>
+          </a:p>
+          <a:p>
+            <a:r>
+              <a:rPr lang="en-US"/>
+              <a:t>Module path: sequence of modules</a:t>
+            </a:r>
+            <a:endParaRPr lang="en-US"/>
+          </a:p>
+        </p:txBody>
+      </p:sp>
+    </p:spTree>
+  </p:cSld>
+  <p:clrMapOvr>
+    <a:masterClrMapping/>
+  </p:clrMapOvr>
+</p:notes>
+</file>
+
+<file path=ppt/notesSlides/notesSlide2.xml><?xml version="1.0" encoding="utf-8"?>
+<p:notes xmlns:a="http://schemas.openxmlformats.org/drawingml/2006/main" xmlns:r="http://schemas.openxmlformats.org/officeDocument/2006/relationships" xmlns:p="http://schemas.openxmlformats.org/presentationml/2006/main">
+  <p:cSld>
+    <p:spTree>
+      <p:nvGrpSpPr>
+        <p:cNvPr id="1" name=""/>
+        <p:cNvGrpSpPr/>
+        <p:nvPr/>
+      </p:nvGrpSpPr>
+      <p:grpSpPr/>
+      <p:sp>
+        <p:nvSpPr>
+          <p:cNvPr id="2" name="Slide Image Placeholder 1"/>
+          <p:cNvSpPr/>
+          <p:nvPr>
+            <p:ph type="sldImg" idx="2"/>
+          </p:nvPr>
+        </p:nvSpPr>
+        <p:spPr/>
+      </p:sp>
+      <p:sp>
+        <p:nvSpPr>
+          <p:cNvPr id="3" name="Text Placeholder 2"/>
+          <p:cNvSpPr/>
+          <p:nvPr>
+            <p:ph type="body" idx="3"/>
+          </p:nvPr>
+        </p:nvSpPr>
+        <p:spPr/>
+        <p:txBody>
+          <a:bodyPr/>
+          <a:p>
+            <a:r>
+              <a:rPr lang="en-US"/>
+              <a:t>A module is a new way of grouping code, data and some resources, adding a higher level of aggregation above packages. Every module describes which packages are exposed and which packages of other modules your application depends on. In modules, only explicitly exported public classes can be used from other modules.</a:t>
+            </a:r>
+            <a:endParaRPr lang="en-US"/>
+          </a:p>
+        </p:txBody>
+      </p:sp>
+    </p:spTree>
+  </p:cSld>
+  <p:clrMapOvr>
+    <a:masterClrMapping/>
+  </p:clrMapOvr>
+</p:notes>
+</file>
+
+<file path=ppt/notesSlides/notesSlide3.xml><?xml version="1.0" encoding="utf-8"?>
+<p:notes xmlns:a="http://schemas.openxmlformats.org/drawingml/2006/main" xmlns:r="http://schemas.openxmlformats.org/officeDocument/2006/relationships" xmlns:p="http://schemas.openxmlformats.org/presentationml/2006/main">
+  <p:cSld>
+    <p:spTree>
+      <p:nvGrpSpPr>
+        <p:cNvPr id="1" name=""/>
+        <p:cNvGrpSpPr/>
+        <p:nvPr/>
+      </p:nvGrpSpPr>
+      <p:grpSpPr/>
+      <p:sp>
+        <p:nvSpPr>
+          <p:cNvPr id="2" name="Slide Image Placeholder 1"/>
+          <p:cNvSpPr/>
+          <p:nvPr>
+            <p:ph type="sldImg" idx="2"/>
+          </p:nvPr>
+        </p:nvSpPr>
+        <p:spPr/>
+      </p:sp>
+      <p:sp>
+        <p:nvSpPr>
+          <p:cNvPr id="3" name="Text Placeholder 2"/>
+          <p:cNvSpPr/>
+          <p:nvPr>
+            <p:ph type="body" idx="3"/>
+          </p:nvPr>
+        </p:nvSpPr>
+        <p:spPr/>
+        <p:txBody>
+          <a:bodyPr/>
+          <a:p>
+            <a:r>
+              <a:rPr lang="en-US"/>
+              <a:t>- Reliable configuration—Modularity provides mechanisms for explicitly declaring dependencies between modules in a manner that’s recognized both at compile time and execution time. The system can walk through these dependencies to determine the subset of all modules required to support your app.</a:t>
+            </a:r>
+            <a:endParaRPr lang="en-US"/>
+          </a:p>
+          <a:p>
+            <a:r>
+              <a:rPr lang="en-US"/>
+              <a:t>- Strong encapsulation—The packages in a module are accessible to other modules only if the module explicitly exports them. Even then, another module cannot use those packages unless it explicitly states that it requires the other module’s capabilities. This improves platform security because fewer classes are accessible to potential attackers. You may find that considering modularity helps you come up with cleaner, more logical designs.</a:t>
+            </a:r>
+            <a:endParaRPr lang="en-US"/>
+          </a:p>
+          <a:p>
+            <a:r>
+              <a:rPr lang="en-US"/>
+              <a:t>- Scalable—Previously, the Java platform was a monolith consisting of a massive number of packages, making it challenging to develop, maintain and evolve. It couldn't be easily subsetted. The platform is now modularized into 95 modules (this number might change as Java evolves). You can create custom runtimes consisting of only modules you need for your apps or the devices you’re targeting. For example, if a device does not support GUIs, you could create a runtime that does not include the GUI modules, significantly reducing the runtime's size.</a:t>
+            </a:r>
+            <a:endParaRPr lang="en-US"/>
+          </a:p>
+          <a:p>
+            <a:r>
+              <a:rPr lang="en-US"/>
+              <a:t>Improved performance—The JVM uses various optimization techniques to improve application performance. These techniques are more effective when it’s known in advance that required types are located only in specific modules.</a:t>
+            </a:r>
+            <a:endParaRPr lang="en-US"/>
+          </a:p>
+          <a:p>
+            <a:r>
+              <a:rPr lang="en-US"/>
+              <a:t>- SRI: JDK is too big to scale down to small devices. JAR files, like rt.jar, are too big to be used on small devices and applications</a:t>
+            </a:r>
+            <a:endParaRPr lang="en-US"/>
+          </a:p>
+        </p:txBody>
+      </p:sp>
+    </p:spTree>
+  </p:cSld>
+  <p:clrMapOvr>
+    <a:masterClrMapping/>
+  </p:clrMapOvr>
+</p:notes>
+</file>
+
+<file path=ppt/notesSlides/notesSlide4.xml><?xml version="1.0" encoding="utf-8"?>
+<p:notes xmlns:a="http://schemas.openxmlformats.org/drawingml/2006/main" xmlns:r="http://schemas.openxmlformats.org/officeDocument/2006/relationships" xmlns:p="http://schemas.openxmlformats.org/presentationml/2006/main">
+  <p:cSld>
+    <p:spTree>
+      <p:nvGrpSpPr>
+        <p:cNvPr id="1" name=""/>
+        <p:cNvGrpSpPr/>
+        <p:nvPr/>
+      </p:nvGrpSpPr>
+      <p:grpSpPr/>
+      <p:sp>
+        <p:nvSpPr>
+          <p:cNvPr id="2" name="Slide Image Placeholder 1"/>
+          <p:cNvSpPr/>
+          <p:nvPr>
+            <p:ph type="sldImg" idx="2"/>
+          </p:nvPr>
+        </p:nvSpPr>
+        <p:spPr/>
+      </p:sp>
+      <p:sp>
+        <p:nvSpPr>
+          <p:cNvPr id="3" name="Text Placeholder 2"/>
+          <p:cNvSpPr/>
+          <p:nvPr>
+            <p:ph type="body" idx="3"/>
+          </p:nvPr>
+        </p:nvSpPr>
+        <p:spPr/>
+        <p:txBody>
+          <a:bodyPr/>
+          <a:p>
+            <a:endParaRPr lang="en-US"/>
+          </a:p>
+        </p:txBody>
+      </p:sp>
+    </p:spTree>
+  </p:cSld>
+  <p:clrMapOvr>
+    <a:masterClrMapping/>
+  </p:clrMapOvr>
+</p:notes>
+</file>
+
+<file path=ppt/notesSlides/notesSlide5.xml><?xml version="1.0" encoding="utf-8"?>
+<p:notes xmlns:a="http://schemas.openxmlformats.org/drawingml/2006/main" xmlns:r="http://schemas.openxmlformats.org/officeDocument/2006/relationships" xmlns:p="http://schemas.openxmlformats.org/presentationml/2006/main">
+  <p:cSld>
+    <p:spTree>
+      <p:nvGrpSpPr>
+        <p:cNvPr id="1" name=""/>
+        <p:cNvGrpSpPr/>
+        <p:nvPr/>
+      </p:nvGrpSpPr>
+      <p:grpSpPr/>
+      <p:sp>
+        <p:nvSpPr>
+          <p:cNvPr id="2" name="Slide Image Placeholder 1"/>
+          <p:cNvSpPr/>
+          <p:nvPr>
+            <p:ph type="sldImg" idx="2"/>
+          </p:nvPr>
+        </p:nvSpPr>
+        <p:spPr/>
+      </p:sp>
+      <p:sp>
+        <p:nvSpPr>
+          <p:cNvPr id="3" name="Text Placeholder 2"/>
+          <p:cNvSpPr/>
+          <p:nvPr>
+            <p:ph type="body" idx="3"/>
+          </p:nvPr>
+        </p:nvSpPr>
+        <p:spPr/>
+        <p:txBody>
+          <a:bodyPr/>
+          <a:p>
+            <a:r>
+              <a:rPr lang="en-US"/>
+              <a:t>- Named module: a module created with a module declaration file module-info.java in its folder.</a:t>
+            </a:r>
+            <a:endParaRPr lang="en-US"/>
+          </a:p>
+          <a:p>
+            <a:r>
+              <a:rPr lang="en-US"/>
+              <a:t>- Unnamed module: a jar built without module-info.java declaration</a:t>
+            </a:r>
+            <a:endParaRPr lang="en-US"/>
+          </a:p>
+          <a:p>
+            <a:r>
+              <a:rPr lang="en-US"/>
+              <a:t>Named modules does not allowed to read unnamed modules</a:t>
+            </a:r>
+            <a:endParaRPr lang="en-US"/>
+          </a:p>
+          <a:p>
+            <a:r>
+              <a:rPr lang="en-US"/>
+              <a:t>- Automated modules: M</a:t>
+            </a:r>
+            <a:r>
+              <a:rPr lang="en-US">
+                <a:sym typeface="+mn-ea"/>
+              </a:rPr>
+              <a:t>odule name derived from its jar name, or if it has a Manifest entry Automatic-Module-Name, the module name will be its value.</a:t>
+            </a:r>
+            <a:endParaRPr lang="en-US"/>
+          </a:p>
+          <a:p>
+            <a:r>
+              <a:rPr lang="en-US"/>
+              <a:t>You are working on a Java module application, but one of your dependencies is not a module, and you don't have access to that code to convert it into an application module. A normal jar can be converted into a module by putting this library in the module-path instead of the classpath -&gt; it immediately becomes an “automatic module.</a:t>
+            </a:r>
+            <a:endParaRPr lang="en-US"/>
+          </a:p>
+        </p:txBody>
+      </p:sp>
+    </p:spTree>
+  </p:cSld>
+  <p:clrMapOvr>
+    <a:masterClrMapping/>
+  </p:clrMapOvr>
+</p:notes>
+</file>
+
+<file path=ppt/notesSlides/notesSlide6.xml><?xml version="1.0" encoding="utf-8"?>
+<p:notes xmlns:a="http://schemas.openxmlformats.org/drawingml/2006/main" xmlns:r="http://schemas.openxmlformats.org/officeDocument/2006/relationships" xmlns:p="http://schemas.openxmlformats.org/presentationml/2006/main">
+  <p:cSld>
+    <p:spTree>
+      <p:nvGrpSpPr>
+        <p:cNvPr id="1" name=""/>
+        <p:cNvGrpSpPr/>
+        <p:nvPr/>
+      </p:nvGrpSpPr>
+      <p:grpSpPr/>
+      <p:sp>
+        <p:nvSpPr>
+          <p:cNvPr id="2" name="Slide Image Placeholder 1"/>
+          <p:cNvSpPr/>
+          <p:nvPr>
+            <p:ph type="sldImg" idx="2"/>
+          </p:nvPr>
+        </p:nvSpPr>
+        <p:spPr/>
+      </p:sp>
+      <p:sp>
+        <p:nvSpPr>
+          <p:cNvPr id="3" name="Text Placeholder 2"/>
+          <p:cNvSpPr/>
+          <p:nvPr>
+            <p:ph type="body" idx="3"/>
+          </p:nvPr>
+        </p:nvSpPr>
+        <p:spPr/>
+        <p:txBody>
+          <a:bodyPr/>
+          <a:p>
             <a:endParaRPr lang="en-US"/>
           </a:p>
         </p:txBody>
@@ -1953,58 +2265,57 @@
           </a:p>
         </p:txBody>
       </p:sp>
-      <p:pic>
-        <p:nvPicPr>
-          <p:cNvPr id="4" name="Picture Placeholder 3"/>
-          <p:cNvPicPr>
-            <a:picLocks noChangeAspect="1"/>
-          </p:cNvPicPr>
-          <p:nvPr>
-            <p:ph type="pic" sz="quarter" idx="12"/>
-          </p:nvPr>
-        </p:nvPicPr>
-        <p:blipFill>
-          <a:blip r:embed="rId1"/>
-          <a:stretch>
-            <a:fillRect/>
-          </a:stretch>
-        </p:blipFill>
-        <p:spPr>
-          <a:xfrm>
-            <a:off x="6548120" y="1819910"/>
-            <a:ext cx="5349875" cy="4128770"/>
-          </a:xfrm>
-          <a:prstGeom prst="rect">
-            <a:avLst/>
-          </a:prstGeom>
-        </p:spPr>
-      </p:pic>
-      <p:pic>
-        <p:nvPicPr>
-          <p:cNvPr id="8" name="Content Placeholder 7"/>
-          <p:cNvPicPr>
-            <a:picLocks noChangeAspect="1"/>
-          </p:cNvPicPr>
+      <p:graphicFrame>
+        <p:nvGraphicFramePr>
+          <p:cNvPr id="14" name="Content Placeholder 13"/>
+          <p:cNvGraphicFramePr/>
           <p:nvPr>
             <p:ph sz="quarter" idx="11"/>
           </p:nvPr>
-        </p:nvPicPr>
-        <p:blipFill>
-          <a:blip r:embed="rId2"/>
-          <a:stretch>
-            <a:fillRect/>
-          </a:stretch>
-        </p:blipFill>
-        <p:spPr>
-          <a:xfrm>
-            <a:off x="234950" y="1819910"/>
-            <a:ext cx="5960110" cy="4138295"/>
-          </a:xfrm>
-          <a:prstGeom prst="rect">
-            <a:avLst/>
-          </a:prstGeom>
-        </p:spPr>
-      </p:pic>
+        </p:nvGraphicFramePr>
+        <p:xfrm>
+          <a:off x="2538730" y="1918335"/>
+          <a:ext cx="6525260" cy="4229100"/>
+        </p:xfrm>
+        <a:graphic>
+          <a:graphicData uri="http://schemas.openxmlformats.org/presentationml/2006/ole">
+            <mc:AlternateContent xmlns:mc="http://schemas.openxmlformats.org/markup-compatibility/2006">
+              <mc:Choice xmlns:v="urn:schemas-microsoft-com:vml" Requires="v">
+                <p:oleObj spid="_x0000_s15" name="" r:id="rId1" imgW="7758430" imgH="5993765" progId="">
+                  <p:embed/>
+                </p:oleObj>
+              </mc:Choice>
+              <mc:Fallback>
+                <p:oleObj name="" r:id="rId1" imgW="7758430" imgH="5993765" progId="">
+                  <p:embed/>
+                  <p:pic>
+                    <p:nvPicPr>
+                      <p:cNvPr id="0" name="Picture 14"/>
+                      <p:cNvPicPr/>
+                      <p:nvPr/>
+                    </p:nvPicPr>
+                    <p:blipFill>
+                      <a:blip r:embed="rId2"/>
+                      <a:stretch>
+                        <a:fillRect/>
+                      </a:stretch>
+                    </p:blipFill>
+                    <p:spPr>
+                      <a:xfrm>
+                        <a:off x="2538730" y="1918335"/>
+                        <a:ext cx="6525260" cy="4229100"/>
+                      </a:xfrm>
+                      <a:prstGeom prst="rect">
+                        <a:avLst/>
+                      </a:prstGeom>
+                    </p:spPr>
+                  </p:pic>
+                </p:oleObj>
+              </mc:Fallback>
+            </mc:AlternateContent>
+          </a:graphicData>
+        </a:graphic>
+      </p:graphicFrame>
     </p:spTree>
   </p:cSld>
   <p:clrMapOvr>
@@ -2065,7 +2376,7 @@
         </p:nvSpPr>
         <p:spPr>
           <a:xfrm>
-            <a:off x="1080770" y="1932940"/>
+            <a:off x="4279900" y="3308985"/>
             <a:ext cx="8473440" cy="4109720"/>
           </a:xfrm>
         </p:spPr>
@@ -2075,15 +2386,22 @@
           <a:p>
             <a:pPr>
               <a:lnSpc>
-                <a:spcPct val="150000"/>
+                <a:spcPct val="210000"/>
               </a:lnSpc>
             </a:pPr>
-            <a:r>
-              <a:rPr lang="en-US" sz="2600" b="1">
-                <a:sym typeface="+mn-ea"/>
-              </a:rPr>
-              <a:t>Encapsulated JDK internal APIs</a:t>
-            </a:r>
+            <a:endParaRPr lang="en-US" sz="2600" b="1">
+              <a:sym typeface="+mn-ea"/>
+            </a:endParaRPr>
+          </a:p>
+          <a:p>
+            <a:pPr fontAlgn="auto">
+              <a:lnSpc>
+                <a:spcPct val="210000"/>
+              </a:lnSpc>
+              <a:spcAft>
+                <a:spcPts val="600"/>
+              </a:spcAft>
+            </a:pPr>
             <a:endParaRPr lang="en-US" sz="2600" b="1">
               <a:sym typeface="+mn-ea"/>
             </a:endParaRPr>
@@ -2091,69 +2409,9 @@
           <a:p>
             <a:pPr>
               <a:lnSpc>
-                <a:spcPct val="150000"/>
+                <a:spcPct val="140000"/>
               </a:lnSpc>
             </a:pPr>
-            <a:r>
-              <a:rPr lang="en-US" sz="2600" b="1">
-                <a:sym typeface="+mn-ea"/>
-              </a:rPr>
-              <a:t>Cyclic dependencies</a:t>
-            </a:r>
-            <a:endParaRPr lang="en-US" sz="2600" b="1"/>
-          </a:p>
-          <a:p>
-            <a:pPr>
-              <a:lnSpc>
-                <a:spcPct val="150000"/>
-              </a:lnSpc>
-            </a:pPr>
-            <a:r>
-              <a:rPr lang="en-US" sz="2600" b="1">
-                <a:sym typeface="+mn-ea"/>
-              </a:rPr>
-              <a:t>Split package</a:t>
-            </a:r>
-            <a:endParaRPr lang="en-US" sz="2600" b="1">
-              <a:sym typeface="+mn-ea"/>
-            </a:endParaRPr>
-          </a:p>
-          <a:p>
-            <a:pPr>
-              <a:lnSpc>
-                <a:spcPct val="150000"/>
-              </a:lnSpc>
-            </a:pPr>
-            <a:r>
-              <a:rPr lang="en-US" sz="2600" b="1">
-                <a:sym typeface="+mn-ea"/>
-              </a:rPr>
-              <a:t>Deprecated java.ee, removed methods &amp; libraries</a:t>
-            </a:r>
-            <a:endParaRPr lang="en-US" sz="2600" b="1">
-              <a:sym typeface="+mn-ea"/>
-            </a:endParaRPr>
-          </a:p>
-          <a:p>
-            <a:pPr>
-              <a:lnSpc>
-                <a:spcPct val="150000"/>
-              </a:lnSpc>
-            </a:pPr>
-            <a:r>
-              <a:rPr lang="en-US" sz="2600" b="1"/>
-              <a:t>Limited support of </a:t>
-            </a:r>
-            <a:r>
-              <a:rPr lang="en-US" sz="2600" b="1">
-                <a:sym typeface="+mn-ea"/>
-              </a:rPr>
-              <a:t>jlink &amp; </a:t>
-            </a:r>
-            <a:r>
-              <a:rPr lang="en-US" sz="2600" b="1"/>
-              <a:t>build plugin to build runtime image</a:t>
-            </a:r>
             <a:endParaRPr lang="en-US" sz="2600" b="1"/>
           </a:p>
         </p:txBody>
@@ -2357,11 +2615,1420 @@
           </a:p>
         </p:txBody>
       </p:sp>
+      <p:sp>
+        <p:nvSpPr>
+          <p:cNvPr id="3" name="Text Box 2"/>
+          <p:cNvSpPr txBox="1"/>
+          <p:nvPr/>
+        </p:nvSpPr>
+        <p:spPr>
+          <a:xfrm>
+            <a:off x="7505700" y="6247130"/>
+            <a:ext cx="5546090" cy="368300"/>
+          </a:xfrm>
+          <a:prstGeom prst="rect">
+            <a:avLst/>
+          </a:prstGeom>
+          <a:noFill/>
+        </p:spPr>
+        <p:txBody>
+          <a:bodyPr wrap="square" rtlCol="0">
+            <a:spAutoFit/>
+          </a:bodyPr>
+          <a:p>
+            <a:r>
+              <a:rPr lang="en-US">
+                <a:sym typeface="+mn-ea"/>
+              </a:rPr>
+              <a:t>(*) jlink: jdk tool to generate runtime image</a:t>
+            </a:r>
+            <a:endParaRPr lang="en-US"/>
+          </a:p>
+        </p:txBody>
+      </p:sp>
+      <p:pic>
+        <p:nvPicPr>
+          <p:cNvPr id="7" name="Picture 6"/>
+          <p:cNvPicPr>
+            <a:picLocks noChangeAspect="1"/>
+          </p:cNvPicPr>
+          <p:nvPr/>
+        </p:nvPicPr>
+        <p:blipFill>
+          <a:blip r:embed="rId1"/>
+          <a:stretch>
+            <a:fillRect/>
+          </a:stretch>
+        </p:blipFill>
+        <p:spPr>
+          <a:xfrm>
+            <a:off x="8926195" y="2393315"/>
+            <a:ext cx="1710690" cy="1576705"/>
+          </a:xfrm>
+          <a:prstGeom prst="rect">
+            <a:avLst/>
+          </a:prstGeom>
+        </p:spPr>
+      </p:pic>
+      <p:graphicFrame>
+        <p:nvGraphicFramePr>
+          <p:cNvPr id="11" name="Object 10"/>
+          <p:cNvGraphicFramePr/>
+          <p:nvPr/>
+        </p:nvGraphicFramePr>
+        <p:xfrm>
+          <a:off x="8926195" y="1660525"/>
+          <a:ext cx="2706370" cy="860425"/>
+        </p:xfrm>
+        <a:graphic>
+          <a:graphicData uri="http://schemas.openxmlformats.org/presentationml/2006/ole">
+            <mc:AlternateContent xmlns:mc="http://schemas.openxmlformats.org/markup-compatibility/2006">
+              <mc:Choice xmlns:v="urn:schemas-microsoft-com:vml" Requires="v">
+                <p:oleObj spid="_x0000_s12" name="" r:id="rId2" imgW="2933065" imgH="990600" progId="">
+                  <p:embed/>
+                </p:oleObj>
+              </mc:Choice>
+              <mc:Fallback>
+                <p:oleObj name="" r:id="rId2" imgW="2933065" imgH="990600" progId="">
+                  <p:embed/>
+                  <p:pic>
+                    <p:nvPicPr>
+                      <p:cNvPr id="0" name="Picture 11"/>
+                      <p:cNvPicPr/>
+                      <p:nvPr/>
+                    </p:nvPicPr>
+                    <p:blipFill>
+                      <a:blip r:embed="rId3"/>
+                      <a:stretch>
+                        <a:fillRect/>
+                      </a:stretch>
+                    </p:blipFill>
+                    <p:spPr>
+                      <a:xfrm>
+                        <a:off x="8926195" y="1660525"/>
+                        <a:ext cx="2706370" cy="860425"/>
+                      </a:xfrm>
+                      <a:prstGeom prst="rect">
+                        <a:avLst/>
+                      </a:prstGeom>
+                    </p:spPr>
+                  </p:pic>
+                </p:oleObj>
+              </mc:Fallback>
+            </mc:AlternateContent>
+          </a:graphicData>
+        </a:graphic>
+      </p:graphicFrame>
+      <p:pic>
+        <p:nvPicPr>
+          <p:cNvPr id="13" name="Picture 12"/>
+          <p:cNvPicPr>
+            <a:picLocks noChangeAspect="1"/>
+          </p:cNvPicPr>
+          <p:nvPr/>
+        </p:nvPicPr>
+        <p:blipFill>
+          <a:blip r:embed="rId4"/>
+          <a:stretch>
+            <a:fillRect/>
+          </a:stretch>
+        </p:blipFill>
+        <p:spPr>
+          <a:xfrm>
+            <a:off x="8926195" y="3559175"/>
+            <a:ext cx="3112135" cy="1427480"/>
+          </a:xfrm>
+          <a:prstGeom prst="rect">
+            <a:avLst/>
+          </a:prstGeom>
+        </p:spPr>
+      </p:pic>
+      <p:sp>
+        <p:nvSpPr>
+          <p:cNvPr id="14" name="Text Placeholder 4"/>
+          <p:cNvSpPr>
+            <a:spLocks noGrp="1"/>
+          </p:cNvSpPr>
+          <p:nvPr/>
+        </p:nvSpPr>
+        <p:spPr>
+          <a:xfrm>
+            <a:off x="1400175" y="1825625"/>
+            <a:ext cx="5885815" cy="530860"/>
+          </a:xfrm>
+          <a:prstGeom prst="rect">
+            <a:avLst/>
+          </a:prstGeom>
+        </p:spPr>
+        <p:txBody>
+          <a:bodyPr/>
+          <a:lstStyle>
+            <a:lvl1pPr marL="228600" indent="-228600" algn="l" defTabSz="914400" rtl="0" eaLnBrk="1" latinLnBrk="0" hangingPunct="1">
+              <a:lnSpc>
+                <a:spcPct val="90000"/>
+              </a:lnSpc>
+              <a:spcBef>
+                <a:spcPts val="1000"/>
+              </a:spcBef>
+              <a:buClr>
+                <a:schemeClr val="accent1"/>
+              </a:buClr>
+              <a:buFont typeface="Arial" panose="020B0604020202020204" pitchFamily="34" charset="0"/>
+              <a:buChar char="•"/>
+              <a:defRPr sz="2000" kern="1200" baseline="0">
+                <a:solidFill>
+                  <a:schemeClr val="tx1"/>
+                </a:solidFill>
+                <a:latin typeface="+mn-lt"/>
+                <a:ea typeface="+mn-ea"/>
+                <a:cs typeface="+mn-cs"/>
+              </a:defRPr>
+            </a:lvl1pPr>
+            <a:lvl2pPr marL="685800" indent="-228600" algn="l" defTabSz="914400" rtl="0" eaLnBrk="1" latinLnBrk="0" hangingPunct="1">
+              <a:lnSpc>
+                <a:spcPct val="90000"/>
+              </a:lnSpc>
+              <a:spcBef>
+                <a:spcPts val="500"/>
+              </a:spcBef>
+              <a:buClr>
+                <a:srgbClr val="02A9F7"/>
+              </a:buClr>
+              <a:buFont typeface="Arial" panose="020B0604020202020204" pitchFamily="34" charset="0"/>
+              <a:buChar char="‒"/>
+              <a:defRPr sz="1800" kern="1200" baseline="0">
+                <a:solidFill>
+                  <a:schemeClr val="tx1"/>
+                </a:solidFill>
+                <a:latin typeface="+mn-lt"/>
+                <a:ea typeface="+mn-ea"/>
+                <a:cs typeface="+mn-cs"/>
+              </a:defRPr>
+            </a:lvl2pPr>
+            <a:lvl3pPr marL="1143000" indent="-228600" algn="l" defTabSz="914400" rtl="0" eaLnBrk="1" latinLnBrk="0" hangingPunct="1">
+              <a:lnSpc>
+                <a:spcPct val="90000"/>
+              </a:lnSpc>
+              <a:spcBef>
+                <a:spcPts val="500"/>
+              </a:spcBef>
+              <a:buFont typeface="Arial" panose="020B0604020202020204" pitchFamily="34" charset="0"/>
+              <a:buChar char="•"/>
+              <a:defRPr sz="1600" kern="1200" baseline="0">
+                <a:solidFill>
+                  <a:schemeClr val="tx1"/>
+                </a:solidFill>
+                <a:latin typeface="+mn-lt"/>
+                <a:ea typeface="+mn-ea"/>
+                <a:cs typeface="+mn-cs"/>
+              </a:defRPr>
+            </a:lvl3pPr>
+            <a:lvl4pPr marL="1600200" indent="-228600" algn="l" defTabSz="914400" rtl="0" eaLnBrk="1" latinLnBrk="0" hangingPunct="1">
+              <a:lnSpc>
+                <a:spcPct val="90000"/>
+              </a:lnSpc>
+              <a:spcBef>
+                <a:spcPts val="500"/>
+              </a:spcBef>
+              <a:buFont typeface="Arial" panose="020B0604020202020204" pitchFamily="34" charset="0"/>
+              <a:buChar char="•"/>
+              <a:defRPr sz="1400" kern="1200">
+                <a:solidFill>
+                  <a:schemeClr val="tx1"/>
+                </a:solidFill>
+                <a:latin typeface="+mn-lt"/>
+                <a:ea typeface="+mn-ea"/>
+                <a:cs typeface="+mn-cs"/>
+              </a:defRPr>
+            </a:lvl4pPr>
+            <a:lvl5pPr marL="2057400" indent="-228600" algn="l" defTabSz="914400" rtl="0" eaLnBrk="1" latinLnBrk="0" hangingPunct="1">
+              <a:lnSpc>
+                <a:spcPct val="90000"/>
+              </a:lnSpc>
+              <a:spcBef>
+                <a:spcPts val="500"/>
+              </a:spcBef>
+              <a:buFont typeface="Arial" panose="020B0604020202020204" pitchFamily="34" charset="0"/>
+              <a:buChar char="•"/>
+              <a:defRPr sz="1200" kern="1200">
+                <a:solidFill>
+                  <a:schemeClr val="tx1"/>
+                </a:solidFill>
+                <a:latin typeface="+mn-lt"/>
+                <a:ea typeface="+mn-ea"/>
+                <a:cs typeface="+mn-cs"/>
+              </a:defRPr>
+            </a:lvl5pPr>
+            <a:lvl6pPr marL="2514600" indent="-228600" algn="l" defTabSz="914400" rtl="0" eaLnBrk="1" latinLnBrk="0" hangingPunct="1">
+              <a:lnSpc>
+                <a:spcPct val="90000"/>
+              </a:lnSpc>
+              <a:spcBef>
+                <a:spcPts val="500"/>
+              </a:spcBef>
+              <a:buFont typeface="Arial" panose="020B0604020202020204" pitchFamily="34" charset="0"/>
+              <a:buChar char="•"/>
+              <a:defRPr sz="1800" kern="1200">
+                <a:solidFill>
+                  <a:schemeClr val="tx1"/>
+                </a:solidFill>
+                <a:latin typeface="+mn-lt"/>
+                <a:ea typeface="+mn-ea"/>
+                <a:cs typeface="+mn-cs"/>
+              </a:defRPr>
+            </a:lvl6pPr>
+            <a:lvl7pPr marL="2971800" indent="-228600" algn="l" defTabSz="914400" rtl="0" eaLnBrk="1" latinLnBrk="0" hangingPunct="1">
+              <a:lnSpc>
+                <a:spcPct val="90000"/>
+              </a:lnSpc>
+              <a:spcBef>
+                <a:spcPts val="500"/>
+              </a:spcBef>
+              <a:buFont typeface="Arial" panose="020B0604020202020204" pitchFamily="34" charset="0"/>
+              <a:buChar char="•"/>
+              <a:defRPr sz="1800" kern="1200">
+                <a:solidFill>
+                  <a:schemeClr val="tx1"/>
+                </a:solidFill>
+                <a:latin typeface="+mn-lt"/>
+                <a:ea typeface="+mn-ea"/>
+                <a:cs typeface="+mn-cs"/>
+              </a:defRPr>
+            </a:lvl7pPr>
+            <a:lvl8pPr marL="3429000" indent="-228600" algn="l" defTabSz="914400" rtl="0" eaLnBrk="1" latinLnBrk="0" hangingPunct="1">
+              <a:lnSpc>
+                <a:spcPct val="90000"/>
+              </a:lnSpc>
+              <a:spcBef>
+                <a:spcPts val="500"/>
+              </a:spcBef>
+              <a:buFont typeface="Arial" panose="020B0604020202020204" pitchFamily="34" charset="0"/>
+              <a:buChar char="•"/>
+              <a:defRPr sz="1800" kern="1200">
+                <a:solidFill>
+                  <a:schemeClr val="tx1"/>
+                </a:solidFill>
+                <a:latin typeface="+mn-lt"/>
+                <a:ea typeface="+mn-ea"/>
+                <a:cs typeface="+mn-cs"/>
+              </a:defRPr>
+            </a:lvl8pPr>
+            <a:lvl9pPr marL="3886200" indent="-228600" algn="l" defTabSz="914400" rtl="0" eaLnBrk="1" latinLnBrk="0" hangingPunct="1">
+              <a:lnSpc>
+                <a:spcPct val="90000"/>
+              </a:lnSpc>
+              <a:spcBef>
+                <a:spcPts val="500"/>
+              </a:spcBef>
+              <a:buFont typeface="Arial" panose="020B0604020202020204" pitchFamily="34" charset="0"/>
+              <a:buChar char="•"/>
+              <a:defRPr sz="1800" kern="1200">
+                <a:solidFill>
+                  <a:schemeClr val="tx1"/>
+                </a:solidFill>
+                <a:latin typeface="+mn-lt"/>
+                <a:ea typeface="+mn-ea"/>
+                <a:cs typeface="+mn-cs"/>
+              </a:defRPr>
+            </a:lvl9pPr>
+          </a:lstStyle>
+          <a:p>
+            <a:pPr>
+              <a:lnSpc>
+                <a:spcPct val="110000"/>
+              </a:lnSpc>
+            </a:pPr>
+            <a:r>
+              <a:rPr lang="en-US" sz="2600" b="1">
+                <a:sym typeface="+mn-ea"/>
+              </a:rPr>
+              <a:t>Encapsulated JDK internal APIs</a:t>
+            </a:r>
+            <a:endParaRPr lang="en-US" sz="2600" b="1"/>
+          </a:p>
+        </p:txBody>
+      </p:sp>
+      <p:sp>
+        <p:nvSpPr>
+          <p:cNvPr id="15" name="Text Placeholder 4"/>
+          <p:cNvSpPr>
+            <a:spLocks noGrp="1"/>
+          </p:cNvSpPr>
+          <p:nvPr/>
+        </p:nvSpPr>
+        <p:spPr>
+          <a:xfrm>
+            <a:off x="1400175" y="2916555"/>
+            <a:ext cx="5885815" cy="530860"/>
+          </a:xfrm>
+          <a:prstGeom prst="rect">
+            <a:avLst/>
+          </a:prstGeom>
+        </p:spPr>
+        <p:txBody>
+          <a:bodyPr/>
+          <a:lstStyle>
+            <a:lvl1pPr marL="228600" indent="-228600" algn="l" defTabSz="914400" rtl="0" eaLnBrk="1" latinLnBrk="0" hangingPunct="1">
+              <a:lnSpc>
+                <a:spcPct val="90000"/>
+              </a:lnSpc>
+              <a:spcBef>
+                <a:spcPts val="1000"/>
+              </a:spcBef>
+              <a:buClr>
+                <a:schemeClr val="accent1"/>
+              </a:buClr>
+              <a:buFont typeface="Arial" panose="020B0604020202020204" pitchFamily="34" charset="0"/>
+              <a:buChar char="•"/>
+              <a:defRPr sz="2000" kern="1200" baseline="0">
+                <a:solidFill>
+                  <a:schemeClr val="tx1"/>
+                </a:solidFill>
+                <a:latin typeface="+mn-lt"/>
+                <a:ea typeface="+mn-ea"/>
+                <a:cs typeface="+mn-cs"/>
+              </a:defRPr>
+            </a:lvl1pPr>
+            <a:lvl2pPr marL="685800" indent="-228600" algn="l" defTabSz="914400" rtl="0" eaLnBrk="1" latinLnBrk="0" hangingPunct="1">
+              <a:lnSpc>
+                <a:spcPct val="90000"/>
+              </a:lnSpc>
+              <a:spcBef>
+                <a:spcPts val="500"/>
+              </a:spcBef>
+              <a:buClr>
+                <a:srgbClr val="02A9F7"/>
+              </a:buClr>
+              <a:buFont typeface="Arial" panose="020B0604020202020204" pitchFamily="34" charset="0"/>
+              <a:buChar char="‒"/>
+              <a:defRPr sz="1800" kern="1200" baseline="0">
+                <a:solidFill>
+                  <a:schemeClr val="tx1"/>
+                </a:solidFill>
+                <a:latin typeface="+mn-lt"/>
+                <a:ea typeface="+mn-ea"/>
+                <a:cs typeface="+mn-cs"/>
+              </a:defRPr>
+            </a:lvl2pPr>
+            <a:lvl3pPr marL="1143000" indent="-228600" algn="l" defTabSz="914400" rtl="0" eaLnBrk="1" latinLnBrk="0" hangingPunct="1">
+              <a:lnSpc>
+                <a:spcPct val="90000"/>
+              </a:lnSpc>
+              <a:spcBef>
+                <a:spcPts val="500"/>
+              </a:spcBef>
+              <a:buFont typeface="Arial" panose="020B0604020202020204" pitchFamily="34" charset="0"/>
+              <a:buChar char="•"/>
+              <a:defRPr sz="1600" kern="1200" baseline="0">
+                <a:solidFill>
+                  <a:schemeClr val="tx1"/>
+                </a:solidFill>
+                <a:latin typeface="+mn-lt"/>
+                <a:ea typeface="+mn-ea"/>
+                <a:cs typeface="+mn-cs"/>
+              </a:defRPr>
+            </a:lvl3pPr>
+            <a:lvl4pPr marL="1600200" indent="-228600" algn="l" defTabSz="914400" rtl="0" eaLnBrk="1" latinLnBrk="0" hangingPunct="1">
+              <a:lnSpc>
+                <a:spcPct val="90000"/>
+              </a:lnSpc>
+              <a:spcBef>
+                <a:spcPts val="500"/>
+              </a:spcBef>
+              <a:buFont typeface="Arial" panose="020B0604020202020204" pitchFamily="34" charset="0"/>
+              <a:buChar char="•"/>
+              <a:defRPr sz="1400" kern="1200">
+                <a:solidFill>
+                  <a:schemeClr val="tx1"/>
+                </a:solidFill>
+                <a:latin typeface="+mn-lt"/>
+                <a:ea typeface="+mn-ea"/>
+                <a:cs typeface="+mn-cs"/>
+              </a:defRPr>
+            </a:lvl4pPr>
+            <a:lvl5pPr marL="2057400" indent="-228600" algn="l" defTabSz="914400" rtl="0" eaLnBrk="1" latinLnBrk="0" hangingPunct="1">
+              <a:lnSpc>
+                <a:spcPct val="90000"/>
+              </a:lnSpc>
+              <a:spcBef>
+                <a:spcPts val="500"/>
+              </a:spcBef>
+              <a:buFont typeface="Arial" panose="020B0604020202020204" pitchFamily="34" charset="0"/>
+              <a:buChar char="•"/>
+              <a:defRPr sz="1200" kern="1200">
+                <a:solidFill>
+                  <a:schemeClr val="tx1"/>
+                </a:solidFill>
+                <a:latin typeface="+mn-lt"/>
+                <a:ea typeface="+mn-ea"/>
+                <a:cs typeface="+mn-cs"/>
+              </a:defRPr>
+            </a:lvl5pPr>
+            <a:lvl6pPr marL="2514600" indent="-228600" algn="l" defTabSz="914400" rtl="0" eaLnBrk="1" latinLnBrk="0" hangingPunct="1">
+              <a:lnSpc>
+                <a:spcPct val="90000"/>
+              </a:lnSpc>
+              <a:spcBef>
+                <a:spcPts val="500"/>
+              </a:spcBef>
+              <a:buFont typeface="Arial" panose="020B0604020202020204" pitchFamily="34" charset="0"/>
+              <a:buChar char="•"/>
+              <a:defRPr sz="1800" kern="1200">
+                <a:solidFill>
+                  <a:schemeClr val="tx1"/>
+                </a:solidFill>
+                <a:latin typeface="+mn-lt"/>
+                <a:ea typeface="+mn-ea"/>
+                <a:cs typeface="+mn-cs"/>
+              </a:defRPr>
+            </a:lvl6pPr>
+            <a:lvl7pPr marL="2971800" indent="-228600" algn="l" defTabSz="914400" rtl="0" eaLnBrk="1" latinLnBrk="0" hangingPunct="1">
+              <a:lnSpc>
+                <a:spcPct val="90000"/>
+              </a:lnSpc>
+              <a:spcBef>
+                <a:spcPts val="500"/>
+              </a:spcBef>
+              <a:buFont typeface="Arial" panose="020B0604020202020204" pitchFamily="34" charset="0"/>
+              <a:buChar char="•"/>
+              <a:defRPr sz="1800" kern="1200">
+                <a:solidFill>
+                  <a:schemeClr val="tx1"/>
+                </a:solidFill>
+                <a:latin typeface="+mn-lt"/>
+                <a:ea typeface="+mn-ea"/>
+                <a:cs typeface="+mn-cs"/>
+              </a:defRPr>
+            </a:lvl7pPr>
+            <a:lvl8pPr marL="3429000" indent="-228600" algn="l" defTabSz="914400" rtl="0" eaLnBrk="1" latinLnBrk="0" hangingPunct="1">
+              <a:lnSpc>
+                <a:spcPct val="90000"/>
+              </a:lnSpc>
+              <a:spcBef>
+                <a:spcPts val="500"/>
+              </a:spcBef>
+              <a:buFont typeface="Arial" panose="020B0604020202020204" pitchFamily="34" charset="0"/>
+              <a:buChar char="•"/>
+              <a:defRPr sz="1800" kern="1200">
+                <a:solidFill>
+                  <a:schemeClr val="tx1"/>
+                </a:solidFill>
+                <a:latin typeface="+mn-lt"/>
+                <a:ea typeface="+mn-ea"/>
+                <a:cs typeface="+mn-cs"/>
+              </a:defRPr>
+            </a:lvl8pPr>
+            <a:lvl9pPr marL="3886200" indent="-228600" algn="l" defTabSz="914400" rtl="0" eaLnBrk="1" latinLnBrk="0" hangingPunct="1">
+              <a:lnSpc>
+                <a:spcPct val="90000"/>
+              </a:lnSpc>
+              <a:spcBef>
+                <a:spcPts val="500"/>
+              </a:spcBef>
+              <a:buFont typeface="Arial" panose="020B0604020202020204" pitchFamily="34" charset="0"/>
+              <a:buChar char="•"/>
+              <a:defRPr sz="1800" kern="1200">
+                <a:solidFill>
+                  <a:schemeClr val="tx1"/>
+                </a:solidFill>
+                <a:latin typeface="+mn-lt"/>
+                <a:ea typeface="+mn-ea"/>
+                <a:cs typeface="+mn-cs"/>
+              </a:defRPr>
+            </a:lvl9pPr>
+          </a:lstStyle>
+          <a:p>
+            <a:pPr>
+              <a:lnSpc>
+                <a:spcPct val="110000"/>
+              </a:lnSpc>
+            </a:pPr>
+            <a:r>
+              <a:rPr lang="en-US" sz="2600" b="1">
+                <a:sym typeface="+mn-ea"/>
+              </a:rPr>
+              <a:t>Cyclic dependencies</a:t>
+            </a:r>
+            <a:endParaRPr lang="en-US" sz="2600" b="1"/>
+          </a:p>
+        </p:txBody>
+      </p:sp>
+      <p:sp>
+        <p:nvSpPr>
+          <p:cNvPr id="16" name="Text Placeholder 4"/>
+          <p:cNvSpPr>
+            <a:spLocks noGrp="1"/>
+          </p:cNvSpPr>
+          <p:nvPr/>
+        </p:nvSpPr>
+        <p:spPr>
+          <a:xfrm>
+            <a:off x="1400175" y="4007485"/>
+            <a:ext cx="5885815" cy="530860"/>
+          </a:xfrm>
+          <a:prstGeom prst="rect">
+            <a:avLst/>
+          </a:prstGeom>
+        </p:spPr>
+        <p:txBody>
+          <a:bodyPr/>
+          <a:lstStyle>
+            <a:lvl1pPr marL="228600" indent="-228600" algn="l" defTabSz="914400" rtl="0" eaLnBrk="1" latinLnBrk="0" hangingPunct="1">
+              <a:lnSpc>
+                <a:spcPct val="90000"/>
+              </a:lnSpc>
+              <a:spcBef>
+                <a:spcPts val="1000"/>
+              </a:spcBef>
+              <a:buClr>
+                <a:schemeClr val="accent1"/>
+              </a:buClr>
+              <a:buFont typeface="Arial" panose="020B0604020202020204" pitchFamily="34" charset="0"/>
+              <a:buChar char="•"/>
+              <a:defRPr sz="2000" kern="1200" baseline="0">
+                <a:solidFill>
+                  <a:schemeClr val="tx1"/>
+                </a:solidFill>
+                <a:latin typeface="+mn-lt"/>
+                <a:ea typeface="+mn-ea"/>
+                <a:cs typeface="+mn-cs"/>
+              </a:defRPr>
+            </a:lvl1pPr>
+            <a:lvl2pPr marL="685800" indent="-228600" algn="l" defTabSz="914400" rtl="0" eaLnBrk="1" latinLnBrk="0" hangingPunct="1">
+              <a:lnSpc>
+                <a:spcPct val="90000"/>
+              </a:lnSpc>
+              <a:spcBef>
+                <a:spcPts val="500"/>
+              </a:spcBef>
+              <a:buClr>
+                <a:srgbClr val="02A9F7"/>
+              </a:buClr>
+              <a:buFont typeface="Arial" panose="020B0604020202020204" pitchFamily="34" charset="0"/>
+              <a:buChar char="‒"/>
+              <a:defRPr sz="1800" kern="1200" baseline="0">
+                <a:solidFill>
+                  <a:schemeClr val="tx1"/>
+                </a:solidFill>
+                <a:latin typeface="+mn-lt"/>
+                <a:ea typeface="+mn-ea"/>
+                <a:cs typeface="+mn-cs"/>
+              </a:defRPr>
+            </a:lvl2pPr>
+            <a:lvl3pPr marL="1143000" indent="-228600" algn="l" defTabSz="914400" rtl="0" eaLnBrk="1" latinLnBrk="0" hangingPunct="1">
+              <a:lnSpc>
+                <a:spcPct val="90000"/>
+              </a:lnSpc>
+              <a:spcBef>
+                <a:spcPts val="500"/>
+              </a:spcBef>
+              <a:buFont typeface="Arial" panose="020B0604020202020204" pitchFamily="34" charset="0"/>
+              <a:buChar char="•"/>
+              <a:defRPr sz="1600" kern="1200" baseline="0">
+                <a:solidFill>
+                  <a:schemeClr val="tx1"/>
+                </a:solidFill>
+                <a:latin typeface="+mn-lt"/>
+                <a:ea typeface="+mn-ea"/>
+                <a:cs typeface="+mn-cs"/>
+              </a:defRPr>
+            </a:lvl3pPr>
+            <a:lvl4pPr marL="1600200" indent="-228600" algn="l" defTabSz="914400" rtl="0" eaLnBrk="1" latinLnBrk="0" hangingPunct="1">
+              <a:lnSpc>
+                <a:spcPct val="90000"/>
+              </a:lnSpc>
+              <a:spcBef>
+                <a:spcPts val="500"/>
+              </a:spcBef>
+              <a:buFont typeface="Arial" panose="020B0604020202020204" pitchFamily="34" charset="0"/>
+              <a:buChar char="•"/>
+              <a:defRPr sz="1400" kern="1200">
+                <a:solidFill>
+                  <a:schemeClr val="tx1"/>
+                </a:solidFill>
+                <a:latin typeface="+mn-lt"/>
+                <a:ea typeface="+mn-ea"/>
+                <a:cs typeface="+mn-cs"/>
+              </a:defRPr>
+            </a:lvl4pPr>
+            <a:lvl5pPr marL="2057400" indent="-228600" algn="l" defTabSz="914400" rtl="0" eaLnBrk="1" latinLnBrk="0" hangingPunct="1">
+              <a:lnSpc>
+                <a:spcPct val="90000"/>
+              </a:lnSpc>
+              <a:spcBef>
+                <a:spcPts val="500"/>
+              </a:spcBef>
+              <a:buFont typeface="Arial" panose="020B0604020202020204" pitchFamily="34" charset="0"/>
+              <a:buChar char="•"/>
+              <a:defRPr sz="1200" kern="1200">
+                <a:solidFill>
+                  <a:schemeClr val="tx1"/>
+                </a:solidFill>
+                <a:latin typeface="+mn-lt"/>
+                <a:ea typeface="+mn-ea"/>
+                <a:cs typeface="+mn-cs"/>
+              </a:defRPr>
+            </a:lvl5pPr>
+            <a:lvl6pPr marL="2514600" indent="-228600" algn="l" defTabSz="914400" rtl="0" eaLnBrk="1" latinLnBrk="0" hangingPunct="1">
+              <a:lnSpc>
+                <a:spcPct val="90000"/>
+              </a:lnSpc>
+              <a:spcBef>
+                <a:spcPts val="500"/>
+              </a:spcBef>
+              <a:buFont typeface="Arial" panose="020B0604020202020204" pitchFamily="34" charset="0"/>
+              <a:buChar char="•"/>
+              <a:defRPr sz="1800" kern="1200">
+                <a:solidFill>
+                  <a:schemeClr val="tx1"/>
+                </a:solidFill>
+                <a:latin typeface="+mn-lt"/>
+                <a:ea typeface="+mn-ea"/>
+                <a:cs typeface="+mn-cs"/>
+              </a:defRPr>
+            </a:lvl6pPr>
+            <a:lvl7pPr marL="2971800" indent="-228600" algn="l" defTabSz="914400" rtl="0" eaLnBrk="1" latinLnBrk="0" hangingPunct="1">
+              <a:lnSpc>
+                <a:spcPct val="90000"/>
+              </a:lnSpc>
+              <a:spcBef>
+                <a:spcPts val="500"/>
+              </a:spcBef>
+              <a:buFont typeface="Arial" panose="020B0604020202020204" pitchFamily="34" charset="0"/>
+              <a:buChar char="•"/>
+              <a:defRPr sz="1800" kern="1200">
+                <a:solidFill>
+                  <a:schemeClr val="tx1"/>
+                </a:solidFill>
+                <a:latin typeface="+mn-lt"/>
+                <a:ea typeface="+mn-ea"/>
+                <a:cs typeface="+mn-cs"/>
+              </a:defRPr>
+            </a:lvl7pPr>
+            <a:lvl8pPr marL="3429000" indent="-228600" algn="l" defTabSz="914400" rtl="0" eaLnBrk="1" latinLnBrk="0" hangingPunct="1">
+              <a:lnSpc>
+                <a:spcPct val="90000"/>
+              </a:lnSpc>
+              <a:spcBef>
+                <a:spcPts val="500"/>
+              </a:spcBef>
+              <a:buFont typeface="Arial" panose="020B0604020202020204" pitchFamily="34" charset="0"/>
+              <a:buChar char="•"/>
+              <a:defRPr sz="1800" kern="1200">
+                <a:solidFill>
+                  <a:schemeClr val="tx1"/>
+                </a:solidFill>
+                <a:latin typeface="+mn-lt"/>
+                <a:ea typeface="+mn-ea"/>
+                <a:cs typeface="+mn-cs"/>
+              </a:defRPr>
+            </a:lvl8pPr>
+            <a:lvl9pPr marL="3886200" indent="-228600" algn="l" defTabSz="914400" rtl="0" eaLnBrk="1" latinLnBrk="0" hangingPunct="1">
+              <a:lnSpc>
+                <a:spcPct val="90000"/>
+              </a:lnSpc>
+              <a:spcBef>
+                <a:spcPts val="500"/>
+              </a:spcBef>
+              <a:buFont typeface="Arial" panose="020B0604020202020204" pitchFamily="34" charset="0"/>
+              <a:buChar char="•"/>
+              <a:defRPr sz="1800" kern="1200">
+                <a:solidFill>
+                  <a:schemeClr val="tx1"/>
+                </a:solidFill>
+                <a:latin typeface="+mn-lt"/>
+                <a:ea typeface="+mn-ea"/>
+                <a:cs typeface="+mn-cs"/>
+              </a:defRPr>
+            </a:lvl9pPr>
+          </a:lstStyle>
+          <a:p>
+            <a:pPr>
+              <a:lnSpc>
+                <a:spcPct val="110000"/>
+              </a:lnSpc>
+            </a:pPr>
+            <a:r>
+              <a:rPr lang="en-US" sz="2600" b="1">
+                <a:sym typeface="+mn-ea"/>
+              </a:rPr>
+              <a:t>Split package</a:t>
+            </a:r>
+            <a:endParaRPr lang="en-US" sz="2600" b="1"/>
+          </a:p>
+        </p:txBody>
+      </p:sp>
+      <p:sp>
+        <p:nvSpPr>
+          <p:cNvPr id="17" name="Text Placeholder 4"/>
+          <p:cNvSpPr>
+            <a:spLocks noGrp="1"/>
+          </p:cNvSpPr>
+          <p:nvPr/>
+        </p:nvSpPr>
+        <p:spPr>
+          <a:xfrm>
+            <a:off x="1400175" y="5098415"/>
+            <a:ext cx="6105525" cy="1025525"/>
+          </a:xfrm>
+          <a:prstGeom prst="rect">
+            <a:avLst/>
+          </a:prstGeom>
+        </p:spPr>
+        <p:txBody>
+          <a:bodyPr/>
+          <a:lstStyle>
+            <a:lvl1pPr marL="228600" indent="-228600" algn="l" defTabSz="914400" rtl="0" eaLnBrk="1" latinLnBrk="0" hangingPunct="1">
+              <a:lnSpc>
+                <a:spcPct val="90000"/>
+              </a:lnSpc>
+              <a:spcBef>
+                <a:spcPts val="1000"/>
+              </a:spcBef>
+              <a:buClr>
+                <a:schemeClr val="accent1"/>
+              </a:buClr>
+              <a:buFont typeface="Arial" panose="020B0604020202020204" pitchFamily="34" charset="0"/>
+              <a:buChar char="•"/>
+              <a:defRPr sz="2000" kern="1200" baseline="0">
+                <a:solidFill>
+                  <a:schemeClr val="tx1"/>
+                </a:solidFill>
+                <a:latin typeface="+mn-lt"/>
+                <a:ea typeface="+mn-ea"/>
+                <a:cs typeface="+mn-cs"/>
+              </a:defRPr>
+            </a:lvl1pPr>
+            <a:lvl2pPr marL="685800" indent="-228600" algn="l" defTabSz="914400" rtl="0" eaLnBrk="1" latinLnBrk="0" hangingPunct="1">
+              <a:lnSpc>
+                <a:spcPct val="90000"/>
+              </a:lnSpc>
+              <a:spcBef>
+                <a:spcPts val="500"/>
+              </a:spcBef>
+              <a:buClr>
+                <a:srgbClr val="02A9F7"/>
+              </a:buClr>
+              <a:buFont typeface="Arial" panose="020B0604020202020204" pitchFamily="34" charset="0"/>
+              <a:buChar char="‒"/>
+              <a:defRPr sz="1800" kern="1200" baseline="0">
+                <a:solidFill>
+                  <a:schemeClr val="tx1"/>
+                </a:solidFill>
+                <a:latin typeface="+mn-lt"/>
+                <a:ea typeface="+mn-ea"/>
+                <a:cs typeface="+mn-cs"/>
+              </a:defRPr>
+            </a:lvl2pPr>
+            <a:lvl3pPr marL="1143000" indent="-228600" algn="l" defTabSz="914400" rtl="0" eaLnBrk="1" latinLnBrk="0" hangingPunct="1">
+              <a:lnSpc>
+                <a:spcPct val="90000"/>
+              </a:lnSpc>
+              <a:spcBef>
+                <a:spcPts val="500"/>
+              </a:spcBef>
+              <a:buFont typeface="Arial" panose="020B0604020202020204" pitchFamily="34" charset="0"/>
+              <a:buChar char="•"/>
+              <a:defRPr sz="1600" kern="1200" baseline="0">
+                <a:solidFill>
+                  <a:schemeClr val="tx1"/>
+                </a:solidFill>
+                <a:latin typeface="+mn-lt"/>
+                <a:ea typeface="+mn-ea"/>
+                <a:cs typeface="+mn-cs"/>
+              </a:defRPr>
+            </a:lvl3pPr>
+            <a:lvl4pPr marL="1600200" indent="-228600" algn="l" defTabSz="914400" rtl="0" eaLnBrk="1" latinLnBrk="0" hangingPunct="1">
+              <a:lnSpc>
+                <a:spcPct val="90000"/>
+              </a:lnSpc>
+              <a:spcBef>
+                <a:spcPts val="500"/>
+              </a:spcBef>
+              <a:buFont typeface="Arial" panose="020B0604020202020204" pitchFamily="34" charset="0"/>
+              <a:buChar char="•"/>
+              <a:defRPr sz="1400" kern="1200">
+                <a:solidFill>
+                  <a:schemeClr val="tx1"/>
+                </a:solidFill>
+                <a:latin typeface="+mn-lt"/>
+                <a:ea typeface="+mn-ea"/>
+                <a:cs typeface="+mn-cs"/>
+              </a:defRPr>
+            </a:lvl4pPr>
+            <a:lvl5pPr marL="2057400" indent="-228600" algn="l" defTabSz="914400" rtl="0" eaLnBrk="1" latinLnBrk="0" hangingPunct="1">
+              <a:lnSpc>
+                <a:spcPct val="90000"/>
+              </a:lnSpc>
+              <a:spcBef>
+                <a:spcPts val="500"/>
+              </a:spcBef>
+              <a:buFont typeface="Arial" panose="020B0604020202020204" pitchFamily="34" charset="0"/>
+              <a:buChar char="•"/>
+              <a:defRPr sz="1200" kern="1200">
+                <a:solidFill>
+                  <a:schemeClr val="tx1"/>
+                </a:solidFill>
+                <a:latin typeface="+mn-lt"/>
+                <a:ea typeface="+mn-ea"/>
+                <a:cs typeface="+mn-cs"/>
+              </a:defRPr>
+            </a:lvl5pPr>
+            <a:lvl6pPr marL="2514600" indent="-228600" algn="l" defTabSz="914400" rtl="0" eaLnBrk="1" latinLnBrk="0" hangingPunct="1">
+              <a:lnSpc>
+                <a:spcPct val="90000"/>
+              </a:lnSpc>
+              <a:spcBef>
+                <a:spcPts val="500"/>
+              </a:spcBef>
+              <a:buFont typeface="Arial" panose="020B0604020202020204" pitchFamily="34" charset="0"/>
+              <a:buChar char="•"/>
+              <a:defRPr sz="1800" kern="1200">
+                <a:solidFill>
+                  <a:schemeClr val="tx1"/>
+                </a:solidFill>
+                <a:latin typeface="+mn-lt"/>
+                <a:ea typeface="+mn-ea"/>
+                <a:cs typeface="+mn-cs"/>
+              </a:defRPr>
+            </a:lvl6pPr>
+            <a:lvl7pPr marL="2971800" indent="-228600" algn="l" defTabSz="914400" rtl="0" eaLnBrk="1" latinLnBrk="0" hangingPunct="1">
+              <a:lnSpc>
+                <a:spcPct val="90000"/>
+              </a:lnSpc>
+              <a:spcBef>
+                <a:spcPts val="500"/>
+              </a:spcBef>
+              <a:buFont typeface="Arial" panose="020B0604020202020204" pitchFamily="34" charset="0"/>
+              <a:buChar char="•"/>
+              <a:defRPr sz="1800" kern="1200">
+                <a:solidFill>
+                  <a:schemeClr val="tx1"/>
+                </a:solidFill>
+                <a:latin typeface="+mn-lt"/>
+                <a:ea typeface="+mn-ea"/>
+                <a:cs typeface="+mn-cs"/>
+              </a:defRPr>
+            </a:lvl7pPr>
+            <a:lvl8pPr marL="3429000" indent="-228600" algn="l" defTabSz="914400" rtl="0" eaLnBrk="1" latinLnBrk="0" hangingPunct="1">
+              <a:lnSpc>
+                <a:spcPct val="90000"/>
+              </a:lnSpc>
+              <a:spcBef>
+                <a:spcPts val="500"/>
+              </a:spcBef>
+              <a:buFont typeface="Arial" panose="020B0604020202020204" pitchFamily="34" charset="0"/>
+              <a:buChar char="•"/>
+              <a:defRPr sz="1800" kern="1200">
+                <a:solidFill>
+                  <a:schemeClr val="tx1"/>
+                </a:solidFill>
+                <a:latin typeface="+mn-lt"/>
+                <a:ea typeface="+mn-ea"/>
+                <a:cs typeface="+mn-cs"/>
+              </a:defRPr>
+            </a:lvl8pPr>
+            <a:lvl9pPr marL="3886200" indent="-228600" algn="l" defTabSz="914400" rtl="0" eaLnBrk="1" latinLnBrk="0" hangingPunct="1">
+              <a:lnSpc>
+                <a:spcPct val="90000"/>
+              </a:lnSpc>
+              <a:spcBef>
+                <a:spcPts val="500"/>
+              </a:spcBef>
+              <a:buFont typeface="Arial" panose="020B0604020202020204" pitchFamily="34" charset="0"/>
+              <a:buChar char="•"/>
+              <a:defRPr sz="1800" kern="1200">
+                <a:solidFill>
+                  <a:schemeClr val="tx1"/>
+                </a:solidFill>
+                <a:latin typeface="+mn-lt"/>
+                <a:ea typeface="+mn-ea"/>
+                <a:cs typeface="+mn-cs"/>
+              </a:defRPr>
+            </a:lvl9pPr>
+          </a:lstStyle>
+          <a:p>
+            <a:pPr>
+              <a:lnSpc>
+                <a:spcPct val="110000"/>
+              </a:lnSpc>
+            </a:pPr>
+            <a:r>
+              <a:rPr lang="en-US" sz="2600" b="1">
+                <a:sym typeface="+mn-ea"/>
+              </a:rPr>
+              <a:t>Limited support of </a:t>
+            </a:r>
+            <a:r>
+              <a:rPr lang="en-US" sz="2600" b="1">
+                <a:sym typeface="+mn-ea"/>
+              </a:rPr>
+              <a:t>jlink</a:t>
+            </a:r>
+            <a:r>
+              <a:rPr lang="en-US" sz="2600" b="1" baseline="30000">
+                <a:sym typeface="+mn-ea"/>
+              </a:rPr>
+              <a:t>(*)</a:t>
+            </a:r>
+            <a:r>
+              <a:rPr lang="en-US" sz="2600" b="1">
+                <a:sym typeface="+mn-ea"/>
+              </a:rPr>
+              <a:t> &amp; </a:t>
+            </a:r>
+            <a:r>
+              <a:rPr lang="en-US" sz="2600" b="1">
+                <a:sym typeface="+mn-ea"/>
+              </a:rPr>
+              <a:t>build plugin to build runtime image</a:t>
+            </a:r>
+            <a:endParaRPr lang="en-US" sz="2600" b="1"/>
+          </a:p>
+        </p:txBody>
+      </p:sp>
     </p:spTree>
   </p:cSld>
   <p:clrMapOvr>
     <a:masterClrMapping/>
   </p:clrMapOvr>
+  <p:timing>
+    <p:tnLst>
+      <p:par>
+        <p:cTn id="1" dur="indefinite" restart="never" nodeType="tmRoot">
+          <p:childTnLst>
+            <p:seq concurrent="1" nextAc="seek">
+              <p:cTn id="2" dur="indefinite" nodeType="mainSeq">
+                <p:childTnLst>
+                  <p:par>
+                    <p:cTn id="3" fill="hold">
+                      <p:stCondLst>
+                        <p:cond delay="indefinite"/>
+                      </p:stCondLst>
+                      <p:childTnLst>
+                        <p:par>
+                          <p:cTn id="4" fill="hold">
+                            <p:stCondLst>
+                              <p:cond delay="0"/>
+                            </p:stCondLst>
+                            <p:childTnLst>
+                              <p:par>
+                                <p:cTn id="5" presetID="1" presetClass="entr" presetSubtype="0" fill="hold" grpId="0" nodeType="clickEffect">
+                                  <p:stCondLst>
+                                    <p:cond delay="0"/>
+                                  </p:stCondLst>
+                                  <p:childTnLst>
+                                    <p:set>
+                                      <p:cBhvr>
+                                        <p:cTn id="6" dur="1" fill="hold">
+                                          <p:stCondLst>
+                                            <p:cond delay="0"/>
+                                          </p:stCondLst>
+                                        </p:cTn>
+                                        <p:tgtEl>
+                                          <p:spTgt spid="14"/>
+                                        </p:tgtEl>
+                                        <p:attrNameLst>
+                                          <p:attrName>style.visibility</p:attrName>
+                                        </p:attrNameLst>
+                                      </p:cBhvr>
+                                      <p:to>
+                                        <p:strVal val="visible"/>
+                                      </p:to>
+                                    </p:set>
+                                  </p:childTnLst>
+                                </p:cTn>
+                              </p:par>
+                              <p:par>
+                                <p:cTn id="7" presetID="1" presetClass="entr" presetSubtype="0" fill="hold" nodeType="withEffect">
+                                  <p:stCondLst>
+                                    <p:cond delay="0"/>
+                                  </p:stCondLst>
+                                  <p:childTnLst>
+                                    <p:set>
+                                      <p:cBhvr>
+                                        <p:cTn id="8" dur="1" fill="hold">
+                                          <p:stCondLst>
+                                            <p:cond delay="0"/>
+                                          </p:stCondLst>
+                                        </p:cTn>
+                                        <p:tgtEl>
+                                          <p:spTgt spid="11"/>
+                                        </p:tgtEl>
+                                        <p:attrNameLst>
+                                          <p:attrName>style.visibility</p:attrName>
+                                        </p:attrNameLst>
+                                      </p:cBhvr>
+                                      <p:to>
+                                        <p:strVal val="visible"/>
+                                      </p:to>
+                                    </p:set>
+                                  </p:childTnLst>
+                                </p:cTn>
+                              </p:par>
+                            </p:childTnLst>
+                          </p:cTn>
+                        </p:par>
+                      </p:childTnLst>
+                    </p:cTn>
+                  </p:par>
+                  <p:par>
+                    <p:cTn id="9" fill="hold">
+                      <p:stCondLst>
+                        <p:cond delay="indefinite"/>
+                      </p:stCondLst>
+                      <p:childTnLst>
+                        <p:par>
+                          <p:cTn id="10" fill="hold">
+                            <p:stCondLst>
+                              <p:cond delay="0"/>
+                            </p:stCondLst>
+                            <p:childTnLst>
+                              <p:par>
+                                <p:cTn id="11" presetID="1" presetClass="entr" presetSubtype="0" fill="hold" grpId="0" nodeType="clickEffect">
+                                  <p:stCondLst>
+                                    <p:cond delay="0"/>
+                                  </p:stCondLst>
+                                  <p:childTnLst>
+                                    <p:set>
+                                      <p:cBhvr>
+                                        <p:cTn id="12" dur="1" fill="hold">
+                                          <p:stCondLst>
+                                            <p:cond delay="0"/>
+                                          </p:stCondLst>
+                                        </p:cTn>
+                                        <p:tgtEl>
+                                          <p:spTgt spid="15"/>
+                                        </p:tgtEl>
+                                        <p:attrNameLst>
+                                          <p:attrName>style.visibility</p:attrName>
+                                        </p:attrNameLst>
+                                      </p:cBhvr>
+                                      <p:to>
+                                        <p:strVal val="visible"/>
+                                      </p:to>
+                                    </p:set>
+                                  </p:childTnLst>
+                                </p:cTn>
+                              </p:par>
+                              <p:par>
+                                <p:cTn id="13" presetID="3" presetClass="exit" presetSubtype="10" fill="hold" nodeType="withEffect">
+                                  <p:stCondLst>
+                                    <p:cond delay="0"/>
+                                  </p:stCondLst>
+                                  <p:childTnLst>
+                                    <p:animEffect transition="out" filter="blinds(horizontal)">
+                                      <p:cBhvr>
+                                        <p:cTn id="14" dur="500"/>
+                                        <p:tgtEl>
+                                          <p:spTgt spid="11"/>
+                                        </p:tgtEl>
+                                      </p:cBhvr>
+                                    </p:animEffect>
+                                    <p:set>
+                                      <p:cBhvr>
+                                        <p:cTn id="15" dur="1" fill="hold">
+                                          <p:stCondLst>
+                                            <p:cond delay="499"/>
+                                          </p:stCondLst>
+                                        </p:cTn>
+                                        <p:tgtEl>
+                                          <p:spTgt spid="11"/>
+                                        </p:tgtEl>
+                                        <p:attrNameLst>
+                                          <p:attrName>style.visibility</p:attrName>
+                                        </p:attrNameLst>
+                                      </p:cBhvr>
+                                      <p:to>
+                                        <p:strVal val="hidden"/>
+                                      </p:to>
+                                    </p:set>
+                                  </p:childTnLst>
+                                </p:cTn>
+                              </p:par>
+                              <p:par>
+                                <p:cTn id="16" presetID="1" presetClass="entr" presetSubtype="0" fill="hold" nodeType="withEffect">
+                                  <p:stCondLst>
+                                    <p:cond delay="0"/>
+                                  </p:stCondLst>
+                                  <p:childTnLst>
+                                    <p:set>
+                                      <p:cBhvr>
+                                        <p:cTn id="17" dur="1" fill="hold">
+                                          <p:stCondLst>
+                                            <p:cond delay="0"/>
+                                          </p:stCondLst>
+                                        </p:cTn>
+                                        <p:tgtEl>
+                                          <p:spTgt spid="7"/>
+                                        </p:tgtEl>
+                                        <p:attrNameLst>
+                                          <p:attrName>style.visibility</p:attrName>
+                                        </p:attrNameLst>
+                                      </p:cBhvr>
+                                      <p:to>
+                                        <p:strVal val="visible"/>
+                                      </p:to>
+                                    </p:set>
+                                  </p:childTnLst>
+                                </p:cTn>
+                              </p:par>
+                            </p:childTnLst>
+                          </p:cTn>
+                        </p:par>
+                      </p:childTnLst>
+                    </p:cTn>
+                  </p:par>
+                  <p:par>
+                    <p:cTn id="18" fill="hold">
+                      <p:stCondLst>
+                        <p:cond delay="indefinite"/>
+                      </p:stCondLst>
+                      <p:childTnLst>
+                        <p:par>
+                          <p:cTn id="19" fill="hold">
+                            <p:stCondLst>
+                              <p:cond delay="0"/>
+                            </p:stCondLst>
+                            <p:childTnLst>
+                              <p:par>
+                                <p:cTn id="20" presetID="1" presetClass="entr" presetSubtype="0" fill="hold" grpId="0" nodeType="clickEffect">
+                                  <p:stCondLst>
+                                    <p:cond delay="0"/>
+                                  </p:stCondLst>
+                                  <p:childTnLst>
+                                    <p:set>
+                                      <p:cBhvr>
+                                        <p:cTn id="21" dur="1" fill="hold">
+                                          <p:stCondLst>
+                                            <p:cond delay="0"/>
+                                          </p:stCondLst>
+                                        </p:cTn>
+                                        <p:tgtEl>
+                                          <p:spTgt spid="16"/>
+                                        </p:tgtEl>
+                                        <p:attrNameLst>
+                                          <p:attrName>style.visibility</p:attrName>
+                                        </p:attrNameLst>
+                                      </p:cBhvr>
+                                      <p:to>
+                                        <p:strVal val="visible"/>
+                                      </p:to>
+                                    </p:set>
+                                  </p:childTnLst>
+                                </p:cTn>
+                              </p:par>
+                              <p:par>
+                                <p:cTn id="22" presetID="1" presetClass="exit" presetSubtype="0" fill="hold" nodeType="withEffect">
+                                  <p:stCondLst>
+                                    <p:cond delay="0"/>
+                                  </p:stCondLst>
+                                  <p:childTnLst>
+                                    <p:set>
+                                      <p:cBhvr>
+                                        <p:cTn id="23" dur="1" fill="hold">
+                                          <p:stCondLst>
+                                            <p:cond delay="0"/>
+                                          </p:stCondLst>
+                                        </p:cTn>
+                                        <p:tgtEl>
+                                          <p:spTgt spid="7"/>
+                                        </p:tgtEl>
+                                        <p:attrNameLst>
+                                          <p:attrName>style.visibility</p:attrName>
+                                        </p:attrNameLst>
+                                      </p:cBhvr>
+                                      <p:to>
+                                        <p:strVal val="hidden"/>
+                                      </p:to>
+                                    </p:set>
+                                  </p:childTnLst>
+                                </p:cTn>
+                              </p:par>
+                              <p:par>
+                                <p:cTn id="24" presetID="5" presetClass="entr" presetSubtype="10" fill="hold" nodeType="withEffect">
+                                  <p:stCondLst>
+                                    <p:cond delay="0"/>
+                                  </p:stCondLst>
+                                  <p:childTnLst>
+                                    <p:set>
+                                      <p:cBhvr>
+                                        <p:cTn id="25" dur="1" fill="hold">
+                                          <p:stCondLst>
+                                            <p:cond delay="0"/>
+                                          </p:stCondLst>
+                                        </p:cTn>
+                                        <p:tgtEl>
+                                          <p:spTgt spid="13"/>
+                                        </p:tgtEl>
+                                        <p:attrNameLst>
+                                          <p:attrName>style.visibility</p:attrName>
+                                        </p:attrNameLst>
+                                      </p:cBhvr>
+                                      <p:to>
+                                        <p:strVal val="visible"/>
+                                      </p:to>
+                                    </p:set>
+                                    <p:animEffect transition="in" filter="checkerboard(across)">
+                                      <p:cBhvr>
+                                        <p:cTn id="26" dur="500"/>
+                                        <p:tgtEl>
+                                          <p:spTgt spid="13"/>
+                                        </p:tgtEl>
+                                      </p:cBhvr>
+                                    </p:animEffect>
+                                  </p:childTnLst>
+                                </p:cTn>
+                              </p:par>
+                            </p:childTnLst>
+                          </p:cTn>
+                        </p:par>
+                      </p:childTnLst>
+                    </p:cTn>
+                  </p:par>
+                  <p:par>
+                    <p:cTn id="27" fill="hold">
+                      <p:stCondLst>
+                        <p:cond delay="indefinite"/>
+                      </p:stCondLst>
+                      <p:childTnLst>
+                        <p:par>
+                          <p:cTn id="28" fill="hold">
+                            <p:stCondLst>
+                              <p:cond delay="0"/>
+                            </p:stCondLst>
+                            <p:childTnLst>
+                              <p:par>
+                                <p:cTn id="29" presetID="1" presetClass="entr" presetSubtype="0" fill="hold" grpId="0" nodeType="clickEffect">
+                                  <p:stCondLst>
+                                    <p:cond delay="0"/>
+                                  </p:stCondLst>
+                                  <p:childTnLst>
+                                    <p:set>
+                                      <p:cBhvr>
+                                        <p:cTn id="30" dur="1" fill="hold">
+                                          <p:stCondLst>
+                                            <p:cond delay="0"/>
+                                          </p:stCondLst>
+                                        </p:cTn>
+                                        <p:tgtEl>
+                                          <p:spTgt spid="17"/>
+                                        </p:tgtEl>
+                                        <p:attrNameLst>
+                                          <p:attrName>style.visibility</p:attrName>
+                                        </p:attrNameLst>
+                                      </p:cBhvr>
+                                      <p:to>
+                                        <p:strVal val="visible"/>
+                                      </p:to>
+                                    </p:set>
+                                  </p:childTnLst>
+                                </p:cTn>
+                              </p:par>
+                              <p:par>
+                                <p:cTn id="31" presetID="3" presetClass="exit" presetSubtype="10" fill="hold" nodeType="withEffect">
+                                  <p:stCondLst>
+                                    <p:cond delay="0"/>
+                                  </p:stCondLst>
+                                  <p:childTnLst>
+                                    <p:animEffect transition="out" filter="blinds(horizontal)">
+                                      <p:cBhvr>
+                                        <p:cTn id="32" dur="500"/>
+                                        <p:tgtEl>
+                                          <p:spTgt spid="13"/>
+                                        </p:tgtEl>
+                                      </p:cBhvr>
+                                    </p:animEffect>
+                                    <p:set>
+                                      <p:cBhvr>
+                                        <p:cTn id="33" dur="1" fill="hold">
+                                          <p:stCondLst>
+                                            <p:cond delay="499"/>
+                                          </p:stCondLst>
+                                        </p:cTn>
+                                        <p:tgtEl>
+                                          <p:spTgt spid="13"/>
+                                        </p:tgtEl>
+                                        <p:attrNameLst>
+                                          <p:attrName>style.visibility</p:attrName>
+                                        </p:attrNameLst>
+                                      </p:cBhvr>
+                                      <p:to>
+                                        <p:strVal val="hidden"/>
+                                      </p:to>
+                                    </p:set>
+                                  </p:childTnLst>
+                                </p:cTn>
+                              </p:par>
+                              <p:par>
+                                <p:cTn id="34" presetID="1" presetClass="entr" presetSubtype="0" fill="hold" nodeType="withEffect">
+                                  <p:stCondLst>
+                                    <p:cond delay="0"/>
+                                  </p:stCondLst>
+                                  <p:childTnLst>
+                                    <p:set>
+                                      <p:cBhvr>
+                                        <p:cTn id="35" dur="1" fill="hold">
+                                          <p:stCondLst>
+                                            <p:cond delay="0"/>
+                                          </p:stCondLst>
+                                        </p:cTn>
+                                        <p:tgtEl>
+                                          <p:spTgt spid="3">
+                                            <p:txEl>
+                                              <p:pRg st="0" end="0"/>
+                                            </p:txEl>
+                                          </p:spTgt>
+                                        </p:tgtEl>
+                                        <p:attrNameLst>
+                                          <p:attrName>style.visibility</p:attrName>
+                                        </p:attrNameLst>
+                                      </p:cBhvr>
+                                      <p:to>
+                                        <p:strVal val="visible"/>
+                                      </p:to>
+                                    </p:set>
+                                  </p:childTnLst>
+                                </p:cTn>
+                              </p:par>
+                            </p:childTnLst>
+                          </p:cTn>
+                        </p:par>
+                      </p:childTnLst>
+                    </p:cTn>
+                  </p:par>
+                </p:childTnLst>
+              </p:cTn>
+              <p:prevCondLst>
+                <p:cond evt="onPrev" delay="0">
+                  <p:tgtEl>
+                    <p:sldTgt/>
+                  </p:tgtEl>
+                </p:cond>
+              </p:prevCondLst>
+              <p:nextCondLst>
+                <p:cond evt="onNext" delay="0">
+                  <p:tgtEl>
+                    <p:sldTgt/>
+                  </p:tgtEl>
+                </p:cond>
+              </p:nextCondLst>
+            </p:seq>
+          </p:childTnLst>
+        </p:cTn>
+      </p:par>
+    </p:tnLst>
+    <p:bldLst>
+      <p:bldP spid="14" grpId="0"/>
+      <p:bldP spid="14" grpId="1"/>
+      <p:bldP spid="15" grpId="0"/>
+      <p:bldP spid="15" grpId="1"/>
+      <p:bldP spid="16" grpId="0"/>
+      <p:bldP spid="16" grpId="1"/>
+      <p:bldP spid="17" grpId="0"/>
+      <p:bldP spid="17" grpId="1"/>
+    </p:bldLst>
+  </p:timing>
 </p:sld>
 </file>
 
@@ -2417,8 +4084,8 @@
         </p:nvSpPr>
         <p:spPr>
           <a:xfrm>
-            <a:off x="838200" y="1447800"/>
-            <a:ext cx="9601835" cy="4678045"/>
+            <a:off x="990600" y="1676400"/>
+            <a:ext cx="9601835" cy="4157345"/>
           </a:xfrm>
         </p:spPr>
         <p:txBody>
@@ -2427,76 +4094,48 @@
           <a:p>
             <a:pPr>
               <a:lnSpc>
-                <a:spcPct val="170000"/>
-              </a:lnSpc>
-            </a:pPr>
-            <a:r>
-              <a:rPr lang="en-US" sz="2600" b="1">
-                <a:sym typeface="+mn-ea"/>
-              </a:rPr>
-              <a:t>Step 1: Upgrade your dependencies</a:t>
-            </a:r>
-            <a:endParaRPr lang="en-US" sz="2600" b="1">
-              <a:sym typeface="+mn-ea"/>
-            </a:endParaRPr>
-          </a:p>
-          <a:p>
-            <a:pPr>
-              <a:lnSpc>
-                <a:spcPct val="170000"/>
+                <a:spcPct val="220000"/>
               </a:lnSpc>
             </a:pPr>
             <a:r>
               <a:rPr lang="en-US" sz="2600" b="1"/>
-              <a:t>Step 2: Determine module's boundary</a:t>
+              <a:t>Step 1: Determine module's boundary</a:t>
             </a:r>
             <a:endParaRPr lang="en-US" sz="2600" b="1"/>
           </a:p>
           <a:p>
             <a:pPr>
               <a:lnSpc>
-                <a:spcPct val="170000"/>
+                <a:spcPct val="220000"/>
               </a:lnSpc>
             </a:pPr>
             <a:r>
               <a:rPr lang="en-US" sz="2600" b="1"/>
-              <a:t>Step 3: Prepare module structure &amp; refactor code</a:t>
+              <a:t>Step 2: Prepare module structure &amp; refactor code</a:t>
             </a:r>
             <a:endParaRPr lang="en-US" sz="2600" b="1"/>
           </a:p>
           <a:p>
             <a:pPr>
               <a:lnSpc>
-                <a:spcPct val="170000"/>
+                <a:spcPct val="220000"/>
               </a:lnSpc>
             </a:pPr>
             <a:r>
               <a:rPr lang="en-US" sz="2600" b="1"/>
-              <a:t>Step 4: Add module descriptors bottom-up</a:t>
+              <a:t>Step 3: Add module descriptors bottom-up</a:t>
             </a:r>
             <a:endParaRPr lang="en-US" sz="2600" b="1"/>
           </a:p>
           <a:p>
             <a:pPr>
               <a:lnSpc>
-                <a:spcPct val="170000"/>
+                <a:spcPct val="220000"/>
               </a:lnSpc>
             </a:pPr>
             <a:r>
               <a:rPr lang="en-US" sz="2600" b="1"/>
-              <a:t>Step 5: Resolve issues at boot time</a:t>
-            </a:r>
-            <a:endParaRPr lang="en-US" sz="2600" b="1"/>
-          </a:p>
-          <a:p>
-            <a:pPr>
-              <a:lnSpc>
-                <a:spcPct val="170000"/>
-              </a:lnSpc>
-            </a:pPr>
-            <a:r>
-              <a:rPr lang="en-US" sz="2600" b="1"/>
-              <a:t>Step 6: Test all paths to make sure </a:t>
+              <a:t>Step 4: Resolve issues &amp; make </a:t>
             </a:r>
             <a:r>
               <a:rPr lang="vi-VN" altLang="en-US" sz="2600" b="1"/>
@@ -2515,6 +4154,281 @@
   <p:clrMapOvr>
     <a:masterClrMapping/>
   </p:clrMapOvr>
+  <p:transition/>
+  <p:timing>
+    <p:tnLst>
+      <p:par>
+        <p:cTn id="1" dur="indefinite" restart="never" nodeType="tmRoot">
+          <p:childTnLst>
+            <p:seq concurrent="1" nextAc="seek">
+              <p:cTn id="2" dur="indefinite" nodeType="mainSeq">
+                <p:childTnLst>
+                  <p:par>
+                    <p:cTn id="3" fill="hold">
+                      <p:stCondLst>
+                        <p:cond delay="indefinite"/>
+                      </p:stCondLst>
+                      <p:childTnLst>
+                        <p:par>
+                          <p:cTn id="4" fill="hold">
+                            <p:stCondLst>
+                              <p:cond delay="0"/>
+                            </p:stCondLst>
+                            <p:childTnLst>
+                              <p:par>
+                                <p:cTn id="5" presetID="3" presetClass="entr" presetSubtype="10" fill="hold" nodeType="clickEffect">
+                                  <p:stCondLst>
+                                    <p:cond delay="0"/>
+                                  </p:stCondLst>
+                                  <p:childTnLst>
+                                    <p:set>
+                                      <p:cBhvr>
+                                        <p:cTn id="6" dur="1" fill="hold">
+                                          <p:stCondLst>
+                                            <p:cond delay="0"/>
+                                          </p:stCondLst>
+                                        </p:cTn>
+                                        <p:tgtEl>
+                                          <p:spTgt spid="5">
+                                            <p:txEl>
+                                              <p:pRg st="0" end="0"/>
+                                            </p:txEl>
+                                          </p:spTgt>
+                                        </p:tgtEl>
+                                        <p:attrNameLst>
+                                          <p:attrName>style.visibility</p:attrName>
+                                        </p:attrNameLst>
+                                      </p:cBhvr>
+                                      <p:to>
+                                        <p:strVal val="visible"/>
+                                      </p:to>
+                                    </p:set>
+                                    <p:animEffect transition="in" filter="blinds(horizontal)">
+                                      <p:cBhvr>
+                                        <p:cTn id="7" dur="500"/>
+                                        <p:tgtEl>
+                                          <p:spTgt spid="5">
+                                            <p:txEl>
+                                              <p:pRg st="0" end="0"/>
+                                            </p:txEl>
+                                          </p:spTgt>
+                                        </p:tgtEl>
+                                      </p:cBhvr>
+                                    </p:animEffect>
+                                  </p:childTnLst>
+                                </p:cTn>
+                              </p:par>
+                            </p:childTnLst>
+                          </p:cTn>
+                        </p:par>
+                      </p:childTnLst>
+                    </p:cTn>
+                  </p:par>
+                  <p:par>
+                    <p:cTn id="8" fill="hold">
+                      <p:stCondLst>
+                        <p:cond delay="indefinite"/>
+                      </p:stCondLst>
+                      <p:childTnLst>
+                        <p:par>
+                          <p:cTn id="9" fill="hold">
+                            <p:stCondLst>
+                              <p:cond delay="0"/>
+                            </p:stCondLst>
+                            <p:childTnLst>
+                              <p:par>
+                                <p:cTn id="10" presetID="3" presetClass="entr" presetSubtype="10" fill="hold" nodeType="clickEffect">
+                                  <p:stCondLst>
+                                    <p:cond delay="0"/>
+                                  </p:stCondLst>
+                                  <p:childTnLst>
+                                    <p:set>
+                                      <p:cBhvr>
+                                        <p:cTn id="11" dur="1" fill="hold">
+                                          <p:stCondLst>
+                                            <p:cond delay="0"/>
+                                          </p:stCondLst>
+                                        </p:cTn>
+                                        <p:tgtEl>
+                                          <p:spTgt spid="5">
+                                            <p:txEl>
+                                              <p:pRg st="1" end="1"/>
+                                            </p:txEl>
+                                          </p:spTgt>
+                                        </p:tgtEl>
+                                        <p:attrNameLst>
+                                          <p:attrName>style.visibility</p:attrName>
+                                        </p:attrNameLst>
+                                      </p:cBhvr>
+                                      <p:to>
+                                        <p:strVal val="visible"/>
+                                      </p:to>
+                                    </p:set>
+                                    <p:animEffect transition="in" filter="blinds(horizontal)">
+                                      <p:cBhvr>
+                                        <p:cTn id="12" dur="500"/>
+                                        <p:tgtEl>
+                                          <p:spTgt spid="5">
+                                            <p:txEl>
+                                              <p:pRg st="1" end="1"/>
+                                            </p:txEl>
+                                          </p:spTgt>
+                                        </p:tgtEl>
+                                      </p:cBhvr>
+                                    </p:animEffect>
+                                  </p:childTnLst>
+                                </p:cTn>
+                              </p:par>
+                            </p:childTnLst>
+                          </p:cTn>
+                        </p:par>
+                      </p:childTnLst>
+                    </p:cTn>
+                  </p:par>
+                  <p:par>
+                    <p:cTn id="13" fill="hold">
+                      <p:stCondLst>
+                        <p:cond delay="indefinite"/>
+                      </p:stCondLst>
+                      <p:childTnLst>
+                        <p:par>
+                          <p:cTn id="14" fill="hold">
+                            <p:stCondLst>
+                              <p:cond delay="0"/>
+                            </p:stCondLst>
+                            <p:childTnLst>
+                              <p:par>
+                                <p:cTn id="15" presetID="3" presetClass="entr" presetSubtype="10" fill="hold" nodeType="clickEffect">
+                                  <p:stCondLst>
+                                    <p:cond delay="0"/>
+                                  </p:stCondLst>
+                                  <p:childTnLst>
+                                    <p:set>
+                                      <p:cBhvr>
+                                        <p:cTn id="16" dur="1" fill="hold">
+                                          <p:stCondLst>
+                                            <p:cond delay="0"/>
+                                          </p:stCondLst>
+                                        </p:cTn>
+                                        <p:tgtEl>
+                                          <p:spTgt spid="5">
+                                            <p:txEl>
+                                              <p:pRg st="2" end="2"/>
+                                            </p:txEl>
+                                          </p:spTgt>
+                                        </p:tgtEl>
+                                        <p:attrNameLst>
+                                          <p:attrName>style.visibility</p:attrName>
+                                        </p:attrNameLst>
+                                      </p:cBhvr>
+                                      <p:to>
+                                        <p:strVal val="visible"/>
+                                      </p:to>
+                                    </p:set>
+                                    <p:animEffect transition="in" filter="blinds(horizontal)">
+                                      <p:cBhvr>
+                                        <p:cTn id="17" dur="500"/>
+                                        <p:tgtEl>
+                                          <p:spTgt spid="5">
+                                            <p:txEl>
+                                              <p:pRg st="2" end="2"/>
+                                            </p:txEl>
+                                          </p:spTgt>
+                                        </p:tgtEl>
+                                      </p:cBhvr>
+                                    </p:animEffect>
+                                  </p:childTnLst>
+                                </p:cTn>
+                              </p:par>
+                            </p:childTnLst>
+                          </p:cTn>
+                        </p:par>
+                      </p:childTnLst>
+                    </p:cTn>
+                  </p:par>
+                  <p:par>
+                    <p:cTn id="18" fill="hold">
+                      <p:stCondLst>
+                        <p:cond delay="indefinite"/>
+                      </p:stCondLst>
+                      <p:childTnLst>
+                        <p:par>
+                          <p:cTn id="19" fill="hold">
+                            <p:stCondLst>
+                              <p:cond delay="0"/>
+                            </p:stCondLst>
+                            <p:childTnLst>
+                              <p:par>
+                                <p:cTn id="20" presetID="3" presetClass="entr" presetSubtype="10" fill="hold" nodeType="clickEffect">
+                                  <p:stCondLst>
+                                    <p:cond delay="0"/>
+                                  </p:stCondLst>
+                                  <p:childTnLst>
+                                    <p:set>
+                                      <p:cBhvr>
+                                        <p:cTn id="21" dur="1" fill="hold">
+                                          <p:stCondLst>
+                                            <p:cond delay="0"/>
+                                          </p:stCondLst>
+                                        </p:cTn>
+                                        <p:tgtEl>
+                                          <p:spTgt spid="5">
+                                            <p:txEl>
+                                              <p:pRg st="3" end="3"/>
+                                            </p:txEl>
+                                          </p:spTgt>
+                                        </p:tgtEl>
+                                        <p:attrNameLst>
+                                          <p:attrName>style.visibility</p:attrName>
+                                        </p:attrNameLst>
+                                      </p:cBhvr>
+                                      <p:to>
+                                        <p:strVal val="visible"/>
+                                      </p:to>
+                                    </p:set>
+                                    <p:animEffect transition="in" filter="blinds(horizontal)">
+                                      <p:cBhvr>
+                                        <p:cTn id="22" dur="500"/>
+                                        <p:tgtEl>
+                                          <p:spTgt spid="5">
+                                            <p:txEl>
+                                              <p:pRg st="3" end="3"/>
+                                            </p:txEl>
+                                          </p:spTgt>
+                                        </p:tgtEl>
+                                      </p:cBhvr>
+                                    </p:animEffect>
+                                  </p:childTnLst>
+                                </p:cTn>
+                              </p:par>
+                            </p:childTnLst>
+                          </p:cTn>
+                        </p:par>
+                      </p:childTnLst>
+                    </p:cTn>
+                  </p:par>
+                </p:childTnLst>
+              </p:cTn>
+              <p:prevCondLst>
+                <p:cond evt="onPrev" delay="0">
+                  <p:tgtEl>
+                    <p:sldTgt/>
+                  </p:tgtEl>
+                </p:cond>
+              </p:prevCondLst>
+              <p:nextCondLst>
+                <p:cond evt="onNext" delay="0">
+                  <p:tgtEl>
+                    <p:sldTgt/>
+                  </p:tgtEl>
+                </p:cond>
+              </p:nextCondLst>
+            </p:seq>
+          </p:childTnLst>
+        </p:cTn>
+      </p:par>
+    </p:tnLst>
+  </p:timing>
 </p:sld>
 </file>
 
@@ -2570,8 +4484,8 @@
         </p:nvSpPr>
         <p:spPr>
           <a:xfrm>
-            <a:off x="838200" y="1457325"/>
-            <a:ext cx="4804410" cy="3515995"/>
+            <a:off x="1282065" y="1380490"/>
+            <a:ext cx="4804410" cy="419735"/>
           </a:xfrm>
         </p:spPr>
         <p:txBody>
@@ -2584,62 +4498,6 @@
             <a:r>
               <a:rPr lang="en-US" sz="2400" b="1"/>
               <a:t>JDK1 - JDK8</a:t>
-            </a:r>
-            <a:endParaRPr lang="en-US" sz="2400" b="1"/>
-          </a:p>
-          <a:p>
-            <a:pPr algn="l">
-              <a:lnSpc>
-                <a:spcPct val="110000"/>
-              </a:lnSpc>
-            </a:pPr>
-            <a:r>
-              <a:rPr lang="en-US" b="1">
-                <a:solidFill>
-                  <a:srgbClr val="02A9F7"/>
-                </a:solidFill>
-              </a:rPr>
-              <a:t>Programs are packages</a:t>
-            </a:r>
-            <a:endParaRPr lang="en-US" b="1">
-              <a:solidFill>
-                <a:srgbClr val="02A9F7"/>
-              </a:solidFill>
-            </a:endParaRPr>
-          </a:p>
-          <a:p>
-            <a:pPr algn="l">
-              <a:lnSpc>
-                <a:spcPct val="110000"/>
-              </a:lnSpc>
-            </a:pPr>
-            <a:r>
-              <a:rPr lang="en-US" b="1">
-                <a:solidFill>
-                  <a:srgbClr val="02A9F7"/>
-                </a:solidFill>
-              </a:rPr>
-              <a:t>Accessibility</a:t>
-            </a:r>
-            <a:endParaRPr lang="en-US" b="1">
-              <a:solidFill>
-                <a:srgbClr val="02A9F7"/>
-              </a:solidFill>
-            </a:endParaRPr>
-          </a:p>
-          <a:p>
-            <a:pPr algn="l">
-              <a:lnSpc>
-                <a:spcPct val="110000"/>
-              </a:lnSpc>
-            </a:pPr>
-            <a:r>
-              <a:rPr lang="en-US" b="1">
-                <a:solidFill>
-                  <a:srgbClr val="02A9F7"/>
-                </a:solidFill>
-              </a:rPr>
-              <a:t>JDK as a whole</a:t>
             </a:r>
             <a:endParaRPr lang="en-US" b="1">
               <a:solidFill>
@@ -2659,8 +4517,8 @@
         </p:nvSpPr>
         <p:spPr>
           <a:xfrm>
-            <a:off x="6299200" y="1457325"/>
-            <a:ext cx="5509895" cy="4595495"/>
+            <a:off x="6605905" y="1304925"/>
+            <a:ext cx="2014220" cy="419100"/>
           </a:xfrm>
           <a:prstGeom prst="rect">
             <a:avLst/>
@@ -2850,64 +4708,6 @@
                 <a:sym typeface="+mn-ea"/>
               </a:rPr>
               <a:t>&gt;= JDK 9</a:t>
-            </a:r>
-            <a:endParaRPr lang="en-US" sz="2400" b="1" i="1">
-              <a:sym typeface="+mn-ea"/>
-            </a:endParaRPr>
-          </a:p>
-          <a:p>
-            <a:pPr algn="l">
-              <a:lnSpc>
-                <a:spcPct val="100000"/>
-              </a:lnSpc>
-            </a:pPr>
-            <a:r>
-              <a:rPr lang="en-US" b="1">
-                <a:solidFill>
-                  <a:srgbClr val="02A9F7"/>
-                </a:solidFill>
-              </a:rPr>
-              <a:t>Programs are modules</a:t>
-            </a:r>
-            <a:endParaRPr lang="en-US" b="1">
-              <a:solidFill>
-                <a:srgbClr val="02A9F7"/>
-              </a:solidFill>
-            </a:endParaRPr>
-          </a:p>
-          <a:p>
-            <a:pPr algn="l">
-              <a:lnSpc>
-                <a:spcPct val="100000"/>
-              </a:lnSpc>
-            </a:pPr>
-            <a:r>
-              <a:rPr lang="en-US" b="1">
-                <a:solidFill>
-                  <a:srgbClr val="02A9F7"/>
-                </a:solidFill>
-              </a:rPr>
-              <a:t>More accessibility: module-scope</a:t>
-            </a:r>
-            <a:endParaRPr lang="en-US" b="1">
-              <a:solidFill>
-                <a:srgbClr val="02A9F7"/>
-              </a:solidFill>
-            </a:endParaRPr>
-          </a:p>
-          <a:p>
-            <a:pPr algn="l">
-              <a:lnSpc>
-                <a:spcPct val="100000"/>
-              </a:lnSpc>
-            </a:pPr>
-            <a:r>
-              <a:rPr lang="en-US" b="1">
-                <a:solidFill>
-                  <a:srgbClr val="02A9F7"/>
-                </a:solidFill>
-              </a:rPr>
-              <a:t>Modular JDK</a:t>
             </a:r>
             <a:endParaRPr lang="en-US" b="1" i="1"/>
           </a:p>
@@ -2969,7 +4769,7 @@
         </p:blipFill>
         <p:spPr>
           <a:xfrm>
-            <a:off x="7305040" y="3208655"/>
+            <a:off x="6848475" y="3219450"/>
             <a:ext cx="2252980" cy="3372485"/>
           </a:xfrm>
           <a:prstGeom prst="rect">
@@ -2993,7 +4793,7 @@
         </p:blipFill>
         <p:spPr>
           <a:xfrm>
-            <a:off x="1378585" y="3230245"/>
+            <a:off x="2649220" y="3219450"/>
             <a:ext cx="1857375" cy="3350895"/>
           </a:xfrm>
           <a:prstGeom prst="rect">
@@ -3001,11 +4801,1881 @@
           </a:prstGeom>
         </p:spPr>
       </p:pic>
+      <p:sp>
+        <p:nvSpPr>
+          <p:cNvPr id="3" name="Text Placeholder 4"/>
+          <p:cNvSpPr>
+            <a:spLocks noGrp="1"/>
+          </p:cNvSpPr>
+          <p:nvPr>
+            <p:custDataLst>
+              <p:tags r:id="rId3"/>
+            </p:custDataLst>
+          </p:nvPr>
+        </p:nvSpPr>
+        <p:spPr>
+          <a:xfrm>
+            <a:off x="2734310" y="1851660"/>
+            <a:ext cx="1772285" cy="558800"/>
+          </a:xfrm>
+          <a:prstGeom prst="rect">
+            <a:avLst/>
+          </a:prstGeom>
+        </p:spPr>
+        <p:txBody>
+          <a:bodyPr/>
+          <a:lstStyle>
+            <a:lvl1pPr marL="228600" indent="-228600" algn="l" defTabSz="914400" rtl="0" eaLnBrk="1" latinLnBrk="0" hangingPunct="1">
+              <a:lnSpc>
+                <a:spcPct val="90000"/>
+              </a:lnSpc>
+              <a:spcBef>
+                <a:spcPts val="1000"/>
+              </a:spcBef>
+              <a:buClr>
+                <a:schemeClr val="accent1"/>
+              </a:buClr>
+              <a:buFont typeface="Arial" panose="020B0604020202020204" pitchFamily="34" charset="0"/>
+              <a:buChar char="•"/>
+              <a:defRPr sz="2000" kern="1200" baseline="0">
+                <a:solidFill>
+                  <a:schemeClr val="tx1"/>
+                </a:solidFill>
+                <a:latin typeface="+mn-lt"/>
+                <a:ea typeface="+mn-ea"/>
+                <a:cs typeface="+mn-cs"/>
+              </a:defRPr>
+            </a:lvl1pPr>
+            <a:lvl2pPr marL="685800" indent="-228600" algn="l" defTabSz="914400" rtl="0" eaLnBrk="1" latinLnBrk="0" hangingPunct="1">
+              <a:lnSpc>
+                <a:spcPct val="90000"/>
+              </a:lnSpc>
+              <a:spcBef>
+                <a:spcPts val="500"/>
+              </a:spcBef>
+              <a:buClr>
+                <a:srgbClr val="02A9F7"/>
+              </a:buClr>
+              <a:buFont typeface="Arial" panose="020B0604020202020204" pitchFamily="34" charset="0"/>
+              <a:buChar char="‒"/>
+              <a:defRPr sz="1800" kern="1200" baseline="0">
+                <a:solidFill>
+                  <a:schemeClr val="tx1"/>
+                </a:solidFill>
+                <a:latin typeface="+mn-lt"/>
+                <a:ea typeface="+mn-ea"/>
+                <a:cs typeface="+mn-cs"/>
+              </a:defRPr>
+            </a:lvl2pPr>
+            <a:lvl3pPr marL="1143000" indent="-228600" algn="l" defTabSz="914400" rtl="0" eaLnBrk="1" latinLnBrk="0" hangingPunct="1">
+              <a:lnSpc>
+                <a:spcPct val="90000"/>
+              </a:lnSpc>
+              <a:spcBef>
+                <a:spcPts val="500"/>
+              </a:spcBef>
+              <a:buFont typeface="Arial" panose="020B0604020202020204" pitchFamily="34" charset="0"/>
+              <a:buChar char="•"/>
+              <a:defRPr sz="1600" kern="1200" baseline="0">
+                <a:solidFill>
+                  <a:schemeClr val="tx1"/>
+                </a:solidFill>
+                <a:latin typeface="+mn-lt"/>
+                <a:ea typeface="+mn-ea"/>
+                <a:cs typeface="+mn-cs"/>
+              </a:defRPr>
+            </a:lvl3pPr>
+            <a:lvl4pPr marL="1600200" indent="-228600" algn="l" defTabSz="914400" rtl="0" eaLnBrk="1" latinLnBrk="0" hangingPunct="1">
+              <a:lnSpc>
+                <a:spcPct val="90000"/>
+              </a:lnSpc>
+              <a:spcBef>
+                <a:spcPts val="500"/>
+              </a:spcBef>
+              <a:buFont typeface="Arial" panose="020B0604020202020204" pitchFamily="34" charset="0"/>
+              <a:buChar char="•"/>
+              <a:defRPr sz="1400" kern="1200">
+                <a:solidFill>
+                  <a:schemeClr val="tx1"/>
+                </a:solidFill>
+                <a:latin typeface="+mn-lt"/>
+                <a:ea typeface="+mn-ea"/>
+                <a:cs typeface="+mn-cs"/>
+              </a:defRPr>
+            </a:lvl4pPr>
+            <a:lvl5pPr marL="2057400" indent="-228600" algn="l" defTabSz="914400" rtl="0" eaLnBrk="1" latinLnBrk="0" hangingPunct="1">
+              <a:lnSpc>
+                <a:spcPct val="90000"/>
+              </a:lnSpc>
+              <a:spcBef>
+                <a:spcPts val="500"/>
+              </a:spcBef>
+              <a:buFont typeface="Arial" panose="020B0604020202020204" pitchFamily="34" charset="0"/>
+              <a:buChar char="•"/>
+              <a:defRPr sz="1200" kern="1200">
+                <a:solidFill>
+                  <a:schemeClr val="tx1"/>
+                </a:solidFill>
+                <a:latin typeface="+mn-lt"/>
+                <a:ea typeface="+mn-ea"/>
+                <a:cs typeface="+mn-cs"/>
+              </a:defRPr>
+            </a:lvl5pPr>
+            <a:lvl6pPr marL="2514600" indent="-228600" algn="l" defTabSz="914400" rtl="0" eaLnBrk="1" latinLnBrk="0" hangingPunct="1">
+              <a:lnSpc>
+                <a:spcPct val="90000"/>
+              </a:lnSpc>
+              <a:spcBef>
+                <a:spcPts val="500"/>
+              </a:spcBef>
+              <a:buFont typeface="Arial" panose="020B0604020202020204" pitchFamily="34" charset="0"/>
+              <a:buChar char="•"/>
+              <a:defRPr sz="1800" kern="1200">
+                <a:solidFill>
+                  <a:schemeClr val="tx1"/>
+                </a:solidFill>
+                <a:latin typeface="+mn-lt"/>
+                <a:ea typeface="+mn-ea"/>
+                <a:cs typeface="+mn-cs"/>
+              </a:defRPr>
+            </a:lvl6pPr>
+            <a:lvl7pPr marL="2971800" indent="-228600" algn="l" defTabSz="914400" rtl="0" eaLnBrk="1" latinLnBrk="0" hangingPunct="1">
+              <a:lnSpc>
+                <a:spcPct val="90000"/>
+              </a:lnSpc>
+              <a:spcBef>
+                <a:spcPts val="500"/>
+              </a:spcBef>
+              <a:buFont typeface="Arial" panose="020B0604020202020204" pitchFamily="34" charset="0"/>
+              <a:buChar char="•"/>
+              <a:defRPr sz="1800" kern="1200">
+                <a:solidFill>
+                  <a:schemeClr val="tx1"/>
+                </a:solidFill>
+                <a:latin typeface="+mn-lt"/>
+                <a:ea typeface="+mn-ea"/>
+                <a:cs typeface="+mn-cs"/>
+              </a:defRPr>
+            </a:lvl7pPr>
+            <a:lvl8pPr marL="3429000" indent="-228600" algn="l" defTabSz="914400" rtl="0" eaLnBrk="1" latinLnBrk="0" hangingPunct="1">
+              <a:lnSpc>
+                <a:spcPct val="90000"/>
+              </a:lnSpc>
+              <a:spcBef>
+                <a:spcPts val="500"/>
+              </a:spcBef>
+              <a:buFont typeface="Arial" panose="020B0604020202020204" pitchFamily="34" charset="0"/>
+              <a:buChar char="•"/>
+              <a:defRPr sz="1800" kern="1200">
+                <a:solidFill>
+                  <a:schemeClr val="tx1"/>
+                </a:solidFill>
+                <a:latin typeface="+mn-lt"/>
+                <a:ea typeface="+mn-ea"/>
+                <a:cs typeface="+mn-cs"/>
+              </a:defRPr>
+            </a:lvl8pPr>
+            <a:lvl9pPr marL="3886200" indent="-228600" algn="l" defTabSz="914400" rtl="0" eaLnBrk="1" latinLnBrk="0" hangingPunct="1">
+              <a:lnSpc>
+                <a:spcPct val="90000"/>
+              </a:lnSpc>
+              <a:spcBef>
+                <a:spcPts val="500"/>
+              </a:spcBef>
+              <a:buFont typeface="Arial" panose="020B0604020202020204" pitchFamily="34" charset="0"/>
+              <a:buChar char="•"/>
+              <a:defRPr sz="1800" kern="1200">
+                <a:solidFill>
+                  <a:schemeClr val="tx1"/>
+                </a:solidFill>
+                <a:latin typeface="+mn-lt"/>
+                <a:ea typeface="+mn-ea"/>
+                <a:cs typeface="+mn-cs"/>
+              </a:defRPr>
+            </a:lvl9pPr>
+          </a:lstStyle>
+          <a:p>
+            <a:pPr marL="0" indent="0" algn="l">
+              <a:lnSpc>
+                <a:spcPct val="110000"/>
+              </a:lnSpc>
+              <a:buNone/>
+            </a:pPr>
+            <a:r>
+              <a:rPr lang="en-US" b="1">
+                <a:solidFill>
+                  <a:srgbClr val="02A9F7"/>
+                </a:solidFill>
+              </a:rPr>
+              <a:t>packages</a:t>
+            </a:r>
+            <a:endParaRPr lang="en-US" b="1">
+              <a:solidFill>
+                <a:srgbClr val="02A9F7"/>
+              </a:solidFill>
+            </a:endParaRPr>
+          </a:p>
+        </p:txBody>
+      </p:sp>
+      <p:sp>
+        <p:nvSpPr>
+          <p:cNvPr id="7" name="Text Placeholder 4"/>
+          <p:cNvSpPr>
+            <a:spLocks noGrp="1"/>
+          </p:cNvSpPr>
+          <p:nvPr/>
+        </p:nvSpPr>
+        <p:spPr>
+          <a:xfrm>
+            <a:off x="2734310" y="2410460"/>
+            <a:ext cx="4804410" cy="356235"/>
+          </a:xfrm>
+          <a:prstGeom prst="rect">
+            <a:avLst/>
+          </a:prstGeom>
+        </p:spPr>
+        <p:txBody>
+          <a:bodyPr/>
+          <a:lstStyle>
+            <a:lvl1pPr marL="228600" indent="-228600" algn="l" defTabSz="914400" rtl="0" eaLnBrk="1" latinLnBrk="0" hangingPunct="1">
+              <a:lnSpc>
+                <a:spcPct val="90000"/>
+              </a:lnSpc>
+              <a:spcBef>
+                <a:spcPts val="1000"/>
+              </a:spcBef>
+              <a:buClr>
+                <a:schemeClr val="accent1"/>
+              </a:buClr>
+              <a:buFont typeface="Arial" panose="020B0604020202020204" pitchFamily="34" charset="0"/>
+              <a:buChar char="•"/>
+              <a:defRPr sz="2000" kern="1200" baseline="0">
+                <a:solidFill>
+                  <a:schemeClr val="tx1"/>
+                </a:solidFill>
+                <a:latin typeface="+mn-lt"/>
+                <a:ea typeface="+mn-ea"/>
+                <a:cs typeface="+mn-cs"/>
+              </a:defRPr>
+            </a:lvl1pPr>
+            <a:lvl2pPr marL="685800" indent="-228600" algn="l" defTabSz="914400" rtl="0" eaLnBrk="1" latinLnBrk="0" hangingPunct="1">
+              <a:lnSpc>
+                <a:spcPct val="90000"/>
+              </a:lnSpc>
+              <a:spcBef>
+                <a:spcPts val="500"/>
+              </a:spcBef>
+              <a:buClr>
+                <a:srgbClr val="02A9F7"/>
+              </a:buClr>
+              <a:buFont typeface="Arial" panose="020B0604020202020204" pitchFamily="34" charset="0"/>
+              <a:buChar char="‒"/>
+              <a:defRPr sz="1800" kern="1200" baseline="0">
+                <a:solidFill>
+                  <a:schemeClr val="tx1"/>
+                </a:solidFill>
+                <a:latin typeface="+mn-lt"/>
+                <a:ea typeface="+mn-ea"/>
+                <a:cs typeface="+mn-cs"/>
+              </a:defRPr>
+            </a:lvl2pPr>
+            <a:lvl3pPr marL="1143000" indent="-228600" algn="l" defTabSz="914400" rtl="0" eaLnBrk="1" latinLnBrk="0" hangingPunct="1">
+              <a:lnSpc>
+                <a:spcPct val="90000"/>
+              </a:lnSpc>
+              <a:spcBef>
+                <a:spcPts val="500"/>
+              </a:spcBef>
+              <a:buFont typeface="Arial" panose="020B0604020202020204" pitchFamily="34" charset="0"/>
+              <a:buChar char="•"/>
+              <a:defRPr sz="1600" kern="1200" baseline="0">
+                <a:solidFill>
+                  <a:schemeClr val="tx1"/>
+                </a:solidFill>
+                <a:latin typeface="+mn-lt"/>
+                <a:ea typeface="+mn-ea"/>
+                <a:cs typeface="+mn-cs"/>
+              </a:defRPr>
+            </a:lvl3pPr>
+            <a:lvl4pPr marL="1600200" indent="-228600" algn="l" defTabSz="914400" rtl="0" eaLnBrk="1" latinLnBrk="0" hangingPunct="1">
+              <a:lnSpc>
+                <a:spcPct val="90000"/>
+              </a:lnSpc>
+              <a:spcBef>
+                <a:spcPts val="500"/>
+              </a:spcBef>
+              <a:buFont typeface="Arial" panose="020B0604020202020204" pitchFamily="34" charset="0"/>
+              <a:buChar char="•"/>
+              <a:defRPr sz="1400" kern="1200">
+                <a:solidFill>
+                  <a:schemeClr val="tx1"/>
+                </a:solidFill>
+                <a:latin typeface="+mn-lt"/>
+                <a:ea typeface="+mn-ea"/>
+                <a:cs typeface="+mn-cs"/>
+              </a:defRPr>
+            </a:lvl4pPr>
+            <a:lvl5pPr marL="2057400" indent="-228600" algn="l" defTabSz="914400" rtl="0" eaLnBrk="1" latinLnBrk="0" hangingPunct="1">
+              <a:lnSpc>
+                <a:spcPct val="90000"/>
+              </a:lnSpc>
+              <a:spcBef>
+                <a:spcPts val="500"/>
+              </a:spcBef>
+              <a:buFont typeface="Arial" panose="020B0604020202020204" pitchFamily="34" charset="0"/>
+              <a:buChar char="•"/>
+              <a:defRPr sz="1200" kern="1200">
+                <a:solidFill>
+                  <a:schemeClr val="tx1"/>
+                </a:solidFill>
+                <a:latin typeface="+mn-lt"/>
+                <a:ea typeface="+mn-ea"/>
+                <a:cs typeface="+mn-cs"/>
+              </a:defRPr>
+            </a:lvl5pPr>
+            <a:lvl6pPr marL="2514600" indent="-228600" algn="l" defTabSz="914400" rtl="0" eaLnBrk="1" latinLnBrk="0" hangingPunct="1">
+              <a:lnSpc>
+                <a:spcPct val="90000"/>
+              </a:lnSpc>
+              <a:spcBef>
+                <a:spcPts val="500"/>
+              </a:spcBef>
+              <a:buFont typeface="Arial" panose="020B0604020202020204" pitchFamily="34" charset="0"/>
+              <a:buChar char="•"/>
+              <a:defRPr sz="1800" kern="1200">
+                <a:solidFill>
+                  <a:schemeClr val="tx1"/>
+                </a:solidFill>
+                <a:latin typeface="+mn-lt"/>
+                <a:ea typeface="+mn-ea"/>
+                <a:cs typeface="+mn-cs"/>
+              </a:defRPr>
+            </a:lvl6pPr>
+            <a:lvl7pPr marL="2971800" indent="-228600" algn="l" defTabSz="914400" rtl="0" eaLnBrk="1" latinLnBrk="0" hangingPunct="1">
+              <a:lnSpc>
+                <a:spcPct val="90000"/>
+              </a:lnSpc>
+              <a:spcBef>
+                <a:spcPts val="500"/>
+              </a:spcBef>
+              <a:buFont typeface="Arial" panose="020B0604020202020204" pitchFamily="34" charset="0"/>
+              <a:buChar char="•"/>
+              <a:defRPr sz="1800" kern="1200">
+                <a:solidFill>
+                  <a:schemeClr val="tx1"/>
+                </a:solidFill>
+                <a:latin typeface="+mn-lt"/>
+                <a:ea typeface="+mn-ea"/>
+                <a:cs typeface="+mn-cs"/>
+              </a:defRPr>
+            </a:lvl7pPr>
+            <a:lvl8pPr marL="3429000" indent="-228600" algn="l" defTabSz="914400" rtl="0" eaLnBrk="1" latinLnBrk="0" hangingPunct="1">
+              <a:lnSpc>
+                <a:spcPct val="90000"/>
+              </a:lnSpc>
+              <a:spcBef>
+                <a:spcPts val="500"/>
+              </a:spcBef>
+              <a:buFont typeface="Arial" panose="020B0604020202020204" pitchFamily="34" charset="0"/>
+              <a:buChar char="•"/>
+              <a:defRPr sz="1800" kern="1200">
+                <a:solidFill>
+                  <a:schemeClr val="tx1"/>
+                </a:solidFill>
+                <a:latin typeface="+mn-lt"/>
+                <a:ea typeface="+mn-ea"/>
+                <a:cs typeface="+mn-cs"/>
+              </a:defRPr>
+            </a:lvl8pPr>
+            <a:lvl9pPr marL="3886200" indent="-228600" algn="l" defTabSz="914400" rtl="0" eaLnBrk="1" latinLnBrk="0" hangingPunct="1">
+              <a:lnSpc>
+                <a:spcPct val="90000"/>
+              </a:lnSpc>
+              <a:spcBef>
+                <a:spcPts val="500"/>
+              </a:spcBef>
+              <a:buFont typeface="Arial" panose="020B0604020202020204" pitchFamily="34" charset="0"/>
+              <a:buChar char="•"/>
+              <a:defRPr sz="1800" kern="1200">
+                <a:solidFill>
+                  <a:schemeClr val="tx1"/>
+                </a:solidFill>
+                <a:latin typeface="+mn-lt"/>
+                <a:ea typeface="+mn-ea"/>
+                <a:cs typeface="+mn-cs"/>
+              </a:defRPr>
+            </a:lvl9pPr>
+          </a:lstStyle>
+          <a:p>
+            <a:pPr marL="0" indent="0" algn="l">
+              <a:lnSpc>
+                <a:spcPct val="80000"/>
+              </a:lnSpc>
+              <a:buNone/>
+            </a:pPr>
+            <a:r>
+              <a:rPr lang="en-US" sz="1800" b="1">
+                <a:solidFill>
+                  <a:srgbClr val="02A9F7"/>
+                </a:solidFill>
+              </a:rPr>
+              <a:t>4</a:t>
+            </a:r>
+            <a:endParaRPr lang="en-US" sz="1800" b="1">
+              <a:solidFill>
+                <a:srgbClr val="02A9F7"/>
+              </a:solidFill>
+            </a:endParaRPr>
+          </a:p>
+        </p:txBody>
+      </p:sp>
+      <p:sp>
+        <p:nvSpPr>
+          <p:cNvPr id="8" name="Text Placeholder 4"/>
+          <p:cNvSpPr>
+            <a:spLocks noGrp="1"/>
+          </p:cNvSpPr>
+          <p:nvPr/>
+        </p:nvSpPr>
+        <p:spPr>
+          <a:xfrm>
+            <a:off x="2734310" y="2814955"/>
+            <a:ext cx="1213485" cy="419735"/>
+          </a:xfrm>
+          <a:prstGeom prst="rect">
+            <a:avLst/>
+          </a:prstGeom>
+        </p:spPr>
+        <p:txBody>
+          <a:bodyPr/>
+          <a:lstStyle>
+            <a:lvl1pPr marL="228600" indent="-228600" algn="l" defTabSz="914400" rtl="0" eaLnBrk="1" latinLnBrk="0" hangingPunct="1">
+              <a:lnSpc>
+                <a:spcPct val="90000"/>
+              </a:lnSpc>
+              <a:spcBef>
+                <a:spcPts val="1000"/>
+              </a:spcBef>
+              <a:buClr>
+                <a:schemeClr val="accent1"/>
+              </a:buClr>
+              <a:buFont typeface="Arial" panose="020B0604020202020204" pitchFamily="34" charset="0"/>
+              <a:buChar char="•"/>
+              <a:defRPr sz="2000" kern="1200" baseline="0">
+                <a:solidFill>
+                  <a:schemeClr val="tx1"/>
+                </a:solidFill>
+                <a:latin typeface="+mn-lt"/>
+                <a:ea typeface="+mn-ea"/>
+                <a:cs typeface="+mn-cs"/>
+              </a:defRPr>
+            </a:lvl1pPr>
+            <a:lvl2pPr marL="685800" indent="-228600" algn="l" defTabSz="914400" rtl="0" eaLnBrk="1" latinLnBrk="0" hangingPunct="1">
+              <a:lnSpc>
+                <a:spcPct val="90000"/>
+              </a:lnSpc>
+              <a:spcBef>
+                <a:spcPts val="500"/>
+              </a:spcBef>
+              <a:buClr>
+                <a:srgbClr val="02A9F7"/>
+              </a:buClr>
+              <a:buFont typeface="Arial" panose="020B0604020202020204" pitchFamily="34" charset="0"/>
+              <a:buChar char="‒"/>
+              <a:defRPr sz="1800" kern="1200" baseline="0">
+                <a:solidFill>
+                  <a:schemeClr val="tx1"/>
+                </a:solidFill>
+                <a:latin typeface="+mn-lt"/>
+                <a:ea typeface="+mn-ea"/>
+                <a:cs typeface="+mn-cs"/>
+              </a:defRPr>
+            </a:lvl2pPr>
+            <a:lvl3pPr marL="1143000" indent="-228600" algn="l" defTabSz="914400" rtl="0" eaLnBrk="1" latinLnBrk="0" hangingPunct="1">
+              <a:lnSpc>
+                <a:spcPct val="90000"/>
+              </a:lnSpc>
+              <a:spcBef>
+                <a:spcPts val="500"/>
+              </a:spcBef>
+              <a:buFont typeface="Arial" panose="020B0604020202020204" pitchFamily="34" charset="0"/>
+              <a:buChar char="•"/>
+              <a:defRPr sz="1600" kern="1200" baseline="0">
+                <a:solidFill>
+                  <a:schemeClr val="tx1"/>
+                </a:solidFill>
+                <a:latin typeface="+mn-lt"/>
+                <a:ea typeface="+mn-ea"/>
+                <a:cs typeface="+mn-cs"/>
+              </a:defRPr>
+            </a:lvl3pPr>
+            <a:lvl4pPr marL="1600200" indent="-228600" algn="l" defTabSz="914400" rtl="0" eaLnBrk="1" latinLnBrk="0" hangingPunct="1">
+              <a:lnSpc>
+                <a:spcPct val="90000"/>
+              </a:lnSpc>
+              <a:spcBef>
+                <a:spcPts val="500"/>
+              </a:spcBef>
+              <a:buFont typeface="Arial" panose="020B0604020202020204" pitchFamily="34" charset="0"/>
+              <a:buChar char="•"/>
+              <a:defRPr sz="1400" kern="1200">
+                <a:solidFill>
+                  <a:schemeClr val="tx1"/>
+                </a:solidFill>
+                <a:latin typeface="+mn-lt"/>
+                <a:ea typeface="+mn-ea"/>
+                <a:cs typeface="+mn-cs"/>
+              </a:defRPr>
+            </a:lvl4pPr>
+            <a:lvl5pPr marL="2057400" indent="-228600" algn="l" defTabSz="914400" rtl="0" eaLnBrk="1" latinLnBrk="0" hangingPunct="1">
+              <a:lnSpc>
+                <a:spcPct val="90000"/>
+              </a:lnSpc>
+              <a:spcBef>
+                <a:spcPts val="500"/>
+              </a:spcBef>
+              <a:buFont typeface="Arial" panose="020B0604020202020204" pitchFamily="34" charset="0"/>
+              <a:buChar char="•"/>
+              <a:defRPr sz="1200" kern="1200">
+                <a:solidFill>
+                  <a:schemeClr val="tx1"/>
+                </a:solidFill>
+                <a:latin typeface="+mn-lt"/>
+                <a:ea typeface="+mn-ea"/>
+                <a:cs typeface="+mn-cs"/>
+              </a:defRPr>
+            </a:lvl5pPr>
+            <a:lvl6pPr marL="2514600" indent="-228600" algn="l" defTabSz="914400" rtl="0" eaLnBrk="1" latinLnBrk="0" hangingPunct="1">
+              <a:lnSpc>
+                <a:spcPct val="90000"/>
+              </a:lnSpc>
+              <a:spcBef>
+                <a:spcPts val="500"/>
+              </a:spcBef>
+              <a:buFont typeface="Arial" panose="020B0604020202020204" pitchFamily="34" charset="0"/>
+              <a:buChar char="•"/>
+              <a:defRPr sz="1800" kern="1200">
+                <a:solidFill>
+                  <a:schemeClr val="tx1"/>
+                </a:solidFill>
+                <a:latin typeface="+mn-lt"/>
+                <a:ea typeface="+mn-ea"/>
+                <a:cs typeface="+mn-cs"/>
+              </a:defRPr>
+            </a:lvl6pPr>
+            <a:lvl7pPr marL="2971800" indent="-228600" algn="l" defTabSz="914400" rtl="0" eaLnBrk="1" latinLnBrk="0" hangingPunct="1">
+              <a:lnSpc>
+                <a:spcPct val="90000"/>
+              </a:lnSpc>
+              <a:spcBef>
+                <a:spcPts val="500"/>
+              </a:spcBef>
+              <a:buFont typeface="Arial" panose="020B0604020202020204" pitchFamily="34" charset="0"/>
+              <a:buChar char="•"/>
+              <a:defRPr sz="1800" kern="1200">
+                <a:solidFill>
+                  <a:schemeClr val="tx1"/>
+                </a:solidFill>
+                <a:latin typeface="+mn-lt"/>
+                <a:ea typeface="+mn-ea"/>
+                <a:cs typeface="+mn-cs"/>
+              </a:defRPr>
+            </a:lvl7pPr>
+            <a:lvl8pPr marL="3429000" indent="-228600" algn="l" defTabSz="914400" rtl="0" eaLnBrk="1" latinLnBrk="0" hangingPunct="1">
+              <a:lnSpc>
+                <a:spcPct val="90000"/>
+              </a:lnSpc>
+              <a:spcBef>
+                <a:spcPts val="500"/>
+              </a:spcBef>
+              <a:buFont typeface="Arial" panose="020B0604020202020204" pitchFamily="34" charset="0"/>
+              <a:buChar char="•"/>
+              <a:defRPr sz="1800" kern="1200">
+                <a:solidFill>
+                  <a:schemeClr val="tx1"/>
+                </a:solidFill>
+                <a:latin typeface="+mn-lt"/>
+                <a:ea typeface="+mn-ea"/>
+                <a:cs typeface="+mn-cs"/>
+              </a:defRPr>
+            </a:lvl8pPr>
+            <a:lvl9pPr marL="3886200" indent="-228600" algn="l" defTabSz="914400" rtl="0" eaLnBrk="1" latinLnBrk="0" hangingPunct="1">
+              <a:lnSpc>
+                <a:spcPct val="90000"/>
+              </a:lnSpc>
+              <a:spcBef>
+                <a:spcPts val="500"/>
+              </a:spcBef>
+              <a:buFont typeface="Arial" panose="020B0604020202020204" pitchFamily="34" charset="0"/>
+              <a:buChar char="•"/>
+              <a:defRPr sz="1800" kern="1200">
+                <a:solidFill>
+                  <a:schemeClr val="tx1"/>
+                </a:solidFill>
+                <a:latin typeface="+mn-lt"/>
+                <a:ea typeface="+mn-ea"/>
+                <a:cs typeface="+mn-cs"/>
+              </a:defRPr>
+            </a:lvl9pPr>
+          </a:lstStyle>
+          <a:p>
+            <a:pPr marL="0" indent="0" algn="l">
+              <a:lnSpc>
+                <a:spcPct val="110000"/>
+              </a:lnSpc>
+              <a:buNone/>
+            </a:pPr>
+            <a:r>
+              <a:rPr lang="en-US" b="1">
+                <a:solidFill>
+                  <a:srgbClr val="02A9F7"/>
+                </a:solidFill>
+              </a:rPr>
+              <a:t>a whole</a:t>
+            </a:r>
+            <a:endParaRPr lang="en-US" b="1">
+              <a:solidFill>
+                <a:srgbClr val="02A9F7"/>
+              </a:solidFill>
+            </a:endParaRPr>
+          </a:p>
+        </p:txBody>
+      </p:sp>
+      <p:sp>
+        <p:nvSpPr>
+          <p:cNvPr id="21" name="Pentagon 20"/>
+          <p:cNvSpPr/>
+          <p:nvPr/>
+        </p:nvSpPr>
+        <p:spPr>
+          <a:xfrm>
+            <a:off x="304800" y="1940560"/>
+            <a:ext cx="1712595" cy="304800"/>
+          </a:xfrm>
+          <a:prstGeom prst="homePlate">
+            <a:avLst/>
+          </a:prstGeom>
+        </p:spPr>
+        <p:style>
+          <a:lnRef idx="2">
+            <a:schemeClr val="accent1">
+              <a:shade val="50000"/>
+            </a:schemeClr>
+          </a:lnRef>
+          <a:fillRef idx="1">
+            <a:schemeClr val="accent1"/>
+          </a:fillRef>
+          <a:effectRef idx="0">
+            <a:schemeClr val="accent1"/>
+          </a:effectRef>
+          <a:fontRef idx="minor">
+            <a:schemeClr val="lt1"/>
+          </a:fontRef>
+        </p:style>
+        <p:txBody>
+          <a:bodyPr rtlCol="0" anchor="ctr"/>
+          <a:p>
+            <a:pPr algn="ctr"/>
+            <a:r>
+              <a:rPr lang="en-US" sz="1700" b="1"/>
+              <a:t> Program</a:t>
+            </a:r>
+            <a:endParaRPr lang="en-US" sz="1700" b="1"/>
+          </a:p>
+        </p:txBody>
+      </p:sp>
+      <p:sp>
+        <p:nvSpPr>
+          <p:cNvPr id="22" name="Pentagon 21"/>
+          <p:cNvSpPr/>
+          <p:nvPr/>
+        </p:nvSpPr>
+        <p:spPr>
+          <a:xfrm>
+            <a:off x="304800" y="2392045"/>
+            <a:ext cx="1713230" cy="304800"/>
+          </a:xfrm>
+          <a:prstGeom prst="homePlate">
+            <a:avLst/>
+          </a:prstGeom>
+        </p:spPr>
+        <p:style>
+          <a:lnRef idx="2">
+            <a:schemeClr val="accent1">
+              <a:shade val="50000"/>
+            </a:schemeClr>
+          </a:lnRef>
+          <a:fillRef idx="1">
+            <a:schemeClr val="accent1"/>
+          </a:fillRef>
+          <a:effectRef idx="0">
+            <a:schemeClr val="accent1"/>
+          </a:effectRef>
+          <a:fontRef idx="minor">
+            <a:schemeClr val="lt1"/>
+          </a:fontRef>
+        </p:style>
+        <p:txBody>
+          <a:bodyPr rtlCol="0" anchor="ctr"/>
+          <a:p>
+            <a:pPr algn="ctr"/>
+            <a:r>
+              <a:rPr lang="en-US" sz="1700" b="1">
+                <a:solidFill>
+                  <a:schemeClr val="bg1"/>
+                </a:solidFill>
+                <a:sym typeface="+mn-ea"/>
+              </a:rPr>
+              <a:t> Accessibility</a:t>
+            </a:r>
+            <a:endParaRPr lang="en-US" sz="1700" b="1">
+              <a:solidFill>
+                <a:schemeClr val="bg1"/>
+              </a:solidFill>
+              <a:sym typeface="+mn-ea"/>
+            </a:endParaRPr>
+          </a:p>
+        </p:txBody>
+      </p:sp>
+      <p:sp>
+        <p:nvSpPr>
+          <p:cNvPr id="23" name="Pentagon 22"/>
+          <p:cNvSpPr/>
+          <p:nvPr/>
+        </p:nvSpPr>
+        <p:spPr>
+          <a:xfrm>
+            <a:off x="304800" y="2843530"/>
+            <a:ext cx="1713230" cy="304800"/>
+          </a:xfrm>
+          <a:prstGeom prst="homePlate">
+            <a:avLst/>
+          </a:prstGeom>
+        </p:spPr>
+        <p:style>
+          <a:lnRef idx="2">
+            <a:schemeClr val="accent1">
+              <a:shade val="50000"/>
+            </a:schemeClr>
+          </a:lnRef>
+          <a:fillRef idx="1">
+            <a:schemeClr val="accent1"/>
+          </a:fillRef>
+          <a:effectRef idx="0">
+            <a:schemeClr val="accent1"/>
+          </a:effectRef>
+          <a:fontRef idx="minor">
+            <a:schemeClr val="lt1"/>
+          </a:fontRef>
+        </p:style>
+        <p:txBody>
+          <a:bodyPr rtlCol="0" anchor="ctr"/>
+          <a:p>
+            <a:pPr algn="ctr"/>
+            <a:r>
+              <a:rPr lang="en-US" sz="1700" b="1">
+                <a:solidFill>
+                  <a:schemeClr val="bg1"/>
+                </a:solidFill>
+                <a:sym typeface="+mn-ea"/>
+              </a:rPr>
+              <a:t> JDK organize</a:t>
+            </a:r>
+            <a:endParaRPr lang="en-US" sz="1700" b="1">
+              <a:solidFill>
+                <a:schemeClr val="bg1"/>
+              </a:solidFill>
+              <a:sym typeface="+mn-ea"/>
+            </a:endParaRPr>
+          </a:p>
+        </p:txBody>
+      </p:sp>
+      <p:sp>
+        <p:nvSpPr>
+          <p:cNvPr id="24" name="Text Placeholder 4"/>
+          <p:cNvSpPr>
+            <a:spLocks noGrp="1"/>
+          </p:cNvSpPr>
+          <p:nvPr>
+            <p:custDataLst>
+              <p:tags r:id="rId4"/>
+            </p:custDataLst>
+          </p:nvPr>
+        </p:nvSpPr>
+        <p:spPr>
+          <a:xfrm>
+            <a:off x="6848475" y="1813560"/>
+            <a:ext cx="1772285" cy="558800"/>
+          </a:xfrm>
+          <a:prstGeom prst="rect">
+            <a:avLst/>
+          </a:prstGeom>
+        </p:spPr>
+        <p:txBody>
+          <a:bodyPr/>
+          <a:lstStyle>
+            <a:lvl1pPr marL="228600" indent="-228600" algn="l" defTabSz="914400" rtl="0" eaLnBrk="1" latinLnBrk="0" hangingPunct="1">
+              <a:lnSpc>
+                <a:spcPct val="90000"/>
+              </a:lnSpc>
+              <a:spcBef>
+                <a:spcPts val="1000"/>
+              </a:spcBef>
+              <a:buClr>
+                <a:schemeClr val="accent1"/>
+              </a:buClr>
+              <a:buFont typeface="Arial" panose="020B0604020202020204" pitchFamily="34" charset="0"/>
+              <a:buChar char="•"/>
+              <a:defRPr sz="2000" kern="1200" baseline="0">
+                <a:solidFill>
+                  <a:schemeClr val="tx1"/>
+                </a:solidFill>
+                <a:latin typeface="+mn-lt"/>
+                <a:ea typeface="+mn-ea"/>
+                <a:cs typeface="+mn-cs"/>
+              </a:defRPr>
+            </a:lvl1pPr>
+            <a:lvl2pPr marL="685800" indent="-228600" algn="l" defTabSz="914400" rtl="0" eaLnBrk="1" latinLnBrk="0" hangingPunct="1">
+              <a:lnSpc>
+                <a:spcPct val="90000"/>
+              </a:lnSpc>
+              <a:spcBef>
+                <a:spcPts val="500"/>
+              </a:spcBef>
+              <a:buClr>
+                <a:srgbClr val="02A9F7"/>
+              </a:buClr>
+              <a:buFont typeface="Arial" panose="020B0604020202020204" pitchFamily="34" charset="0"/>
+              <a:buChar char="‒"/>
+              <a:defRPr sz="1800" kern="1200" baseline="0">
+                <a:solidFill>
+                  <a:schemeClr val="tx1"/>
+                </a:solidFill>
+                <a:latin typeface="+mn-lt"/>
+                <a:ea typeface="+mn-ea"/>
+                <a:cs typeface="+mn-cs"/>
+              </a:defRPr>
+            </a:lvl2pPr>
+            <a:lvl3pPr marL="1143000" indent="-228600" algn="l" defTabSz="914400" rtl="0" eaLnBrk="1" latinLnBrk="0" hangingPunct="1">
+              <a:lnSpc>
+                <a:spcPct val="90000"/>
+              </a:lnSpc>
+              <a:spcBef>
+                <a:spcPts val="500"/>
+              </a:spcBef>
+              <a:buFont typeface="Arial" panose="020B0604020202020204" pitchFamily="34" charset="0"/>
+              <a:buChar char="•"/>
+              <a:defRPr sz="1600" kern="1200" baseline="0">
+                <a:solidFill>
+                  <a:schemeClr val="tx1"/>
+                </a:solidFill>
+                <a:latin typeface="+mn-lt"/>
+                <a:ea typeface="+mn-ea"/>
+                <a:cs typeface="+mn-cs"/>
+              </a:defRPr>
+            </a:lvl3pPr>
+            <a:lvl4pPr marL="1600200" indent="-228600" algn="l" defTabSz="914400" rtl="0" eaLnBrk="1" latinLnBrk="0" hangingPunct="1">
+              <a:lnSpc>
+                <a:spcPct val="90000"/>
+              </a:lnSpc>
+              <a:spcBef>
+                <a:spcPts val="500"/>
+              </a:spcBef>
+              <a:buFont typeface="Arial" panose="020B0604020202020204" pitchFamily="34" charset="0"/>
+              <a:buChar char="•"/>
+              <a:defRPr sz="1400" kern="1200">
+                <a:solidFill>
+                  <a:schemeClr val="tx1"/>
+                </a:solidFill>
+                <a:latin typeface="+mn-lt"/>
+                <a:ea typeface="+mn-ea"/>
+                <a:cs typeface="+mn-cs"/>
+              </a:defRPr>
+            </a:lvl4pPr>
+            <a:lvl5pPr marL="2057400" indent="-228600" algn="l" defTabSz="914400" rtl="0" eaLnBrk="1" latinLnBrk="0" hangingPunct="1">
+              <a:lnSpc>
+                <a:spcPct val="90000"/>
+              </a:lnSpc>
+              <a:spcBef>
+                <a:spcPts val="500"/>
+              </a:spcBef>
+              <a:buFont typeface="Arial" panose="020B0604020202020204" pitchFamily="34" charset="0"/>
+              <a:buChar char="•"/>
+              <a:defRPr sz="1200" kern="1200">
+                <a:solidFill>
+                  <a:schemeClr val="tx1"/>
+                </a:solidFill>
+                <a:latin typeface="+mn-lt"/>
+                <a:ea typeface="+mn-ea"/>
+                <a:cs typeface="+mn-cs"/>
+              </a:defRPr>
+            </a:lvl5pPr>
+            <a:lvl6pPr marL="2514600" indent="-228600" algn="l" defTabSz="914400" rtl="0" eaLnBrk="1" latinLnBrk="0" hangingPunct="1">
+              <a:lnSpc>
+                <a:spcPct val="90000"/>
+              </a:lnSpc>
+              <a:spcBef>
+                <a:spcPts val="500"/>
+              </a:spcBef>
+              <a:buFont typeface="Arial" panose="020B0604020202020204" pitchFamily="34" charset="0"/>
+              <a:buChar char="•"/>
+              <a:defRPr sz="1800" kern="1200">
+                <a:solidFill>
+                  <a:schemeClr val="tx1"/>
+                </a:solidFill>
+                <a:latin typeface="+mn-lt"/>
+                <a:ea typeface="+mn-ea"/>
+                <a:cs typeface="+mn-cs"/>
+              </a:defRPr>
+            </a:lvl6pPr>
+            <a:lvl7pPr marL="2971800" indent="-228600" algn="l" defTabSz="914400" rtl="0" eaLnBrk="1" latinLnBrk="0" hangingPunct="1">
+              <a:lnSpc>
+                <a:spcPct val="90000"/>
+              </a:lnSpc>
+              <a:spcBef>
+                <a:spcPts val="500"/>
+              </a:spcBef>
+              <a:buFont typeface="Arial" panose="020B0604020202020204" pitchFamily="34" charset="0"/>
+              <a:buChar char="•"/>
+              <a:defRPr sz="1800" kern="1200">
+                <a:solidFill>
+                  <a:schemeClr val="tx1"/>
+                </a:solidFill>
+                <a:latin typeface="+mn-lt"/>
+                <a:ea typeface="+mn-ea"/>
+                <a:cs typeface="+mn-cs"/>
+              </a:defRPr>
+            </a:lvl7pPr>
+            <a:lvl8pPr marL="3429000" indent="-228600" algn="l" defTabSz="914400" rtl="0" eaLnBrk="1" latinLnBrk="0" hangingPunct="1">
+              <a:lnSpc>
+                <a:spcPct val="90000"/>
+              </a:lnSpc>
+              <a:spcBef>
+                <a:spcPts val="500"/>
+              </a:spcBef>
+              <a:buFont typeface="Arial" panose="020B0604020202020204" pitchFamily="34" charset="0"/>
+              <a:buChar char="•"/>
+              <a:defRPr sz="1800" kern="1200">
+                <a:solidFill>
+                  <a:schemeClr val="tx1"/>
+                </a:solidFill>
+                <a:latin typeface="+mn-lt"/>
+                <a:ea typeface="+mn-ea"/>
+                <a:cs typeface="+mn-cs"/>
+              </a:defRPr>
+            </a:lvl8pPr>
+            <a:lvl9pPr marL="3886200" indent="-228600" algn="l" defTabSz="914400" rtl="0" eaLnBrk="1" latinLnBrk="0" hangingPunct="1">
+              <a:lnSpc>
+                <a:spcPct val="90000"/>
+              </a:lnSpc>
+              <a:spcBef>
+                <a:spcPts val="500"/>
+              </a:spcBef>
+              <a:buFont typeface="Arial" panose="020B0604020202020204" pitchFamily="34" charset="0"/>
+              <a:buChar char="•"/>
+              <a:defRPr sz="1800" kern="1200">
+                <a:solidFill>
+                  <a:schemeClr val="tx1"/>
+                </a:solidFill>
+                <a:latin typeface="+mn-lt"/>
+                <a:ea typeface="+mn-ea"/>
+                <a:cs typeface="+mn-cs"/>
+              </a:defRPr>
+            </a:lvl9pPr>
+          </a:lstStyle>
+          <a:p>
+            <a:pPr marL="0" indent="0" algn="l">
+              <a:lnSpc>
+                <a:spcPct val="110000"/>
+              </a:lnSpc>
+              <a:buNone/>
+            </a:pPr>
+            <a:r>
+              <a:rPr lang="en-US" b="1">
+                <a:solidFill>
+                  <a:srgbClr val="02A9F7"/>
+                </a:solidFill>
+              </a:rPr>
+              <a:t>modules</a:t>
+            </a:r>
+            <a:endParaRPr lang="en-US" b="1">
+              <a:solidFill>
+                <a:srgbClr val="02A9F7"/>
+              </a:solidFill>
+            </a:endParaRPr>
+          </a:p>
+        </p:txBody>
+      </p:sp>
+      <p:sp>
+        <p:nvSpPr>
+          <p:cNvPr id="25" name="Text Placeholder 4"/>
+          <p:cNvSpPr>
+            <a:spLocks noGrp="1"/>
+          </p:cNvSpPr>
+          <p:nvPr/>
+        </p:nvSpPr>
+        <p:spPr>
+          <a:xfrm>
+            <a:off x="6848475" y="2372360"/>
+            <a:ext cx="4804410" cy="356235"/>
+          </a:xfrm>
+          <a:prstGeom prst="rect">
+            <a:avLst/>
+          </a:prstGeom>
+        </p:spPr>
+        <p:txBody>
+          <a:bodyPr/>
+          <a:lstStyle>
+            <a:lvl1pPr marL="228600" indent="-228600" algn="l" defTabSz="914400" rtl="0" eaLnBrk="1" latinLnBrk="0" hangingPunct="1">
+              <a:lnSpc>
+                <a:spcPct val="90000"/>
+              </a:lnSpc>
+              <a:spcBef>
+                <a:spcPts val="1000"/>
+              </a:spcBef>
+              <a:buClr>
+                <a:schemeClr val="accent1"/>
+              </a:buClr>
+              <a:buFont typeface="Arial" panose="020B0604020202020204" pitchFamily="34" charset="0"/>
+              <a:buChar char="•"/>
+              <a:defRPr sz="2000" kern="1200" baseline="0">
+                <a:solidFill>
+                  <a:schemeClr val="tx1"/>
+                </a:solidFill>
+                <a:latin typeface="+mn-lt"/>
+                <a:ea typeface="+mn-ea"/>
+                <a:cs typeface="+mn-cs"/>
+              </a:defRPr>
+            </a:lvl1pPr>
+            <a:lvl2pPr marL="685800" indent="-228600" algn="l" defTabSz="914400" rtl="0" eaLnBrk="1" latinLnBrk="0" hangingPunct="1">
+              <a:lnSpc>
+                <a:spcPct val="90000"/>
+              </a:lnSpc>
+              <a:spcBef>
+                <a:spcPts val="500"/>
+              </a:spcBef>
+              <a:buClr>
+                <a:srgbClr val="02A9F7"/>
+              </a:buClr>
+              <a:buFont typeface="Arial" panose="020B0604020202020204" pitchFamily="34" charset="0"/>
+              <a:buChar char="‒"/>
+              <a:defRPr sz="1800" kern="1200" baseline="0">
+                <a:solidFill>
+                  <a:schemeClr val="tx1"/>
+                </a:solidFill>
+                <a:latin typeface="+mn-lt"/>
+                <a:ea typeface="+mn-ea"/>
+                <a:cs typeface="+mn-cs"/>
+              </a:defRPr>
+            </a:lvl2pPr>
+            <a:lvl3pPr marL="1143000" indent="-228600" algn="l" defTabSz="914400" rtl="0" eaLnBrk="1" latinLnBrk="0" hangingPunct="1">
+              <a:lnSpc>
+                <a:spcPct val="90000"/>
+              </a:lnSpc>
+              <a:spcBef>
+                <a:spcPts val="500"/>
+              </a:spcBef>
+              <a:buFont typeface="Arial" panose="020B0604020202020204" pitchFamily="34" charset="0"/>
+              <a:buChar char="•"/>
+              <a:defRPr sz="1600" kern="1200" baseline="0">
+                <a:solidFill>
+                  <a:schemeClr val="tx1"/>
+                </a:solidFill>
+                <a:latin typeface="+mn-lt"/>
+                <a:ea typeface="+mn-ea"/>
+                <a:cs typeface="+mn-cs"/>
+              </a:defRPr>
+            </a:lvl3pPr>
+            <a:lvl4pPr marL="1600200" indent="-228600" algn="l" defTabSz="914400" rtl="0" eaLnBrk="1" latinLnBrk="0" hangingPunct="1">
+              <a:lnSpc>
+                <a:spcPct val="90000"/>
+              </a:lnSpc>
+              <a:spcBef>
+                <a:spcPts val="500"/>
+              </a:spcBef>
+              <a:buFont typeface="Arial" panose="020B0604020202020204" pitchFamily="34" charset="0"/>
+              <a:buChar char="•"/>
+              <a:defRPr sz="1400" kern="1200">
+                <a:solidFill>
+                  <a:schemeClr val="tx1"/>
+                </a:solidFill>
+                <a:latin typeface="+mn-lt"/>
+                <a:ea typeface="+mn-ea"/>
+                <a:cs typeface="+mn-cs"/>
+              </a:defRPr>
+            </a:lvl4pPr>
+            <a:lvl5pPr marL="2057400" indent="-228600" algn="l" defTabSz="914400" rtl="0" eaLnBrk="1" latinLnBrk="0" hangingPunct="1">
+              <a:lnSpc>
+                <a:spcPct val="90000"/>
+              </a:lnSpc>
+              <a:spcBef>
+                <a:spcPts val="500"/>
+              </a:spcBef>
+              <a:buFont typeface="Arial" panose="020B0604020202020204" pitchFamily="34" charset="0"/>
+              <a:buChar char="•"/>
+              <a:defRPr sz="1200" kern="1200">
+                <a:solidFill>
+                  <a:schemeClr val="tx1"/>
+                </a:solidFill>
+                <a:latin typeface="+mn-lt"/>
+                <a:ea typeface="+mn-ea"/>
+                <a:cs typeface="+mn-cs"/>
+              </a:defRPr>
+            </a:lvl5pPr>
+            <a:lvl6pPr marL="2514600" indent="-228600" algn="l" defTabSz="914400" rtl="0" eaLnBrk="1" latinLnBrk="0" hangingPunct="1">
+              <a:lnSpc>
+                <a:spcPct val="90000"/>
+              </a:lnSpc>
+              <a:spcBef>
+                <a:spcPts val="500"/>
+              </a:spcBef>
+              <a:buFont typeface="Arial" panose="020B0604020202020204" pitchFamily="34" charset="0"/>
+              <a:buChar char="•"/>
+              <a:defRPr sz="1800" kern="1200">
+                <a:solidFill>
+                  <a:schemeClr val="tx1"/>
+                </a:solidFill>
+                <a:latin typeface="+mn-lt"/>
+                <a:ea typeface="+mn-ea"/>
+                <a:cs typeface="+mn-cs"/>
+              </a:defRPr>
+            </a:lvl6pPr>
+            <a:lvl7pPr marL="2971800" indent="-228600" algn="l" defTabSz="914400" rtl="0" eaLnBrk="1" latinLnBrk="0" hangingPunct="1">
+              <a:lnSpc>
+                <a:spcPct val="90000"/>
+              </a:lnSpc>
+              <a:spcBef>
+                <a:spcPts val="500"/>
+              </a:spcBef>
+              <a:buFont typeface="Arial" panose="020B0604020202020204" pitchFamily="34" charset="0"/>
+              <a:buChar char="•"/>
+              <a:defRPr sz="1800" kern="1200">
+                <a:solidFill>
+                  <a:schemeClr val="tx1"/>
+                </a:solidFill>
+                <a:latin typeface="+mn-lt"/>
+                <a:ea typeface="+mn-ea"/>
+                <a:cs typeface="+mn-cs"/>
+              </a:defRPr>
+            </a:lvl7pPr>
+            <a:lvl8pPr marL="3429000" indent="-228600" algn="l" defTabSz="914400" rtl="0" eaLnBrk="1" latinLnBrk="0" hangingPunct="1">
+              <a:lnSpc>
+                <a:spcPct val="90000"/>
+              </a:lnSpc>
+              <a:spcBef>
+                <a:spcPts val="500"/>
+              </a:spcBef>
+              <a:buFont typeface="Arial" panose="020B0604020202020204" pitchFamily="34" charset="0"/>
+              <a:buChar char="•"/>
+              <a:defRPr sz="1800" kern="1200">
+                <a:solidFill>
+                  <a:schemeClr val="tx1"/>
+                </a:solidFill>
+                <a:latin typeface="+mn-lt"/>
+                <a:ea typeface="+mn-ea"/>
+                <a:cs typeface="+mn-cs"/>
+              </a:defRPr>
+            </a:lvl8pPr>
+            <a:lvl9pPr marL="3886200" indent="-228600" algn="l" defTabSz="914400" rtl="0" eaLnBrk="1" latinLnBrk="0" hangingPunct="1">
+              <a:lnSpc>
+                <a:spcPct val="90000"/>
+              </a:lnSpc>
+              <a:spcBef>
+                <a:spcPts val="500"/>
+              </a:spcBef>
+              <a:buFont typeface="Arial" panose="020B0604020202020204" pitchFamily="34" charset="0"/>
+              <a:buChar char="•"/>
+              <a:defRPr sz="1800" kern="1200">
+                <a:solidFill>
+                  <a:schemeClr val="tx1"/>
+                </a:solidFill>
+                <a:latin typeface="+mn-lt"/>
+                <a:ea typeface="+mn-ea"/>
+                <a:cs typeface="+mn-cs"/>
+              </a:defRPr>
+            </a:lvl9pPr>
+          </a:lstStyle>
+          <a:p>
+            <a:pPr marL="0" indent="0" algn="l">
+              <a:lnSpc>
+                <a:spcPct val="80000"/>
+              </a:lnSpc>
+              <a:buNone/>
+            </a:pPr>
+            <a:r>
+              <a:rPr lang="en-US" sz="1800" b="1">
+                <a:solidFill>
+                  <a:srgbClr val="02A9F7"/>
+                </a:solidFill>
+              </a:rPr>
+              <a:t>4 + module-scope</a:t>
+            </a:r>
+            <a:endParaRPr lang="en-US" sz="1800" b="1">
+              <a:solidFill>
+                <a:srgbClr val="02A9F7"/>
+              </a:solidFill>
+            </a:endParaRPr>
+          </a:p>
+        </p:txBody>
+      </p:sp>
+      <p:sp>
+        <p:nvSpPr>
+          <p:cNvPr id="26" name="Text Placeholder 4"/>
+          <p:cNvSpPr>
+            <a:spLocks noGrp="1"/>
+          </p:cNvSpPr>
+          <p:nvPr/>
+        </p:nvSpPr>
+        <p:spPr>
+          <a:xfrm>
+            <a:off x="6848475" y="2776855"/>
+            <a:ext cx="3776345" cy="419735"/>
+          </a:xfrm>
+          <a:prstGeom prst="rect">
+            <a:avLst/>
+          </a:prstGeom>
+        </p:spPr>
+        <p:txBody>
+          <a:bodyPr/>
+          <a:lstStyle>
+            <a:lvl1pPr marL="228600" indent="-228600" algn="l" defTabSz="914400" rtl="0" eaLnBrk="1" latinLnBrk="0" hangingPunct="1">
+              <a:lnSpc>
+                <a:spcPct val="90000"/>
+              </a:lnSpc>
+              <a:spcBef>
+                <a:spcPts val="1000"/>
+              </a:spcBef>
+              <a:buClr>
+                <a:schemeClr val="accent1"/>
+              </a:buClr>
+              <a:buFont typeface="Arial" panose="020B0604020202020204" pitchFamily="34" charset="0"/>
+              <a:buChar char="•"/>
+              <a:defRPr sz="2000" kern="1200" baseline="0">
+                <a:solidFill>
+                  <a:schemeClr val="tx1"/>
+                </a:solidFill>
+                <a:latin typeface="+mn-lt"/>
+                <a:ea typeface="+mn-ea"/>
+                <a:cs typeface="+mn-cs"/>
+              </a:defRPr>
+            </a:lvl1pPr>
+            <a:lvl2pPr marL="685800" indent="-228600" algn="l" defTabSz="914400" rtl="0" eaLnBrk="1" latinLnBrk="0" hangingPunct="1">
+              <a:lnSpc>
+                <a:spcPct val="90000"/>
+              </a:lnSpc>
+              <a:spcBef>
+                <a:spcPts val="500"/>
+              </a:spcBef>
+              <a:buClr>
+                <a:srgbClr val="02A9F7"/>
+              </a:buClr>
+              <a:buFont typeface="Arial" panose="020B0604020202020204" pitchFamily="34" charset="0"/>
+              <a:buChar char="‒"/>
+              <a:defRPr sz="1800" kern="1200" baseline="0">
+                <a:solidFill>
+                  <a:schemeClr val="tx1"/>
+                </a:solidFill>
+                <a:latin typeface="+mn-lt"/>
+                <a:ea typeface="+mn-ea"/>
+                <a:cs typeface="+mn-cs"/>
+              </a:defRPr>
+            </a:lvl2pPr>
+            <a:lvl3pPr marL="1143000" indent="-228600" algn="l" defTabSz="914400" rtl="0" eaLnBrk="1" latinLnBrk="0" hangingPunct="1">
+              <a:lnSpc>
+                <a:spcPct val="90000"/>
+              </a:lnSpc>
+              <a:spcBef>
+                <a:spcPts val="500"/>
+              </a:spcBef>
+              <a:buFont typeface="Arial" panose="020B0604020202020204" pitchFamily="34" charset="0"/>
+              <a:buChar char="•"/>
+              <a:defRPr sz="1600" kern="1200" baseline="0">
+                <a:solidFill>
+                  <a:schemeClr val="tx1"/>
+                </a:solidFill>
+                <a:latin typeface="+mn-lt"/>
+                <a:ea typeface="+mn-ea"/>
+                <a:cs typeface="+mn-cs"/>
+              </a:defRPr>
+            </a:lvl3pPr>
+            <a:lvl4pPr marL="1600200" indent="-228600" algn="l" defTabSz="914400" rtl="0" eaLnBrk="1" latinLnBrk="0" hangingPunct="1">
+              <a:lnSpc>
+                <a:spcPct val="90000"/>
+              </a:lnSpc>
+              <a:spcBef>
+                <a:spcPts val="500"/>
+              </a:spcBef>
+              <a:buFont typeface="Arial" panose="020B0604020202020204" pitchFamily="34" charset="0"/>
+              <a:buChar char="•"/>
+              <a:defRPr sz="1400" kern="1200">
+                <a:solidFill>
+                  <a:schemeClr val="tx1"/>
+                </a:solidFill>
+                <a:latin typeface="+mn-lt"/>
+                <a:ea typeface="+mn-ea"/>
+                <a:cs typeface="+mn-cs"/>
+              </a:defRPr>
+            </a:lvl4pPr>
+            <a:lvl5pPr marL="2057400" indent="-228600" algn="l" defTabSz="914400" rtl="0" eaLnBrk="1" latinLnBrk="0" hangingPunct="1">
+              <a:lnSpc>
+                <a:spcPct val="90000"/>
+              </a:lnSpc>
+              <a:spcBef>
+                <a:spcPts val="500"/>
+              </a:spcBef>
+              <a:buFont typeface="Arial" panose="020B0604020202020204" pitchFamily="34" charset="0"/>
+              <a:buChar char="•"/>
+              <a:defRPr sz="1200" kern="1200">
+                <a:solidFill>
+                  <a:schemeClr val="tx1"/>
+                </a:solidFill>
+                <a:latin typeface="+mn-lt"/>
+                <a:ea typeface="+mn-ea"/>
+                <a:cs typeface="+mn-cs"/>
+              </a:defRPr>
+            </a:lvl5pPr>
+            <a:lvl6pPr marL="2514600" indent="-228600" algn="l" defTabSz="914400" rtl="0" eaLnBrk="1" latinLnBrk="0" hangingPunct="1">
+              <a:lnSpc>
+                <a:spcPct val="90000"/>
+              </a:lnSpc>
+              <a:spcBef>
+                <a:spcPts val="500"/>
+              </a:spcBef>
+              <a:buFont typeface="Arial" panose="020B0604020202020204" pitchFamily="34" charset="0"/>
+              <a:buChar char="•"/>
+              <a:defRPr sz="1800" kern="1200">
+                <a:solidFill>
+                  <a:schemeClr val="tx1"/>
+                </a:solidFill>
+                <a:latin typeface="+mn-lt"/>
+                <a:ea typeface="+mn-ea"/>
+                <a:cs typeface="+mn-cs"/>
+              </a:defRPr>
+            </a:lvl6pPr>
+            <a:lvl7pPr marL="2971800" indent="-228600" algn="l" defTabSz="914400" rtl="0" eaLnBrk="1" latinLnBrk="0" hangingPunct="1">
+              <a:lnSpc>
+                <a:spcPct val="90000"/>
+              </a:lnSpc>
+              <a:spcBef>
+                <a:spcPts val="500"/>
+              </a:spcBef>
+              <a:buFont typeface="Arial" panose="020B0604020202020204" pitchFamily="34" charset="0"/>
+              <a:buChar char="•"/>
+              <a:defRPr sz="1800" kern="1200">
+                <a:solidFill>
+                  <a:schemeClr val="tx1"/>
+                </a:solidFill>
+                <a:latin typeface="+mn-lt"/>
+                <a:ea typeface="+mn-ea"/>
+                <a:cs typeface="+mn-cs"/>
+              </a:defRPr>
+            </a:lvl7pPr>
+            <a:lvl8pPr marL="3429000" indent="-228600" algn="l" defTabSz="914400" rtl="0" eaLnBrk="1" latinLnBrk="0" hangingPunct="1">
+              <a:lnSpc>
+                <a:spcPct val="90000"/>
+              </a:lnSpc>
+              <a:spcBef>
+                <a:spcPts val="500"/>
+              </a:spcBef>
+              <a:buFont typeface="Arial" panose="020B0604020202020204" pitchFamily="34" charset="0"/>
+              <a:buChar char="•"/>
+              <a:defRPr sz="1800" kern="1200">
+                <a:solidFill>
+                  <a:schemeClr val="tx1"/>
+                </a:solidFill>
+                <a:latin typeface="+mn-lt"/>
+                <a:ea typeface="+mn-ea"/>
+                <a:cs typeface="+mn-cs"/>
+              </a:defRPr>
+            </a:lvl8pPr>
+            <a:lvl9pPr marL="3886200" indent="-228600" algn="l" defTabSz="914400" rtl="0" eaLnBrk="1" latinLnBrk="0" hangingPunct="1">
+              <a:lnSpc>
+                <a:spcPct val="90000"/>
+              </a:lnSpc>
+              <a:spcBef>
+                <a:spcPts val="500"/>
+              </a:spcBef>
+              <a:buFont typeface="Arial" panose="020B0604020202020204" pitchFamily="34" charset="0"/>
+              <a:buChar char="•"/>
+              <a:defRPr sz="1800" kern="1200">
+                <a:solidFill>
+                  <a:schemeClr val="tx1"/>
+                </a:solidFill>
+                <a:latin typeface="+mn-lt"/>
+                <a:ea typeface="+mn-ea"/>
+                <a:cs typeface="+mn-cs"/>
+              </a:defRPr>
+            </a:lvl9pPr>
+          </a:lstStyle>
+          <a:p>
+            <a:pPr marL="0" indent="0" algn="l">
+              <a:lnSpc>
+                <a:spcPct val="110000"/>
+              </a:lnSpc>
+              <a:buNone/>
+            </a:pPr>
+            <a:r>
+              <a:rPr lang="en-US" b="1">
+                <a:solidFill>
+                  <a:srgbClr val="02A9F7"/>
+                </a:solidFill>
+              </a:rPr>
+              <a:t>modular (~100 modules)</a:t>
+            </a:r>
+            <a:endParaRPr lang="en-US" b="1">
+              <a:solidFill>
+                <a:srgbClr val="02A9F7"/>
+              </a:solidFill>
+            </a:endParaRPr>
+          </a:p>
+        </p:txBody>
+      </p:sp>
     </p:spTree>
   </p:cSld>
   <p:clrMapOvr>
     <a:masterClrMapping/>
   </p:clrMapOvr>
+  <p:timing>
+    <p:tnLst>
+      <p:par>
+        <p:cTn id="1" dur="indefinite" restart="never" nodeType="tmRoot">
+          <p:childTnLst>
+            <p:seq concurrent="1" nextAc="seek">
+              <p:cTn id="2" dur="indefinite" nodeType="mainSeq">
+                <p:childTnLst>
+                  <p:par>
+                    <p:cTn id="3" fill="hold">
+                      <p:stCondLst>
+                        <p:cond delay="indefinite"/>
+                      </p:stCondLst>
+                      <p:childTnLst>
+                        <p:par>
+                          <p:cTn id="4" fill="hold">
+                            <p:stCondLst>
+                              <p:cond delay="0"/>
+                            </p:stCondLst>
+                            <p:childTnLst>
+                              <p:par>
+                                <p:cTn id="5" presetID="1" presetClass="entr" presetSubtype="0" fill="hold" grpId="0" nodeType="clickEffect">
+                                  <p:stCondLst>
+                                    <p:cond delay="0"/>
+                                  </p:stCondLst>
+                                  <p:childTnLst>
+                                    <p:set>
+                                      <p:cBhvr>
+                                        <p:cTn id="6" dur="1" fill="hold">
+                                          <p:stCondLst>
+                                            <p:cond delay="0"/>
+                                          </p:stCondLst>
+                                        </p:cTn>
+                                        <p:tgtEl>
+                                          <p:spTgt spid="21"/>
+                                        </p:tgtEl>
+                                        <p:attrNameLst>
+                                          <p:attrName>style.visibility</p:attrName>
+                                        </p:attrNameLst>
+                                      </p:cBhvr>
+                                      <p:to>
+                                        <p:strVal val="visible"/>
+                                      </p:to>
+                                    </p:set>
+                                  </p:childTnLst>
+                                </p:cTn>
+                              </p:par>
+                              <p:par>
+                                <p:cTn id="7" presetID="1" presetClass="entr" presetSubtype="0" fill="hold" grpId="0" nodeType="withEffect">
+                                  <p:stCondLst>
+                                    <p:cond delay="0"/>
+                                  </p:stCondLst>
+                                  <p:childTnLst>
+                                    <p:set>
+                                      <p:cBhvr>
+                                        <p:cTn id="8" dur="1" fill="hold">
+                                          <p:stCondLst>
+                                            <p:cond delay="0"/>
+                                          </p:stCondLst>
+                                        </p:cTn>
+                                        <p:tgtEl>
+                                          <p:spTgt spid="3"/>
+                                        </p:tgtEl>
+                                        <p:attrNameLst>
+                                          <p:attrName>style.visibility</p:attrName>
+                                        </p:attrNameLst>
+                                      </p:cBhvr>
+                                      <p:to>
+                                        <p:strVal val="visible"/>
+                                      </p:to>
+                                    </p:set>
+                                  </p:childTnLst>
+                                </p:cTn>
+                              </p:par>
+                              <p:par>
+                                <p:cTn id="9" presetID="1" presetClass="entr" presetSubtype="0" fill="hold" grpId="0" nodeType="withEffect">
+                                  <p:stCondLst>
+                                    <p:cond delay="0"/>
+                                  </p:stCondLst>
+                                  <p:childTnLst>
+                                    <p:set>
+                                      <p:cBhvr>
+                                        <p:cTn id="10" dur="1" fill="hold">
+                                          <p:stCondLst>
+                                            <p:cond delay="0"/>
+                                          </p:stCondLst>
+                                        </p:cTn>
+                                        <p:tgtEl>
+                                          <p:spTgt spid="24"/>
+                                        </p:tgtEl>
+                                        <p:attrNameLst>
+                                          <p:attrName>style.visibility</p:attrName>
+                                        </p:attrNameLst>
+                                      </p:cBhvr>
+                                      <p:to>
+                                        <p:strVal val="visible"/>
+                                      </p:to>
+                                    </p:set>
+                                  </p:childTnLst>
+                                </p:cTn>
+                              </p:par>
+                            </p:childTnLst>
+                          </p:cTn>
+                        </p:par>
+                      </p:childTnLst>
+                    </p:cTn>
+                  </p:par>
+                  <p:par>
+                    <p:cTn id="11" fill="hold">
+                      <p:stCondLst>
+                        <p:cond delay="indefinite"/>
+                      </p:stCondLst>
+                      <p:childTnLst>
+                        <p:par>
+                          <p:cTn id="12" fill="hold">
+                            <p:stCondLst>
+                              <p:cond delay="0"/>
+                            </p:stCondLst>
+                            <p:childTnLst>
+                              <p:par>
+                                <p:cTn id="13" presetID="1" presetClass="entr" presetSubtype="0" fill="hold" grpId="0" nodeType="clickEffect">
+                                  <p:stCondLst>
+                                    <p:cond delay="0"/>
+                                  </p:stCondLst>
+                                  <p:childTnLst>
+                                    <p:set>
+                                      <p:cBhvr>
+                                        <p:cTn id="14" dur="1" fill="hold">
+                                          <p:stCondLst>
+                                            <p:cond delay="0"/>
+                                          </p:stCondLst>
+                                        </p:cTn>
+                                        <p:tgtEl>
+                                          <p:spTgt spid="22"/>
+                                        </p:tgtEl>
+                                        <p:attrNameLst>
+                                          <p:attrName>style.visibility</p:attrName>
+                                        </p:attrNameLst>
+                                      </p:cBhvr>
+                                      <p:to>
+                                        <p:strVal val="visible"/>
+                                      </p:to>
+                                    </p:set>
+                                  </p:childTnLst>
+                                </p:cTn>
+                              </p:par>
+                              <p:par>
+                                <p:cTn id="15" presetID="1" presetClass="entr" presetSubtype="0" fill="hold" grpId="0" nodeType="withEffect">
+                                  <p:stCondLst>
+                                    <p:cond delay="0"/>
+                                  </p:stCondLst>
+                                  <p:childTnLst>
+                                    <p:set>
+                                      <p:cBhvr>
+                                        <p:cTn id="16" dur="1" fill="hold">
+                                          <p:stCondLst>
+                                            <p:cond delay="0"/>
+                                          </p:stCondLst>
+                                        </p:cTn>
+                                        <p:tgtEl>
+                                          <p:spTgt spid="7"/>
+                                        </p:tgtEl>
+                                        <p:attrNameLst>
+                                          <p:attrName>style.visibility</p:attrName>
+                                        </p:attrNameLst>
+                                      </p:cBhvr>
+                                      <p:to>
+                                        <p:strVal val="visible"/>
+                                      </p:to>
+                                    </p:set>
+                                  </p:childTnLst>
+                                </p:cTn>
+                              </p:par>
+                              <p:par>
+                                <p:cTn id="17" presetID="1" presetClass="entr" presetSubtype="0" fill="hold" grpId="0" nodeType="withEffect">
+                                  <p:stCondLst>
+                                    <p:cond delay="0"/>
+                                  </p:stCondLst>
+                                  <p:childTnLst>
+                                    <p:set>
+                                      <p:cBhvr>
+                                        <p:cTn id="18" dur="1" fill="hold">
+                                          <p:stCondLst>
+                                            <p:cond delay="0"/>
+                                          </p:stCondLst>
+                                        </p:cTn>
+                                        <p:tgtEl>
+                                          <p:spTgt spid="25"/>
+                                        </p:tgtEl>
+                                        <p:attrNameLst>
+                                          <p:attrName>style.visibility</p:attrName>
+                                        </p:attrNameLst>
+                                      </p:cBhvr>
+                                      <p:to>
+                                        <p:strVal val="visible"/>
+                                      </p:to>
+                                    </p:set>
+                                  </p:childTnLst>
+                                </p:cTn>
+                              </p:par>
+                            </p:childTnLst>
+                          </p:cTn>
+                        </p:par>
+                      </p:childTnLst>
+                    </p:cTn>
+                  </p:par>
+                  <p:par>
+                    <p:cTn id="19" fill="hold">
+                      <p:stCondLst>
+                        <p:cond delay="indefinite"/>
+                      </p:stCondLst>
+                      <p:childTnLst>
+                        <p:par>
+                          <p:cTn id="20" fill="hold">
+                            <p:stCondLst>
+                              <p:cond delay="0"/>
+                            </p:stCondLst>
+                            <p:childTnLst>
+                              <p:par>
+                                <p:cTn id="21" presetID="3" presetClass="entr" presetSubtype="10" fill="hold" grpId="0" nodeType="clickEffect">
+                                  <p:stCondLst>
+                                    <p:cond delay="0"/>
+                                  </p:stCondLst>
+                                  <p:childTnLst>
+                                    <p:set>
+                                      <p:cBhvr>
+                                        <p:cTn id="22" dur="1" fill="hold">
+                                          <p:stCondLst>
+                                            <p:cond delay="0"/>
+                                          </p:stCondLst>
+                                        </p:cTn>
+                                        <p:tgtEl>
+                                          <p:spTgt spid="23"/>
+                                        </p:tgtEl>
+                                        <p:attrNameLst>
+                                          <p:attrName>style.visibility</p:attrName>
+                                        </p:attrNameLst>
+                                      </p:cBhvr>
+                                      <p:to>
+                                        <p:strVal val="visible"/>
+                                      </p:to>
+                                    </p:set>
+                                    <p:animEffect transition="in" filter="blinds(horizontal)">
+                                      <p:cBhvr>
+                                        <p:cTn id="23" dur="500"/>
+                                        <p:tgtEl>
+                                          <p:spTgt spid="23"/>
+                                        </p:tgtEl>
+                                      </p:cBhvr>
+                                    </p:animEffect>
+                                  </p:childTnLst>
+                                </p:cTn>
+                              </p:par>
+                              <p:par>
+                                <p:cTn id="24" presetID="3" presetClass="entr" presetSubtype="10" fill="hold" grpId="0" nodeType="withEffect">
+                                  <p:stCondLst>
+                                    <p:cond delay="0"/>
+                                  </p:stCondLst>
+                                  <p:childTnLst>
+                                    <p:set>
+                                      <p:cBhvr>
+                                        <p:cTn id="25" dur="1" fill="hold">
+                                          <p:stCondLst>
+                                            <p:cond delay="0"/>
+                                          </p:stCondLst>
+                                        </p:cTn>
+                                        <p:tgtEl>
+                                          <p:spTgt spid="8"/>
+                                        </p:tgtEl>
+                                        <p:attrNameLst>
+                                          <p:attrName>style.visibility</p:attrName>
+                                        </p:attrNameLst>
+                                      </p:cBhvr>
+                                      <p:to>
+                                        <p:strVal val="visible"/>
+                                      </p:to>
+                                    </p:set>
+                                    <p:animEffect transition="in" filter="blinds(horizontal)">
+                                      <p:cBhvr>
+                                        <p:cTn id="26" dur="500"/>
+                                        <p:tgtEl>
+                                          <p:spTgt spid="8"/>
+                                        </p:tgtEl>
+                                      </p:cBhvr>
+                                    </p:animEffect>
+                                  </p:childTnLst>
+                                </p:cTn>
+                              </p:par>
+                              <p:par>
+                                <p:cTn id="27" presetID="3" presetClass="entr" presetSubtype="10" fill="hold" grpId="0" nodeType="withEffect">
+                                  <p:stCondLst>
+                                    <p:cond delay="0"/>
+                                  </p:stCondLst>
+                                  <p:childTnLst>
+                                    <p:set>
+                                      <p:cBhvr>
+                                        <p:cTn id="28" dur="1" fill="hold">
+                                          <p:stCondLst>
+                                            <p:cond delay="0"/>
+                                          </p:stCondLst>
+                                        </p:cTn>
+                                        <p:tgtEl>
+                                          <p:spTgt spid="26"/>
+                                        </p:tgtEl>
+                                        <p:attrNameLst>
+                                          <p:attrName>style.visibility</p:attrName>
+                                        </p:attrNameLst>
+                                      </p:cBhvr>
+                                      <p:to>
+                                        <p:strVal val="visible"/>
+                                      </p:to>
+                                    </p:set>
+                                    <p:animEffect transition="in" filter="blinds(horizontal)">
+                                      <p:cBhvr>
+                                        <p:cTn id="29" dur="500"/>
+                                        <p:tgtEl>
+                                          <p:spTgt spid="26"/>
+                                        </p:tgtEl>
+                                      </p:cBhvr>
+                                    </p:animEffect>
+                                  </p:childTnLst>
+                                </p:cTn>
+                              </p:par>
+                              <p:par>
+                                <p:cTn id="30" presetID="3" presetClass="entr" presetSubtype="10" fill="hold" nodeType="withEffect">
+                                  <p:stCondLst>
+                                    <p:cond delay="0"/>
+                                  </p:stCondLst>
+                                  <p:childTnLst>
+                                    <p:set>
+                                      <p:cBhvr>
+                                        <p:cTn id="31" dur="1" fill="hold">
+                                          <p:stCondLst>
+                                            <p:cond delay="0"/>
+                                          </p:stCondLst>
+                                        </p:cTn>
+                                        <p:tgtEl>
+                                          <p:spTgt spid="9"/>
+                                        </p:tgtEl>
+                                        <p:attrNameLst>
+                                          <p:attrName>style.visibility</p:attrName>
+                                        </p:attrNameLst>
+                                      </p:cBhvr>
+                                      <p:to>
+                                        <p:strVal val="visible"/>
+                                      </p:to>
+                                    </p:set>
+                                    <p:animEffect transition="in" filter="blinds(horizontal)">
+                                      <p:cBhvr>
+                                        <p:cTn id="32" dur="500"/>
+                                        <p:tgtEl>
+                                          <p:spTgt spid="9"/>
+                                        </p:tgtEl>
+                                      </p:cBhvr>
+                                    </p:animEffect>
+                                  </p:childTnLst>
+                                </p:cTn>
+                              </p:par>
+                              <p:par>
+                                <p:cTn id="33" presetID="3" presetClass="entr" presetSubtype="10" fill="hold" nodeType="withEffect">
+                                  <p:stCondLst>
+                                    <p:cond delay="0"/>
+                                  </p:stCondLst>
+                                  <p:childTnLst>
+                                    <p:set>
+                                      <p:cBhvr>
+                                        <p:cTn id="34" dur="1" fill="hold">
+                                          <p:stCondLst>
+                                            <p:cond delay="0"/>
+                                          </p:stCondLst>
+                                        </p:cTn>
+                                        <p:tgtEl>
+                                          <p:spTgt spid="6"/>
+                                        </p:tgtEl>
+                                        <p:attrNameLst>
+                                          <p:attrName>style.visibility</p:attrName>
+                                        </p:attrNameLst>
+                                      </p:cBhvr>
+                                      <p:to>
+                                        <p:strVal val="visible"/>
+                                      </p:to>
+                                    </p:set>
+                                    <p:animEffect transition="in" filter="blinds(horizontal)">
+                                      <p:cBhvr>
+                                        <p:cTn id="35" dur="500"/>
+                                        <p:tgtEl>
+                                          <p:spTgt spid="6"/>
+                                        </p:tgtEl>
+                                      </p:cBhvr>
+                                    </p:animEffect>
+                                  </p:childTnLst>
+                                </p:cTn>
+                              </p:par>
+                            </p:childTnLst>
+                          </p:cTn>
+                        </p:par>
+                      </p:childTnLst>
+                    </p:cTn>
+                  </p:par>
+                </p:childTnLst>
+              </p:cTn>
+              <p:prevCondLst>
+                <p:cond evt="onPrev" delay="0">
+                  <p:tgtEl>
+                    <p:sldTgt/>
+                  </p:tgtEl>
+                </p:cond>
+              </p:prevCondLst>
+              <p:nextCondLst>
+                <p:cond evt="onNext" delay="0">
+                  <p:tgtEl>
+                    <p:sldTgt/>
+                  </p:tgtEl>
+                </p:cond>
+              </p:nextCondLst>
+            </p:seq>
+          </p:childTnLst>
+        </p:cTn>
+      </p:par>
+    </p:tnLst>
+    <p:bldLst>
+      <p:bldP spid="21" grpId="0" bldLvl="0" animBg="1"/>
+      <p:bldP spid="3" grpId="0"/>
+      <p:bldP spid="24" grpId="0"/>
+      <p:bldP spid="21" grpId="1" animBg="1"/>
+      <p:bldP spid="3" grpId="1"/>
+      <p:bldP spid="24" grpId="1"/>
+      <p:bldP spid="22" grpId="0" bldLvl="0" animBg="1"/>
+      <p:bldP spid="7" grpId="0"/>
+      <p:bldP spid="25" grpId="0"/>
+      <p:bldP spid="22" grpId="1" animBg="1"/>
+      <p:bldP spid="7" grpId="1"/>
+      <p:bldP spid="25" grpId="1"/>
+      <p:bldP spid="23" grpId="0" bldLvl="0" animBg="1"/>
+      <p:bldP spid="8" grpId="0"/>
+      <p:bldP spid="26" grpId="0"/>
+      <p:bldP spid="23" grpId="1" animBg="1"/>
+      <p:bldP spid="8" grpId="1"/>
+      <p:bldP spid="26" grpId="1"/>
+    </p:bldLst>
+  </p:timing>
 </p:sld>
 </file>
 
@@ -3061,8 +6731,8 @@
         </p:nvSpPr>
         <p:spPr>
           <a:xfrm>
-            <a:off x="838200" y="1825625"/>
-            <a:ext cx="4822190" cy="4373880"/>
+            <a:off x="2947035" y="1474470"/>
+            <a:ext cx="6298565" cy="4906645"/>
           </a:xfrm>
         </p:spPr>
         <p:txBody>
@@ -3071,7 +6741,7 @@
           <a:p>
             <a:pPr algn="l">
               <a:lnSpc>
-                <a:spcPct val="260000"/>
+                <a:spcPct val="200000"/>
               </a:lnSpc>
               <a:buFont typeface="Wingdings" panose="05000000000000000000" charset="0"/>
               <a:buChar char="ü"/>
@@ -3085,7 +6755,7 @@
           <a:p>
             <a:pPr algn="l">
               <a:lnSpc>
-                <a:spcPct val="260000"/>
+                <a:spcPct val="200000"/>
               </a:lnSpc>
               <a:buFont typeface="Wingdings" panose="05000000000000000000" charset="0"/>
               <a:buChar char="ü"/>
@@ -3099,7 +6769,7 @@
           <a:p>
             <a:pPr algn="l">
               <a:lnSpc>
-                <a:spcPct val="260000"/>
+                <a:spcPct val="200000"/>
               </a:lnSpc>
               <a:buFont typeface="Wingdings" panose="05000000000000000000" charset="0"/>
               <a:buChar char="ü"/>
@@ -3117,7 +6787,7 @@
           <a:p>
             <a:pPr algn="l">
               <a:lnSpc>
-                <a:spcPct val="260000"/>
+                <a:spcPct val="200000"/>
               </a:lnSpc>
               <a:buFont typeface="Wingdings" panose="05000000000000000000" charset="0"/>
               <a:buChar char="ü"/>
@@ -3128,250 +6798,19 @@
             </a:r>
             <a:endParaRPr lang="en-US" sz="2340" b="1"/>
           </a:p>
-        </p:txBody>
-      </p:sp>
-      <p:sp>
-        <p:nvSpPr>
-          <p:cNvPr id="3" name="Text Placeholder 4"/>
-          <p:cNvSpPr>
-            <a:spLocks noGrp="1"/>
-          </p:cNvSpPr>
-          <p:nvPr/>
-        </p:nvSpPr>
-        <p:spPr>
-          <a:xfrm>
-            <a:off x="6101715" y="1825625"/>
-            <a:ext cx="6258560" cy="3552825"/>
-          </a:xfrm>
-          <a:prstGeom prst="rect">
-            <a:avLst/>
-          </a:prstGeom>
-        </p:spPr>
-        <p:txBody>
-          <a:bodyPr/>
-          <a:lstStyle>
-            <a:lvl1pPr marL="228600" indent="-228600" algn="l" defTabSz="914400" rtl="0" eaLnBrk="1" latinLnBrk="0" hangingPunct="1">
-              <a:lnSpc>
-                <a:spcPct val="90000"/>
-              </a:lnSpc>
-              <a:spcBef>
-                <a:spcPts val="1000"/>
-              </a:spcBef>
-              <a:buClr>
-                <a:schemeClr val="accent1"/>
-              </a:buClr>
-              <a:buFont typeface="Arial" panose="020B0604020202020204" pitchFamily="34" charset="0"/>
-              <a:buChar char="•"/>
-              <a:defRPr sz="2000" kern="1200" baseline="0">
-                <a:solidFill>
-                  <a:schemeClr val="tx1"/>
-                </a:solidFill>
-                <a:latin typeface="+mn-lt"/>
-                <a:ea typeface="+mn-ea"/>
-                <a:cs typeface="+mn-cs"/>
-              </a:defRPr>
-            </a:lvl1pPr>
-            <a:lvl2pPr marL="685800" indent="-228600" algn="l" defTabSz="914400" rtl="0" eaLnBrk="1" latinLnBrk="0" hangingPunct="1">
-              <a:lnSpc>
-                <a:spcPct val="90000"/>
-              </a:lnSpc>
-              <a:spcBef>
-                <a:spcPts val="500"/>
-              </a:spcBef>
-              <a:buClr>
-                <a:srgbClr val="02A9F7"/>
-              </a:buClr>
-              <a:buFont typeface="Arial" panose="020B0604020202020204" pitchFamily="34" charset="0"/>
-              <a:buChar char="‒"/>
-              <a:defRPr sz="1800" kern="1200" baseline="0">
-                <a:solidFill>
-                  <a:schemeClr val="tx1"/>
-                </a:solidFill>
-                <a:latin typeface="+mn-lt"/>
-                <a:ea typeface="+mn-ea"/>
-                <a:cs typeface="+mn-cs"/>
-              </a:defRPr>
-            </a:lvl2pPr>
-            <a:lvl3pPr marL="1143000" indent="-228600" algn="l" defTabSz="914400" rtl="0" eaLnBrk="1" latinLnBrk="0" hangingPunct="1">
-              <a:lnSpc>
-                <a:spcPct val="90000"/>
-              </a:lnSpc>
-              <a:spcBef>
-                <a:spcPts val="500"/>
-              </a:spcBef>
-              <a:buFont typeface="Arial" panose="020B0604020202020204" pitchFamily="34" charset="0"/>
-              <a:buChar char="•"/>
-              <a:defRPr sz="1600" kern="1200" baseline="0">
-                <a:solidFill>
-                  <a:schemeClr val="tx1"/>
-                </a:solidFill>
-                <a:latin typeface="+mn-lt"/>
-                <a:ea typeface="+mn-ea"/>
-                <a:cs typeface="+mn-cs"/>
-              </a:defRPr>
-            </a:lvl3pPr>
-            <a:lvl4pPr marL="1600200" indent="-228600" algn="l" defTabSz="914400" rtl="0" eaLnBrk="1" latinLnBrk="0" hangingPunct="1">
-              <a:lnSpc>
-                <a:spcPct val="90000"/>
-              </a:lnSpc>
-              <a:spcBef>
-                <a:spcPts val="500"/>
-              </a:spcBef>
-              <a:buFont typeface="Arial" panose="020B0604020202020204" pitchFamily="34" charset="0"/>
-              <a:buChar char="•"/>
-              <a:defRPr sz="1400" kern="1200">
-                <a:solidFill>
-                  <a:schemeClr val="tx1"/>
-                </a:solidFill>
-                <a:latin typeface="+mn-lt"/>
-                <a:ea typeface="+mn-ea"/>
-                <a:cs typeface="+mn-cs"/>
-              </a:defRPr>
-            </a:lvl4pPr>
-            <a:lvl5pPr marL="2057400" indent="-228600" algn="l" defTabSz="914400" rtl="0" eaLnBrk="1" latinLnBrk="0" hangingPunct="1">
-              <a:lnSpc>
-                <a:spcPct val="90000"/>
-              </a:lnSpc>
-              <a:spcBef>
-                <a:spcPts val="500"/>
-              </a:spcBef>
-              <a:buFont typeface="Arial" panose="020B0604020202020204" pitchFamily="34" charset="0"/>
-              <a:buChar char="•"/>
-              <a:defRPr sz="1200" kern="1200">
-                <a:solidFill>
-                  <a:schemeClr val="tx1"/>
-                </a:solidFill>
-                <a:latin typeface="+mn-lt"/>
-                <a:ea typeface="+mn-ea"/>
-                <a:cs typeface="+mn-cs"/>
-              </a:defRPr>
-            </a:lvl5pPr>
-            <a:lvl6pPr marL="2514600" indent="-228600" algn="l" defTabSz="914400" rtl="0" eaLnBrk="1" latinLnBrk="0" hangingPunct="1">
-              <a:lnSpc>
-                <a:spcPct val="90000"/>
-              </a:lnSpc>
-              <a:spcBef>
-                <a:spcPts val="500"/>
-              </a:spcBef>
-              <a:buFont typeface="Arial" panose="020B0604020202020204" pitchFamily="34" charset="0"/>
-              <a:buChar char="•"/>
-              <a:defRPr sz="1800" kern="1200">
-                <a:solidFill>
-                  <a:schemeClr val="tx1"/>
-                </a:solidFill>
-                <a:latin typeface="+mn-lt"/>
-                <a:ea typeface="+mn-ea"/>
-                <a:cs typeface="+mn-cs"/>
-              </a:defRPr>
-            </a:lvl6pPr>
-            <a:lvl7pPr marL="2971800" indent="-228600" algn="l" defTabSz="914400" rtl="0" eaLnBrk="1" latinLnBrk="0" hangingPunct="1">
-              <a:lnSpc>
-                <a:spcPct val="90000"/>
-              </a:lnSpc>
-              <a:spcBef>
-                <a:spcPts val="500"/>
-              </a:spcBef>
-              <a:buFont typeface="Arial" panose="020B0604020202020204" pitchFamily="34" charset="0"/>
-              <a:buChar char="•"/>
-              <a:defRPr sz="1800" kern="1200">
-                <a:solidFill>
-                  <a:schemeClr val="tx1"/>
-                </a:solidFill>
-                <a:latin typeface="+mn-lt"/>
-                <a:ea typeface="+mn-ea"/>
-                <a:cs typeface="+mn-cs"/>
-              </a:defRPr>
-            </a:lvl7pPr>
-            <a:lvl8pPr marL="3429000" indent="-228600" algn="l" defTabSz="914400" rtl="0" eaLnBrk="1" latinLnBrk="0" hangingPunct="1">
-              <a:lnSpc>
-                <a:spcPct val="90000"/>
-              </a:lnSpc>
-              <a:spcBef>
-                <a:spcPts val="500"/>
-              </a:spcBef>
-              <a:buFont typeface="Arial" panose="020B0604020202020204" pitchFamily="34" charset="0"/>
-              <a:buChar char="•"/>
-              <a:defRPr sz="1800" kern="1200">
-                <a:solidFill>
-                  <a:schemeClr val="tx1"/>
-                </a:solidFill>
-                <a:latin typeface="+mn-lt"/>
-                <a:ea typeface="+mn-ea"/>
-                <a:cs typeface="+mn-cs"/>
-              </a:defRPr>
-            </a:lvl8pPr>
-            <a:lvl9pPr marL="3886200" indent="-228600" algn="l" defTabSz="914400" rtl="0" eaLnBrk="1" latinLnBrk="0" hangingPunct="1">
-              <a:lnSpc>
-                <a:spcPct val="90000"/>
-              </a:lnSpc>
-              <a:spcBef>
-                <a:spcPts val="500"/>
-              </a:spcBef>
-              <a:buFont typeface="Arial" panose="020B0604020202020204" pitchFamily="34" charset="0"/>
-              <a:buChar char="•"/>
-              <a:defRPr sz="1800" kern="1200">
-                <a:solidFill>
-                  <a:schemeClr val="tx1"/>
-                </a:solidFill>
-                <a:latin typeface="+mn-lt"/>
-                <a:ea typeface="+mn-ea"/>
-                <a:cs typeface="+mn-cs"/>
-              </a:defRPr>
-            </a:lvl9pPr>
-          </a:lstStyle>
           <a:p>
             <a:pPr algn="l">
               <a:lnSpc>
-                <a:spcPct val="260000"/>
+                <a:spcPct val="200000"/>
               </a:lnSpc>
               <a:buFont typeface="Wingdings" panose="05000000000000000000" charset="0"/>
               <a:buChar char="ü"/>
             </a:pPr>
             <a:r>
-              <a:rPr lang="en-US" sz="2340" b="1"/>
+              <a:rPr lang="en-US" sz="2335" b="1">
+                <a:sym typeface="+mn-ea"/>
+              </a:rPr>
               <a:t> Module path vs classpath</a:t>
-            </a:r>
-            <a:endParaRPr lang="en-US" sz="2340" b="1"/>
-          </a:p>
-          <a:p>
-            <a:pPr marL="0" indent="0" algn="l">
-              <a:lnSpc>
-                <a:spcPct val="260000"/>
-              </a:lnSpc>
-              <a:buFont typeface="Wingdings" panose="05000000000000000000" charset="0"/>
-              <a:buNone/>
-            </a:pPr>
-            <a:r>
-              <a:rPr lang="en-US" sz="2340" b="1"/>
-              <a:t> </a:t>
-            </a:r>
-            <a:endParaRPr lang="en-US" sz="2340" b="1"/>
-          </a:p>
-          <a:p>
-            <a:pPr algn="l">
-              <a:lnSpc>
-                <a:spcPct val="260000"/>
-              </a:lnSpc>
-              <a:buFont typeface="Wingdings" panose="05000000000000000000" charset="0"/>
-              <a:buChar char="ü"/>
-            </a:pPr>
-            <a:r>
-              <a:rPr lang="en-US" sz="2340" b="1"/>
-              <a:t> Less coupling</a:t>
-            </a:r>
-            <a:endParaRPr lang="en-US" sz="2340" b="1"/>
-          </a:p>
-          <a:p>
-            <a:pPr algn="l">
-              <a:lnSpc>
-                <a:spcPct val="260000"/>
-              </a:lnSpc>
-              <a:buFont typeface="Wingdings" panose="05000000000000000000" charset="0"/>
-              <a:buChar char="ü"/>
-            </a:pPr>
-            <a:r>
-              <a:rPr lang="en-US" sz="2340" b="1"/>
-              <a:t> Small runtime image</a:t>
             </a:r>
             <a:endParaRPr lang="en-US" sz="2340" b="1"/>
           </a:p>
@@ -3387,7 +6826,7 @@
         </p:nvSpPr>
         <p:spPr>
           <a:xfrm>
-            <a:off x="6586220" y="2790825"/>
+            <a:off x="3239135" y="5657850"/>
             <a:ext cx="2977515" cy="647065"/>
           </a:xfrm>
           <a:prstGeom prst="rect">
@@ -3608,7 +7047,7 @@
         </p:nvSpPr>
         <p:spPr>
           <a:xfrm>
-            <a:off x="9563735" y="2790825"/>
+            <a:off x="6216650" y="5657850"/>
             <a:ext cx="2977515" cy="647065"/>
           </a:xfrm>
           <a:prstGeom prst="rect">
@@ -3824,6 +7263,381 @@
   <p:clrMapOvr>
     <a:masterClrMapping/>
   </p:clrMapOvr>
+  <p:timing>
+    <p:tnLst>
+      <p:par>
+        <p:cTn id="1" dur="indefinite" restart="never" nodeType="tmRoot">
+          <p:childTnLst>
+            <p:seq concurrent="1" nextAc="seek">
+              <p:cTn id="2" dur="indefinite" nodeType="mainSeq">
+                <p:childTnLst>
+                  <p:par>
+                    <p:cTn id="3" fill="hold">
+                      <p:stCondLst>
+                        <p:cond delay="indefinite"/>
+                      </p:stCondLst>
+                      <p:childTnLst>
+                        <p:par>
+                          <p:cTn id="4" fill="hold">
+                            <p:stCondLst>
+                              <p:cond delay="0"/>
+                            </p:stCondLst>
+                            <p:childTnLst>
+                              <p:par>
+                                <p:cTn id="5" presetID="1" presetClass="entr" presetSubtype="0" fill="hold" nodeType="clickEffect">
+                                  <p:stCondLst>
+                                    <p:cond delay="0"/>
+                                  </p:stCondLst>
+                                  <p:childTnLst>
+                                    <p:set>
+                                      <p:cBhvr>
+                                        <p:cTn id="6" dur="1" fill="hold">
+                                          <p:stCondLst>
+                                            <p:cond delay="0"/>
+                                          </p:stCondLst>
+                                        </p:cTn>
+                                        <p:tgtEl>
+                                          <p:spTgt spid="5">
+                                            <p:txEl>
+                                              <p:pRg st="0" end="0"/>
+                                            </p:txEl>
+                                          </p:spTgt>
+                                        </p:tgtEl>
+                                        <p:attrNameLst>
+                                          <p:attrName>style.visibility</p:attrName>
+                                        </p:attrNameLst>
+                                      </p:cBhvr>
+                                      <p:to>
+                                        <p:strVal val="visible"/>
+                                      </p:to>
+                                    </p:set>
+                                  </p:childTnLst>
+                                </p:cTn>
+                              </p:par>
+                            </p:childTnLst>
+                          </p:cTn>
+                        </p:par>
+                      </p:childTnLst>
+                    </p:cTn>
+                  </p:par>
+                  <p:par>
+                    <p:cTn id="7" fill="hold">
+                      <p:stCondLst>
+                        <p:cond delay="indefinite"/>
+                      </p:stCondLst>
+                      <p:childTnLst>
+                        <p:par>
+                          <p:cTn id="8" fill="hold">
+                            <p:stCondLst>
+                              <p:cond delay="0"/>
+                            </p:stCondLst>
+                            <p:childTnLst>
+                              <p:par>
+                                <p:cTn id="9" presetID="1" presetClass="entr" presetSubtype="0" fill="hold" nodeType="clickEffect">
+                                  <p:stCondLst>
+                                    <p:cond delay="0"/>
+                                  </p:stCondLst>
+                                  <p:childTnLst>
+                                    <p:set>
+                                      <p:cBhvr>
+                                        <p:cTn id="10" dur="1" fill="hold">
+                                          <p:stCondLst>
+                                            <p:cond delay="0"/>
+                                          </p:stCondLst>
+                                        </p:cTn>
+                                        <p:tgtEl>
+                                          <p:spTgt spid="5">
+                                            <p:txEl>
+                                              <p:pRg st="1" end="1"/>
+                                            </p:txEl>
+                                          </p:spTgt>
+                                        </p:tgtEl>
+                                        <p:attrNameLst>
+                                          <p:attrName>style.visibility</p:attrName>
+                                        </p:attrNameLst>
+                                      </p:cBhvr>
+                                      <p:to>
+                                        <p:strVal val="visible"/>
+                                      </p:to>
+                                    </p:set>
+                                  </p:childTnLst>
+                                </p:cTn>
+                              </p:par>
+                            </p:childTnLst>
+                          </p:cTn>
+                        </p:par>
+                      </p:childTnLst>
+                    </p:cTn>
+                  </p:par>
+                  <p:par>
+                    <p:cTn id="11" fill="hold">
+                      <p:stCondLst>
+                        <p:cond delay="indefinite"/>
+                      </p:stCondLst>
+                      <p:childTnLst>
+                        <p:par>
+                          <p:cTn id="12" fill="hold">
+                            <p:stCondLst>
+                              <p:cond delay="0"/>
+                            </p:stCondLst>
+                            <p:childTnLst>
+                              <p:par>
+                                <p:cTn id="13" presetID="5" presetClass="entr" presetSubtype="10" fill="hold" nodeType="clickEffect">
+                                  <p:stCondLst>
+                                    <p:cond delay="0"/>
+                                  </p:stCondLst>
+                                  <p:childTnLst>
+                                    <p:set>
+                                      <p:cBhvr>
+                                        <p:cTn id="14" dur="1" fill="hold">
+                                          <p:stCondLst>
+                                            <p:cond delay="0"/>
+                                          </p:stCondLst>
+                                        </p:cTn>
+                                        <p:tgtEl>
+                                          <p:spTgt spid="5">
+                                            <p:txEl>
+                                              <p:pRg st="2" end="2"/>
+                                            </p:txEl>
+                                          </p:spTgt>
+                                        </p:tgtEl>
+                                        <p:attrNameLst>
+                                          <p:attrName>style.visibility</p:attrName>
+                                        </p:attrNameLst>
+                                      </p:cBhvr>
+                                      <p:to>
+                                        <p:strVal val="visible"/>
+                                      </p:to>
+                                    </p:set>
+                                    <p:animEffect transition="in" filter="checkerboard(across)">
+                                      <p:cBhvr>
+                                        <p:cTn id="15" dur="500"/>
+                                        <p:tgtEl>
+                                          <p:spTgt spid="5">
+                                            <p:txEl>
+                                              <p:pRg st="2" end="2"/>
+                                            </p:txEl>
+                                          </p:spTgt>
+                                        </p:tgtEl>
+                                      </p:cBhvr>
+                                    </p:animEffect>
+                                  </p:childTnLst>
+                                </p:cTn>
+                              </p:par>
+                            </p:childTnLst>
+                          </p:cTn>
+                        </p:par>
+                      </p:childTnLst>
+                    </p:cTn>
+                  </p:par>
+                  <p:par>
+                    <p:cTn id="16" fill="hold">
+                      <p:stCondLst>
+                        <p:cond delay="indefinite"/>
+                      </p:stCondLst>
+                      <p:childTnLst>
+                        <p:par>
+                          <p:cTn id="17" fill="hold">
+                            <p:stCondLst>
+                              <p:cond delay="0"/>
+                            </p:stCondLst>
+                            <p:childTnLst>
+                              <p:par>
+                                <p:cTn id="18" presetID="14" presetClass="entr" presetSubtype="10" fill="hold" nodeType="clickEffect">
+                                  <p:stCondLst>
+                                    <p:cond delay="0"/>
+                                  </p:stCondLst>
+                                  <p:childTnLst>
+                                    <p:set>
+                                      <p:cBhvr>
+                                        <p:cTn id="19" dur="1" fill="hold">
+                                          <p:stCondLst>
+                                            <p:cond delay="0"/>
+                                          </p:stCondLst>
+                                        </p:cTn>
+                                        <p:tgtEl>
+                                          <p:spTgt spid="5">
+                                            <p:txEl>
+                                              <p:pRg st="3" end="3"/>
+                                            </p:txEl>
+                                          </p:spTgt>
+                                        </p:tgtEl>
+                                        <p:attrNameLst>
+                                          <p:attrName>style.visibility</p:attrName>
+                                        </p:attrNameLst>
+                                      </p:cBhvr>
+                                      <p:to>
+                                        <p:strVal val="visible"/>
+                                      </p:to>
+                                    </p:set>
+                                    <p:animEffect transition="in" filter="randombar(horizontal)">
+                                      <p:cBhvr>
+                                        <p:cTn id="20" dur="500"/>
+                                        <p:tgtEl>
+                                          <p:spTgt spid="5">
+                                            <p:txEl>
+                                              <p:pRg st="3" end="3"/>
+                                            </p:txEl>
+                                          </p:spTgt>
+                                        </p:tgtEl>
+                                      </p:cBhvr>
+                                    </p:animEffect>
+                                  </p:childTnLst>
+                                </p:cTn>
+                              </p:par>
+                            </p:childTnLst>
+                          </p:cTn>
+                        </p:par>
+                      </p:childTnLst>
+                    </p:cTn>
+                  </p:par>
+                  <p:par>
+                    <p:cTn id="21" fill="hold">
+                      <p:stCondLst>
+                        <p:cond delay="indefinite"/>
+                      </p:stCondLst>
+                      <p:childTnLst>
+                        <p:par>
+                          <p:cTn id="22" fill="hold">
+                            <p:stCondLst>
+                              <p:cond delay="0"/>
+                            </p:stCondLst>
+                            <p:childTnLst>
+                              <p:par>
+                                <p:cTn id="23" presetID="1" presetClass="entr" presetSubtype="0" fill="hold" nodeType="clickEffect">
+                                  <p:stCondLst>
+                                    <p:cond delay="0"/>
+                                  </p:stCondLst>
+                                  <p:childTnLst>
+                                    <p:set>
+                                      <p:cBhvr>
+                                        <p:cTn id="24" dur="1" fill="hold">
+                                          <p:stCondLst>
+                                            <p:cond delay="0"/>
+                                          </p:stCondLst>
+                                        </p:cTn>
+                                        <p:tgtEl>
+                                          <p:spTgt spid="5">
+                                            <p:txEl>
+                                              <p:pRg st="4" end="4"/>
+                                            </p:txEl>
+                                          </p:spTgt>
+                                        </p:tgtEl>
+                                        <p:attrNameLst>
+                                          <p:attrName>style.visibility</p:attrName>
+                                        </p:attrNameLst>
+                                      </p:cBhvr>
+                                      <p:to>
+                                        <p:strVal val="visible"/>
+                                      </p:to>
+                                    </p:set>
+                                  </p:childTnLst>
+                                </p:cTn>
+                              </p:par>
+                            </p:childTnLst>
+                          </p:cTn>
+                        </p:par>
+                      </p:childTnLst>
+                    </p:cTn>
+                  </p:par>
+                  <p:par>
+                    <p:cTn id="25" fill="hold">
+                      <p:stCondLst>
+                        <p:cond delay="indefinite"/>
+                      </p:stCondLst>
+                      <p:childTnLst>
+                        <p:par>
+                          <p:cTn id="26" fill="hold">
+                            <p:stCondLst>
+                              <p:cond delay="0"/>
+                            </p:stCondLst>
+                            <p:childTnLst>
+                              <p:par>
+                                <p:cTn id="27" presetID="1" presetClass="entr" presetSubtype="0" fill="hold" grpId="0" nodeType="clickEffect">
+                                  <p:stCondLst>
+                                    <p:cond delay="0"/>
+                                  </p:stCondLst>
+                                  <p:childTnLst>
+                                    <p:set>
+                                      <p:cBhvr>
+                                        <p:cTn id="28" dur="1" fill="hold">
+                                          <p:stCondLst>
+                                            <p:cond delay="0"/>
+                                          </p:stCondLst>
+                                        </p:cTn>
+                                        <p:tgtEl>
+                                          <p:spTgt spid="6"/>
+                                        </p:tgtEl>
+                                        <p:attrNameLst>
+                                          <p:attrName>style.visibility</p:attrName>
+                                        </p:attrNameLst>
+                                      </p:cBhvr>
+                                      <p:to>
+                                        <p:strVal val="visible"/>
+                                      </p:to>
+                                    </p:set>
+                                  </p:childTnLst>
+                                </p:cTn>
+                              </p:par>
+                              <p:par>
+                                <p:cTn id="29" presetID="1" presetClass="entr" presetSubtype="0" fill="hold" grpId="0" nodeType="withEffect">
+                                  <p:stCondLst>
+                                    <p:cond delay="0"/>
+                                  </p:stCondLst>
+                                  <p:childTnLst>
+                                    <p:set>
+                                      <p:cBhvr>
+                                        <p:cTn id="30" dur="1" fill="hold">
+                                          <p:stCondLst>
+                                            <p:cond delay="0"/>
+                                          </p:stCondLst>
+                                        </p:cTn>
+                                        <p:tgtEl>
+                                          <p:spTgt spid="9"/>
+                                        </p:tgtEl>
+                                        <p:attrNameLst>
+                                          <p:attrName>style.visibility</p:attrName>
+                                        </p:attrNameLst>
+                                      </p:cBhvr>
+                                      <p:to>
+                                        <p:strVal val="visible"/>
+                                      </p:to>
+                                    </p:set>
+                                  </p:childTnLst>
+                                </p:cTn>
+                              </p:par>
+                            </p:childTnLst>
+                          </p:cTn>
+                        </p:par>
+                      </p:childTnLst>
+                    </p:cTn>
+                  </p:par>
+                </p:childTnLst>
+              </p:cTn>
+              <p:prevCondLst>
+                <p:cond evt="onPrev" delay="0">
+                  <p:tgtEl>
+                    <p:sldTgt/>
+                  </p:tgtEl>
+                </p:cond>
+              </p:prevCondLst>
+              <p:nextCondLst>
+                <p:cond evt="onNext" delay="0">
+                  <p:tgtEl>
+                    <p:sldTgt/>
+                  </p:tgtEl>
+                </p:cond>
+              </p:nextCondLst>
+            </p:seq>
+          </p:childTnLst>
+        </p:cTn>
+      </p:par>
+    </p:tnLst>
+    <p:bldLst>
+      <p:bldP spid="6" grpId="0"/>
+      <p:bldP spid="9" grpId="0"/>
+    </p:bldLst>
+  </p:timing>
 </p:sld>
 </file>
 
@@ -3879,7 +7693,7 @@
         </p:nvSpPr>
         <p:spPr>
           <a:xfrm>
-            <a:off x="838200" y="1417320"/>
+            <a:off x="1752600" y="1874520"/>
             <a:ext cx="8065135" cy="734060"/>
           </a:xfrm>
         </p:spPr>
@@ -3916,7 +7730,7 @@
         </p:nvSpPr>
         <p:spPr>
           <a:xfrm>
-            <a:off x="838200" y="4905375"/>
+            <a:off x="1752600" y="5362575"/>
             <a:ext cx="5760085" cy="1293495"/>
           </a:xfrm>
           <a:prstGeom prst="rect">
@@ -4115,7 +7929,7 @@
         </p:nvSpPr>
         <p:spPr>
           <a:xfrm>
-            <a:off x="838200" y="3011805"/>
+            <a:off x="1752600" y="3469005"/>
             <a:ext cx="6152515" cy="816610"/>
           </a:xfrm>
           <a:prstGeom prst="rect">
@@ -4306,220 +8120,6 @@
       </p:sp>
       <p:sp>
         <p:nvSpPr>
-          <p:cNvPr id="13" name="Text Placeholder 4"/>
-          <p:cNvSpPr>
-            <a:spLocks noGrp="1"/>
-          </p:cNvSpPr>
-          <p:nvPr/>
-        </p:nvSpPr>
-        <p:spPr>
-          <a:xfrm>
-            <a:off x="9519920" y="2151380"/>
-            <a:ext cx="1565910" cy="2269490"/>
-          </a:xfrm>
-          <a:prstGeom prst="rect">
-            <a:avLst/>
-          </a:prstGeom>
-        </p:spPr>
-        <p:txBody>
-          <a:bodyPr/>
-          <a:lstStyle>
-            <a:lvl1pPr marL="228600" indent="-228600" algn="l" defTabSz="914400" rtl="0" eaLnBrk="1" latinLnBrk="0" hangingPunct="1">
-              <a:lnSpc>
-                <a:spcPct val="90000"/>
-              </a:lnSpc>
-              <a:spcBef>
-                <a:spcPts val="1000"/>
-              </a:spcBef>
-              <a:buClr>
-                <a:schemeClr val="accent1"/>
-              </a:buClr>
-              <a:buFont typeface="Arial" panose="020B0604020202020204" pitchFamily="34" charset="0"/>
-              <a:buChar char="•"/>
-              <a:defRPr sz="2000" kern="1200" baseline="0">
-                <a:solidFill>
-                  <a:schemeClr val="tx1"/>
-                </a:solidFill>
-                <a:latin typeface="+mn-lt"/>
-                <a:ea typeface="+mn-ea"/>
-                <a:cs typeface="+mn-cs"/>
-              </a:defRPr>
-            </a:lvl1pPr>
-            <a:lvl2pPr marL="685800" indent="-228600" algn="l" defTabSz="914400" rtl="0" eaLnBrk="1" latinLnBrk="0" hangingPunct="1">
-              <a:lnSpc>
-                <a:spcPct val="90000"/>
-              </a:lnSpc>
-              <a:spcBef>
-                <a:spcPts val="500"/>
-              </a:spcBef>
-              <a:buClr>
-                <a:srgbClr val="02A9F7"/>
-              </a:buClr>
-              <a:buFont typeface="Arial" panose="020B0604020202020204" pitchFamily="34" charset="0"/>
-              <a:buChar char="‒"/>
-              <a:defRPr sz="1800" kern="1200" baseline="0">
-                <a:solidFill>
-                  <a:schemeClr val="tx1"/>
-                </a:solidFill>
-                <a:latin typeface="+mn-lt"/>
-                <a:ea typeface="+mn-ea"/>
-                <a:cs typeface="+mn-cs"/>
-              </a:defRPr>
-            </a:lvl2pPr>
-            <a:lvl3pPr marL="1143000" indent="-228600" algn="l" defTabSz="914400" rtl="0" eaLnBrk="1" latinLnBrk="0" hangingPunct="1">
-              <a:lnSpc>
-                <a:spcPct val="90000"/>
-              </a:lnSpc>
-              <a:spcBef>
-                <a:spcPts val="500"/>
-              </a:spcBef>
-              <a:buFont typeface="Arial" panose="020B0604020202020204" pitchFamily="34" charset="0"/>
-              <a:buChar char="•"/>
-              <a:defRPr sz="1600" kern="1200" baseline="0">
-                <a:solidFill>
-                  <a:schemeClr val="tx1"/>
-                </a:solidFill>
-                <a:latin typeface="+mn-lt"/>
-                <a:ea typeface="+mn-ea"/>
-                <a:cs typeface="+mn-cs"/>
-              </a:defRPr>
-            </a:lvl3pPr>
-            <a:lvl4pPr marL="1600200" indent="-228600" algn="l" defTabSz="914400" rtl="0" eaLnBrk="1" latinLnBrk="0" hangingPunct="1">
-              <a:lnSpc>
-                <a:spcPct val="90000"/>
-              </a:lnSpc>
-              <a:spcBef>
-                <a:spcPts val="500"/>
-              </a:spcBef>
-              <a:buFont typeface="Arial" panose="020B0604020202020204" pitchFamily="34" charset="0"/>
-              <a:buChar char="•"/>
-              <a:defRPr sz="1400" kern="1200">
-                <a:solidFill>
-                  <a:schemeClr val="tx1"/>
-                </a:solidFill>
-                <a:latin typeface="+mn-lt"/>
-                <a:ea typeface="+mn-ea"/>
-                <a:cs typeface="+mn-cs"/>
-              </a:defRPr>
-            </a:lvl4pPr>
-            <a:lvl5pPr marL="2057400" indent="-228600" algn="l" defTabSz="914400" rtl="0" eaLnBrk="1" latinLnBrk="0" hangingPunct="1">
-              <a:lnSpc>
-                <a:spcPct val="90000"/>
-              </a:lnSpc>
-              <a:spcBef>
-                <a:spcPts val="500"/>
-              </a:spcBef>
-              <a:buFont typeface="Arial" panose="020B0604020202020204" pitchFamily="34" charset="0"/>
-              <a:buChar char="•"/>
-              <a:defRPr sz="1200" kern="1200">
-                <a:solidFill>
-                  <a:schemeClr val="tx1"/>
-                </a:solidFill>
-                <a:latin typeface="+mn-lt"/>
-                <a:ea typeface="+mn-ea"/>
-                <a:cs typeface="+mn-cs"/>
-              </a:defRPr>
-            </a:lvl5pPr>
-            <a:lvl6pPr marL="2514600" indent="-228600" algn="l" defTabSz="914400" rtl="0" eaLnBrk="1" latinLnBrk="0" hangingPunct="1">
-              <a:lnSpc>
-                <a:spcPct val="90000"/>
-              </a:lnSpc>
-              <a:spcBef>
-                <a:spcPts val="500"/>
-              </a:spcBef>
-              <a:buFont typeface="Arial" panose="020B0604020202020204" pitchFamily="34" charset="0"/>
-              <a:buChar char="•"/>
-              <a:defRPr sz="1800" kern="1200">
-                <a:solidFill>
-                  <a:schemeClr val="tx1"/>
-                </a:solidFill>
-                <a:latin typeface="+mn-lt"/>
-                <a:ea typeface="+mn-ea"/>
-                <a:cs typeface="+mn-cs"/>
-              </a:defRPr>
-            </a:lvl6pPr>
-            <a:lvl7pPr marL="2971800" indent="-228600" algn="l" defTabSz="914400" rtl="0" eaLnBrk="1" latinLnBrk="0" hangingPunct="1">
-              <a:lnSpc>
-                <a:spcPct val="90000"/>
-              </a:lnSpc>
-              <a:spcBef>
-                <a:spcPts val="500"/>
-              </a:spcBef>
-              <a:buFont typeface="Arial" panose="020B0604020202020204" pitchFamily="34" charset="0"/>
-              <a:buChar char="•"/>
-              <a:defRPr sz="1800" kern="1200">
-                <a:solidFill>
-                  <a:schemeClr val="tx1"/>
-                </a:solidFill>
-                <a:latin typeface="+mn-lt"/>
-                <a:ea typeface="+mn-ea"/>
-                <a:cs typeface="+mn-cs"/>
-              </a:defRPr>
-            </a:lvl7pPr>
-            <a:lvl8pPr marL="3429000" indent="-228600" algn="l" defTabSz="914400" rtl="0" eaLnBrk="1" latinLnBrk="0" hangingPunct="1">
-              <a:lnSpc>
-                <a:spcPct val="90000"/>
-              </a:lnSpc>
-              <a:spcBef>
-                <a:spcPts val="500"/>
-              </a:spcBef>
-              <a:buFont typeface="Arial" panose="020B0604020202020204" pitchFamily="34" charset="0"/>
-              <a:buChar char="•"/>
-              <a:defRPr sz="1800" kern="1200">
-                <a:solidFill>
-                  <a:schemeClr val="tx1"/>
-                </a:solidFill>
-                <a:latin typeface="+mn-lt"/>
-                <a:ea typeface="+mn-ea"/>
-                <a:cs typeface="+mn-cs"/>
-              </a:defRPr>
-            </a:lvl8pPr>
-            <a:lvl9pPr marL="3886200" indent="-228600" algn="l" defTabSz="914400" rtl="0" eaLnBrk="1" latinLnBrk="0" hangingPunct="1">
-              <a:lnSpc>
-                <a:spcPct val="90000"/>
-              </a:lnSpc>
-              <a:spcBef>
-                <a:spcPts val="500"/>
-              </a:spcBef>
-              <a:buFont typeface="Arial" panose="020B0604020202020204" pitchFamily="34" charset="0"/>
-              <a:buChar char="•"/>
-              <a:defRPr sz="1800" kern="1200">
-                <a:solidFill>
-                  <a:schemeClr val="tx1"/>
-                </a:solidFill>
-                <a:latin typeface="+mn-lt"/>
-                <a:ea typeface="+mn-ea"/>
-                <a:cs typeface="+mn-cs"/>
-              </a:defRPr>
-            </a:lvl9pPr>
-          </a:lstStyle>
-          <a:p>
-            <a:pPr marL="0" indent="0" algn="ctr">
-              <a:lnSpc>
-                <a:spcPct val="110000"/>
-              </a:lnSpc>
-              <a:buNone/>
-            </a:pPr>
-            <a:r>
-              <a:rPr lang="en-US" sz="3000" b="1">
-                <a:solidFill>
-                  <a:srgbClr val="02A9F7"/>
-                </a:solidFill>
-                <a:sym typeface="+mn-ea"/>
-              </a:rPr>
-              <a:t>What's holding us back?</a:t>
-            </a:r>
-            <a:endParaRPr lang="en-US" sz="3000" b="1">
-              <a:solidFill>
-                <a:srgbClr val="02A9F7"/>
-              </a:solidFill>
-              <a:sym typeface="+mn-ea"/>
-            </a:endParaRPr>
-          </a:p>
-        </p:txBody>
-      </p:sp>
-      <p:sp>
-        <p:nvSpPr>
           <p:cNvPr id="14" name="Text Placeholder 4"/>
           <p:cNvSpPr>
             <a:spLocks noGrp="1"/>
@@ -4528,7 +8128,7 @@
         </p:nvSpPr>
         <p:spPr>
           <a:xfrm>
-            <a:off x="1117600" y="1887220"/>
+            <a:off x="2032000" y="2344420"/>
             <a:ext cx="2355215" cy="734060"/>
           </a:xfrm>
           <a:prstGeom prst="rect">
@@ -4741,7 +8341,7 @@
         </p:nvSpPr>
         <p:spPr>
           <a:xfrm>
-            <a:off x="2785745" y="1887220"/>
+            <a:off x="3700145" y="2344420"/>
             <a:ext cx="1982470" cy="734060"/>
           </a:xfrm>
           <a:prstGeom prst="rect">
@@ -4954,7 +8554,7 @@
         </p:nvSpPr>
         <p:spPr>
           <a:xfrm>
-            <a:off x="1151255" y="3569335"/>
+            <a:off x="2065655" y="4026535"/>
             <a:ext cx="3920490" cy="734060"/>
           </a:xfrm>
           <a:prstGeom prst="rect">
@@ -5173,7 +8773,7 @@
         </p:blipFill>
         <p:spPr>
           <a:xfrm>
-            <a:off x="6162040" y="1497330"/>
+            <a:off x="7076440" y="1954530"/>
             <a:ext cx="1352550" cy="1123950"/>
           </a:xfrm>
           <a:prstGeom prst="rect">
@@ -5197,7 +8797,7 @@
         </p:blipFill>
         <p:spPr>
           <a:xfrm>
-            <a:off x="6183630" y="2857500"/>
+            <a:off x="7098030" y="3314700"/>
             <a:ext cx="1352550" cy="1143000"/>
           </a:xfrm>
           <a:prstGeom prst="rect">
@@ -5221,7 +8821,7 @@
         </p:blipFill>
         <p:spPr>
           <a:xfrm>
-            <a:off x="6142990" y="4303395"/>
+            <a:off x="7057390" y="4760595"/>
             <a:ext cx="1371600" cy="1114425"/>
           </a:xfrm>
           <a:prstGeom prst="rect">
@@ -5234,6 +8834,483 @@
   <p:clrMapOvr>
     <a:masterClrMapping/>
   </p:clrMapOvr>
+  <p:timing>
+    <p:tnLst>
+      <p:par>
+        <p:cTn id="1" dur="indefinite" restart="never" nodeType="tmRoot">
+          <p:childTnLst>
+            <p:seq concurrent="1" nextAc="seek">
+              <p:cTn id="2" dur="indefinite" nodeType="mainSeq">
+                <p:childTnLst>
+                  <p:par>
+                    <p:cTn id="3" fill="hold">
+                      <p:stCondLst>
+                        <p:cond delay="indefinite"/>
+                      </p:stCondLst>
+                      <p:childTnLst>
+                        <p:par>
+                          <p:cTn id="4" fill="hold">
+                            <p:stCondLst>
+                              <p:cond delay="0"/>
+                            </p:stCondLst>
+                            <p:childTnLst>
+                              <p:par>
+                                <p:cTn id="5" presetID="1" presetClass="entr" presetSubtype="0" fill="hold" grpId="0" nodeType="clickEffect">
+                                  <p:stCondLst>
+                                    <p:cond delay="0"/>
+                                  </p:stCondLst>
+                                  <p:childTnLst>
+                                    <p:set>
+                                      <p:cBhvr>
+                                        <p:cTn id="6" dur="1" fill="hold">
+                                          <p:stCondLst>
+                                            <p:cond delay="0"/>
+                                          </p:stCondLst>
+                                        </p:cTn>
+                                        <p:tgtEl>
+                                          <p:spTgt spid="5">
+                                            <p:txEl>
+                                              <p:pRg st="0" end="0"/>
+                                            </p:txEl>
+                                          </p:spTgt>
+                                        </p:tgtEl>
+                                        <p:attrNameLst>
+                                          <p:attrName>style.visibility</p:attrName>
+                                        </p:attrNameLst>
+                                      </p:cBhvr>
+                                      <p:to>
+                                        <p:strVal val="visible"/>
+                                      </p:to>
+                                    </p:set>
+                                  </p:childTnLst>
+                                </p:cTn>
+                              </p:par>
+                              <p:par>
+                                <p:cTn id="7" presetID="1" presetClass="entr" presetSubtype="0" fill="hold" grpId="0" nodeType="withEffect">
+                                  <p:stCondLst>
+                                    <p:cond delay="0"/>
+                                  </p:stCondLst>
+                                  <p:childTnLst>
+                                    <p:set>
+                                      <p:cBhvr>
+                                        <p:cTn id="8" dur="1" fill="hold">
+                                          <p:stCondLst>
+                                            <p:cond delay="0"/>
+                                          </p:stCondLst>
+                                        </p:cTn>
+                                        <p:tgtEl>
+                                          <p:spTgt spid="14"/>
+                                        </p:tgtEl>
+                                        <p:attrNameLst>
+                                          <p:attrName>style.visibility</p:attrName>
+                                        </p:attrNameLst>
+                                      </p:cBhvr>
+                                      <p:to>
+                                        <p:strVal val="visible"/>
+                                      </p:to>
+                                    </p:set>
+                                  </p:childTnLst>
+                                </p:cTn>
+                              </p:par>
+                              <p:par>
+                                <p:cTn id="9" presetID="1" presetClass="entr" presetSubtype="0" fill="hold" grpId="0" nodeType="withEffect">
+                                  <p:stCondLst>
+                                    <p:cond delay="0"/>
+                                  </p:stCondLst>
+                                  <p:childTnLst>
+                                    <p:set>
+                                      <p:cBhvr>
+                                        <p:cTn id="10" dur="1" fill="hold">
+                                          <p:stCondLst>
+                                            <p:cond delay="0"/>
+                                          </p:stCondLst>
+                                        </p:cTn>
+                                        <p:tgtEl>
+                                          <p:spTgt spid="15"/>
+                                        </p:tgtEl>
+                                        <p:attrNameLst>
+                                          <p:attrName>style.visibility</p:attrName>
+                                        </p:attrNameLst>
+                                      </p:cBhvr>
+                                      <p:to>
+                                        <p:strVal val="visible"/>
+                                      </p:to>
+                                    </p:set>
+                                  </p:childTnLst>
+                                </p:cTn>
+                              </p:par>
+                              <p:par>
+                                <p:cTn id="11" presetID="1" presetClass="entr" presetSubtype="0" fill="hold" nodeType="withEffect">
+                                  <p:stCondLst>
+                                    <p:cond delay="0"/>
+                                  </p:stCondLst>
+                                  <p:childTnLst>
+                                    <p:set>
+                                      <p:cBhvr>
+                                        <p:cTn id="12" dur="1" fill="hold">
+                                          <p:stCondLst>
+                                            <p:cond delay="0"/>
+                                          </p:stCondLst>
+                                        </p:cTn>
+                                        <p:tgtEl>
+                                          <p:spTgt spid="2"/>
+                                        </p:tgtEl>
+                                        <p:attrNameLst>
+                                          <p:attrName>style.visibility</p:attrName>
+                                        </p:attrNameLst>
+                                      </p:cBhvr>
+                                      <p:to>
+                                        <p:strVal val="visible"/>
+                                      </p:to>
+                                    </p:set>
+                                  </p:childTnLst>
+                                </p:cTn>
+                              </p:par>
+                            </p:childTnLst>
+                          </p:cTn>
+                        </p:par>
+                      </p:childTnLst>
+                    </p:cTn>
+                  </p:par>
+                  <p:par>
+                    <p:cTn id="13" fill="hold">
+                      <p:stCondLst>
+                        <p:cond delay="indefinite"/>
+                      </p:stCondLst>
+                      <p:childTnLst>
+                        <p:par>
+                          <p:cTn id="14" fill="hold">
+                            <p:stCondLst>
+                              <p:cond delay="0"/>
+                            </p:stCondLst>
+                            <p:childTnLst>
+                              <p:par>
+                                <p:cTn id="15" presetID="2" presetClass="entr" presetSubtype="4" fill="hold" grpId="2" nodeType="clickEffect">
+                                  <p:stCondLst>
+                                    <p:cond delay="0"/>
+                                  </p:stCondLst>
+                                  <p:childTnLst>
+                                    <p:set>
+                                      <p:cBhvr>
+                                        <p:cTn id="16" dur="1" fill="hold">
+                                          <p:stCondLst>
+                                            <p:cond delay="0"/>
+                                          </p:stCondLst>
+                                        </p:cTn>
+                                        <p:tgtEl>
+                                          <p:spTgt spid="10"/>
+                                        </p:tgtEl>
+                                        <p:attrNameLst>
+                                          <p:attrName>style.visibility</p:attrName>
+                                        </p:attrNameLst>
+                                      </p:cBhvr>
+                                      <p:to>
+                                        <p:strVal val="visible"/>
+                                      </p:to>
+                                    </p:set>
+                                    <p:anim calcmode="lin" valueType="num">
+                                      <p:cBhvr additive="base">
+                                        <p:cTn id="17" dur="500" fill="hold"/>
+                                        <p:tgtEl>
+                                          <p:spTgt spid="10"/>
+                                        </p:tgtEl>
+                                        <p:attrNameLst>
+                                          <p:attrName>ppt_x</p:attrName>
+                                        </p:attrNameLst>
+                                      </p:cBhvr>
+                                      <p:tavLst>
+                                        <p:tav tm="0">
+                                          <p:val>
+                                            <p:strVal val="#ppt_x"/>
+                                          </p:val>
+                                        </p:tav>
+                                        <p:tav tm="100000">
+                                          <p:val>
+                                            <p:strVal val="#ppt_x"/>
+                                          </p:val>
+                                        </p:tav>
+                                      </p:tavLst>
+                                    </p:anim>
+                                    <p:anim calcmode="lin" valueType="num">
+                                      <p:cBhvr additive="base">
+                                        <p:cTn id="18" dur="500" fill="hold"/>
+                                        <p:tgtEl>
+                                          <p:spTgt spid="10"/>
+                                        </p:tgtEl>
+                                        <p:attrNameLst>
+                                          <p:attrName>ppt_y</p:attrName>
+                                        </p:attrNameLst>
+                                      </p:cBhvr>
+                                      <p:tavLst>
+                                        <p:tav tm="0">
+                                          <p:val>
+                                            <p:strVal val="1+#ppt_h/2"/>
+                                          </p:val>
+                                        </p:tav>
+                                        <p:tav tm="100000">
+                                          <p:val>
+                                            <p:strVal val="#ppt_y"/>
+                                          </p:val>
+                                        </p:tav>
+                                      </p:tavLst>
+                                    </p:anim>
+                                  </p:childTnLst>
+                                </p:cTn>
+                              </p:par>
+                              <p:par>
+                                <p:cTn id="19" presetID="2" presetClass="entr" presetSubtype="4" fill="hold" grpId="2" nodeType="withEffect">
+                                  <p:stCondLst>
+                                    <p:cond delay="0"/>
+                                  </p:stCondLst>
+                                  <p:childTnLst>
+                                    <p:set>
+                                      <p:cBhvr>
+                                        <p:cTn id="20" dur="1" fill="hold">
+                                          <p:stCondLst>
+                                            <p:cond delay="0"/>
+                                          </p:stCondLst>
+                                        </p:cTn>
+                                        <p:tgtEl>
+                                          <p:spTgt spid="16"/>
+                                        </p:tgtEl>
+                                        <p:attrNameLst>
+                                          <p:attrName>style.visibility</p:attrName>
+                                        </p:attrNameLst>
+                                      </p:cBhvr>
+                                      <p:to>
+                                        <p:strVal val="visible"/>
+                                      </p:to>
+                                    </p:set>
+                                    <p:anim calcmode="lin" valueType="num">
+                                      <p:cBhvr additive="base">
+                                        <p:cTn id="21" dur="500" fill="hold"/>
+                                        <p:tgtEl>
+                                          <p:spTgt spid="16"/>
+                                        </p:tgtEl>
+                                        <p:attrNameLst>
+                                          <p:attrName>ppt_x</p:attrName>
+                                        </p:attrNameLst>
+                                      </p:cBhvr>
+                                      <p:tavLst>
+                                        <p:tav tm="0">
+                                          <p:val>
+                                            <p:strVal val="#ppt_x"/>
+                                          </p:val>
+                                        </p:tav>
+                                        <p:tav tm="100000">
+                                          <p:val>
+                                            <p:strVal val="#ppt_x"/>
+                                          </p:val>
+                                        </p:tav>
+                                      </p:tavLst>
+                                    </p:anim>
+                                    <p:anim calcmode="lin" valueType="num">
+                                      <p:cBhvr additive="base">
+                                        <p:cTn id="22" dur="500" fill="hold"/>
+                                        <p:tgtEl>
+                                          <p:spTgt spid="16"/>
+                                        </p:tgtEl>
+                                        <p:attrNameLst>
+                                          <p:attrName>ppt_y</p:attrName>
+                                        </p:attrNameLst>
+                                      </p:cBhvr>
+                                      <p:tavLst>
+                                        <p:tav tm="0">
+                                          <p:val>
+                                            <p:strVal val="1+#ppt_h/2"/>
+                                          </p:val>
+                                        </p:tav>
+                                        <p:tav tm="100000">
+                                          <p:val>
+                                            <p:strVal val="#ppt_y"/>
+                                          </p:val>
+                                        </p:tav>
+                                      </p:tavLst>
+                                    </p:anim>
+                                  </p:childTnLst>
+                                </p:cTn>
+                              </p:par>
+                              <p:par>
+                                <p:cTn id="23" presetID="2" presetClass="entr" presetSubtype="4" fill="hold" nodeType="withEffect">
+                                  <p:stCondLst>
+                                    <p:cond delay="0"/>
+                                  </p:stCondLst>
+                                  <p:childTnLst>
+                                    <p:set>
+                                      <p:cBhvr>
+                                        <p:cTn id="24" dur="1" fill="hold">
+                                          <p:stCondLst>
+                                            <p:cond delay="0"/>
+                                          </p:stCondLst>
+                                        </p:cTn>
+                                        <p:tgtEl>
+                                          <p:spTgt spid="3"/>
+                                        </p:tgtEl>
+                                        <p:attrNameLst>
+                                          <p:attrName>style.visibility</p:attrName>
+                                        </p:attrNameLst>
+                                      </p:cBhvr>
+                                      <p:to>
+                                        <p:strVal val="visible"/>
+                                      </p:to>
+                                    </p:set>
+                                    <p:anim calcmode="lin" valueType="num">
+                                      <p:cBhvr additive="base">
+                                        <p:cTn id="25" dur="500" fill="hold"/>
+                                        <p:tgtEl>
+                                          <p:spTgt spid="3"/>
+                                        </p:tgtEl>
+                                        <p:attrNameLst>
+                                          <p:attrName>ppt_x</p:attrName>
+                                        </p:attrNameLst>
+                                      </p:cBhvr>
+                                      <p:tavLst>
+                                        <p:tav tm="0">
+                                          <p:val>
+                                            <p:strVal val="#ppt_x"/>
+                                          </p:val>
+                                        </p:tav>
+                                        <p:tav tm="100000">
+                                          <p:val>
+                                            <p:strVal val="#ppt_x"/>
+                                          </p:val>
+                                        </p:tav>
+                                      </p:tavLst>
+                                    </p:anim>
+                                    <p:anim calcmode="lin" valueType="num">
+                                      <p:cBhvr additive="base">
+                                        <p:cTn id="26" dur="500" fill="hold"/>
+                                        <p:tgtEl>
+                                          <p:spTgt spid="3"/>
+                                        </p:tgtEl>
+                                        <p:attrNameLst>
+                                          <p:attrName>ppt_y</p:attrName>
+                                        </p:attrNameLst>
+                                      </p:cBhvr>
+                                      <p:tavLst>
+                                        <p:tav tm="0">
+                                          <p:val>
+                                            <p:strVal val="1+#ppt_h/2"/>
+                                          </p:val>
+                                        </p:tav>
+                                        <p:tav tm="100000">
+                                          <p:val>
+                                            <p:strVal val="#ppt_y"/>
+                                          </p:val>
+                                        </p:tav>
+                                      </p:tavLst>
+                                    </p:anim>
+                                  </p:childTnLst>
+                                </p:cTn>
+                              </p:par>
+                            </p:childTnLst>
+                          </p:cTn>
+                        </p:par>
+                      </p:childTnLst>
+                    </p:cTn>
+                  </p:par>
+                  <p:par>
+                    <p:cTn id="27" fill="hold">
+                      <p:stCondLst>
+                        <p:cond delay="indefinite"/>
+                      </p:stCondLst>
+                      <p:childTnLst>
+                        <p:par>
+                          <p:cTn id="28" fill="hold">
+                            <p:stCondLst>
+                              <p:cond delay="0"/>
+                            </p:stCondLst>
+                            <p:childTnLst>
+                              <p:par>
+                                <p:cTn id="29" presetID="1" presetClass="entr" presetSubtype="0" fill="hold" grpId="0" nodeType="clickEffect">
+                                  <p:stCondLst>
+                                    <p:cond delay="0"/>
+                                  </p:stCondLst>
+                                  <p:childTnLst>
+                                    <p:set>
+                                      <p:cBhvr>
+                                        <p:cTn id="30" dur="1" fill="hold">
+                                          <p:stCondLst>
+                                            <p:cond delay="0"/>
+                                          </p:stCondLst>
+                                        </p:cTn>
+                                        <p:tgtEl>
+                                          <p:spTgt spid="7"/>
+                                        </p:tgtEl>
+                                        <p:attrNameLst>
+                                          <p:attrName>style.visibility</p:attrName>
+                                        </p:attrNameLst>
+                                      </p:cBhvr>
+                                      <p:to>
+                                        <p:strVal val="visible"/>
+                                      </p:to>
+                                    </p:set>
+                                  </p:childTnLst>
+                                </p:cTn>
+                              </p:par>
+                              <p:par>
+                                <p:cTn id="31" presetID="1" presetClass="entr" presetSubtype="0" fill="hold" nodeType="withEffect">
+                                  <p:stCondLst>
+                                    <p:cond delay="0"/>
+                                  </p:stCondLst>
+                                  <p:childTnLst>
+                                    <p:set>
+                                      <p:cBhvr>
+                                        <p:cTn id="32" dur="1" fill="hold">
+                                          <p:stCondLst>
+                                            <p:cond delay="0"/>
+                                          </p:stCondLst>
+                                        </p:cTn>
+                                        <p:tgtEl>
+                                          <p:spTgt spid="6"/>
+                                        </p:tgtEl>
+                                        <p:attrNameLst>
+                                          <p:attrName>style.visibility</p:attrName>
+                                        </p:attrNameLst>
+                                      </p:cBhvr>
+                                      <p:to>
+                                        <p:strVal val="visible"/>
+                                      </p:to>
+                                    </p:set>
+                                  </p:childTnLst>
+                                </p:cTn>
+                              </p:par>
+                            </p:childTnLst>
+                          </p:cTn>
+                        </p:par>
+                      </p:childTnLst>
+                    </p:cTn>
+                  </p:par>
+                </p:childTnLst>
+              </p:cTn>
+              <p:prevCondLst>
+                <p:cond evt="onPrev" delay="0">
+                  <p:tgtEl>
+                    <p:sldTgt/>
+                  </p:tgtEl>
+                </p:cond>
+              </p:prevCondLst>
+              <p:nextCondLst>
+                <p:cond evt="onNext" delay="0">
+                  <p:tgtEl>
+                    <p:sldTgt/>
+                  </p:tgtEl>
+                </p:cond>
+              </p:nextCondLst>
+            </p:seq>
+          </p:childTnLst>
+        </p:cTn>
+      </p:par>
+    </p:tnLst>
+    <p:bldLst>
+      <p:bldP spid="5" grpId="0" build="p"/>
+      <p:bldP spid="14" grpId="0"/>
+      <p:bldP spid="15" grpId="0"/>
+      <p:bldP spid="10" grpId="2"/>
+      <p:bldP spid="16" grpId="2"/>
+      <p:bldP spid="7" grpId="0"/>
+    </p:bldLst>
+  </p:timing>
 </p:sld>
 </file>
 
@@ -5285,11 +9362,28 @@
             <p:ph sz="quarter" idx="11"/>
           </p:nvPr>
         </p:nvSpPr>
-        <p:spPr/>
+        <p:spPr>
+          <a:xfrm>
+            <a:off x="6986905" y="1885315"/>
+            <a:ext cx="4114800" cy="487680"/>
+          </a:xfrm>
+        </p:spPr>
         <p:txBody>
           <a:bodyPr/>
           <a:p>
-            <a:endParaRPr lang="en-US"/>
+            <a:r>
+              <a:rPr lang="en-US" sz="2400" b="1">
+                <a:solidFill>
+                  <a:srgbClr val="FF0000"/>
+                </a:solidFill>
+              </a:rPr>
+              <a:t>module-info.java</a:t>
+            </a:r>
+            <a:endParaRPr lang="en-US" sz="2400" b="1">
+              <a:solidFill>
+                <a:srgbClr val="FF0000"/>
+              </a:solidFill>
+            </a:endParaRPr>
           </a:p>
         </p:txBody>
       </p:sp>
@@ -5311,8 +9405,8 @@
         </p:blipFill>
         <p:spPr>
           <a:xfrm>
-            <a:off x="749300" y="2335530"/>
-            <a:ext cx="10940415" cy="3763010"/>
+            <a:off x="5721350" y="2449195"/>
+            <a:ext cx="6082665" cy="3385185"/>
           </a:xfrm>
           <a:prstGeom prst="rect">
             <a:avLst/>
@@ -5322,6 +9416,59 @@
               <a:schemeClr val="tx1"/>
             </a:solidFill>
           </a:ln>
+        </p:spPr>
+      </p:pic>
+      <p:pic>
+        <p:nvPicPr>
+          <p:cNvPr id="4" name="Picture 3"/>
+          <p:cNvPicPr>
+            <a:picLocks noChangeAspect="1"/>
+          </p:cNvPicPr>
+          <p:nvPr/>
+        </p:nvPicPr>
+        <p:blipFill>
+          <a:blip r:embed="rId2"/>
+          <a:stretch>
+            <a:fillRect/>
+          </a:stretch>
+        </p:blipFill>
+        <p:spPr>
+          <a:xfrm>
+            <a:off x="159385" y="2609850"/>
+            <a:ext cx="5065395" cy="2911475"/>
+          </a:xfrm>
+          <a:prstGeom prst="rect">
+            <a:avLst/>
+          </a:prstGeom>
+          <a:ln>
+            <a:solidFill>
+              <a:schemeClr val="accent1"/>
+            </a:solidFill>
+          </a:ln>
+        </p:spPr>
+      </p:pic>
+      <p:pic>
+        <p:nvPicPr>
+          <p:cNvPr id="5" name="Picture 4"/>
+          <p:cNvPicPr>
+            <a:picLocks noChangeAspect="1"/>
+          </p:cNvPicPr>
+          <p:nvPr/>
+        </p:nvPicPr>
+        <p:blipFill>
+          <a:blip r:embed="rId3"/>
+          <a:stretch>
+            <a:fillRect/>
+          </a:stretch>
+        </p:blipFill>
+        <p:spPr>
+          <a:xfrm>
+            <a:off x="159385" y="2106295"/>
+            <a:ext cx="2269490" cy="438150"/>
+          </a:xfrm>
+          <a:prstGeom prst="rect">
+            <a:avLst/>
+          </a:prstGeom>
         </p:spPr>
       </p:pic>
     </p:spTree>
@@ -5787,6 +9934,22 @@
     <a:masterClrMapping/>
   </p:clrMapOvr>
 </p:sld>
+</file>
+
+<file path=ppt/tags/tag1.xml><?xml version="1.0" encoding="utf-8"?>
+<p:tagLst xmlns:p="http://schemas.openxmlformats.org/presentationml/2006/main">
+  <p:tag name="KSO_WM_UNIT_DIAGRAM_MODELTYPE" val="dynamicNum"/>
+  <p:tag name="KSO_WM_BEAUTIFY_FLAG" val="#wm#"/>
+  <p:tag name="KSO_WM_UNIT_TYPE" val="ζ_h_f"/>
+</p:tagLst>
+</file>
+
+<file path=ppt/tags/tag2.xml><?xml version="1.0" encoding="utf-8"?>
+<p:tagLst xmlns:p="http://schemas.openxmlformats.org/presentationml/2006/main">
+  <p:tag name="KSO_WM_UNIT_DIAGRAM_MODELTYPE" val="dynamicNum"/>
+  <p:tag name="KSO_WM_BEAUTIFY_FLAG" val="#wm#"/>
+  <p:tag name="KSO_WM_UNIT_TYPE" val="ζ_h_f"/>
+</p:tagLst>
 </file>
 
 <file path=ppt/theme/theme1.xml><?xml version="1.0" encoding="utf-8"?>
